--- a/Basics_Supercomputing/how_parallel_program.pptx
+++ b/Basics_Supercomputing/how_parallel_program.pptx
@@ -9,10 +9,10 @@
     <p:sldMasterId id="2147483805" r:id="rId5"/>
   </p:sldMasterIdLst>
   <p:notesMasterIdLst>
-    <p:notesMasterId r:id="rId37"/>
+    <p:notesMasterId r:id="rId42"/>
   </p:notesMasterIdLst>
   <p:handoutMasterIdLst>
-    <p:handoutMasterId r:id="rId38"/>
+    <p:handoutMasterId r:id="rId43"/>
   </p:handoutMasterIdLst>
   <p:sldIdLst>
     <p:sldId id="312" r:id="rId6"/>
@@ -34,18 +34,23 @@
     <p:sldId id="359" r:id="rId22"/>
     <p:sldId id="347" r:id="rId23"/>
     <p:sldId id="360" r:id="rId24"/>
-    <p:sldId id="417" r:id="rId25"/>
-    <p:sldId id="421" r:id="rId26"/>
-    <p:sldId id="419" r:id="rId27"/>
-    <p:sldId id="420" r:id="rId28"/>
-    <p:sldId id="422" r:id="rId29"/>
-    <p:sldId id="423" r:id="rId30"/>
-    <p:sldId id="429" r:id="rId31"/>
-    <p:sldId id="424" r:id="rId32"/>
-    <p:sldId id="425" r:id="rId33"/>
-    <p:sldId id="430" r:id="rId34"/>
-    <p:sldId id="399" r:id="rId35"/>
-    <p:sldId id="406" r:id="rId36"/>
+    <p:sldId id="432" r:id="rId25"/>
+    <p:sldId id="431" r:id="rId26"/>
+    <p:sldId id="433" r:id="rId27"/>
+    <p:sldId id="434" r:id="rId28"/>
+    <p:sldId id="435" r:id="rId29"/>
+    <p:sldId id="417" r:id="rId30"/>
+    <p:sldId id="421" r:id="rId31"/>
+    <p:sldId id="419" r:id="rId32"/>
+    <p:sldId id="420" r:id="rId33"/>
+    <p:sldId id="422" r:id="rId34"/>
+    <p:sldId id="423" r:id="rId35"/>
+    <p:sldId id="429" r:id="rId36"/>
+    <p:sldId id="424" r:id="rId37"/>
+    <p:sldId id="425" r:id="rId38"/>
+    <p:sldId id="430" r:id="rId39"/>
+    <p:sldId id="399" r:id="rId40"/>
+    <p:sldId id="406" r:id="rId41"/>
   </p:sldIdLst>
   <p:sldSz cx="9144000" cy="6858000" type="screen4x3"/>
   <p:notesSz cx="6858000" cy="9144000"/>
@@ -245,7 +250,7 @@
           <a:p>
             <a:fld id="{F8E3E0DE-FB6D-A44C-A23A-E2BCA235FD7A}" type="datetimeFigureOut">
               <a:rPr lang="en-US" smtClean="0"/>
-              <a:t>7/18/16</a:t>
+              <a:t>7/19/16</a:t>
             </a:fld>
             <a:endParaRPr lang="en-US"/>
           </a:p>
@@ -411,7 +416,7 @@
           <a:p>
             <a:fld id="{60A63853-5987-DF4B-9DFB-1B52DF4CD897}" type="datetimeFigureOut">
               <a:rPr lang="en-US" smtClean="0"/>
-              <a:t>7/18/16</a:t>
+              <a:t>7/19/16</a:t>
             </a:fld>
             <a:endParaRPr lang="en-US"/>
           </a:p>
@@ -769,7 +774,7 @@
   <p:cSld>
     <p:spTree>
       <p:nvGrpSpPr>
-        <p:cNvPr id="1" name="Shape 292"/>
+        <p:cNvPr id="1" name="Shape 253"/>
         <p:cNvGrpSpPr/>
         <p:nvPr/>
       </p:nvGrpSpPr>
@@ -783,7 +788,7 @@
       </p:grpSpPr>
       <p:sp>
         <p:nvSpPr>
-          <p:cNvPr id="293" name="Shape 293"/>
+          <p:cNvPr id="254" name="Shape 254"/>
           <p:cNvSpPr txBox="1">
             <a:spLocks noGrp="1"/>
           </p:cNvSpPr>
@@ -818,7 +823,7 @@
       </p:sp>
       <p:sp>
         <p:nvSpPr>
-          <p:cNvPr id="294" name="Shape 294"/>
+          <p:cNvPr id="255" name="Shape 255"/>
           <p:cNvSpPr>
             <a:spLocks noGrp="1" noRot="1" noChangeAspect="1"/>
           </p:cNvSpPr>
@@ -870,7 +875,7 @@
     </p:spTree>
     <p:extLst>
       <p:ext uri="{BB962C8B-B14F-4D97-AF65-F5344CB8AC3E}">
-        <p14:creationId xmlns:p14="http://schemas.microsoft.com/office/powerpoint/2010/main" val="1860601308"/>
+        <p14:creationId xmlns:p14="http://schemas.microsoft.com/office/powerpoint/2010/main" val="2141865165"/>
       </p:ext>
     </p:extLst>
   </p:cSld>
@@ -885,7 +890,7 @@
   <p:cSld>
     <p:spTree>
       <p:nvGrpSpPr>
-        <p:cNvPr id="1" name="Shape 301"/>
+        <p:cNvPr id="1" name="Shape 263"/>
         <p:cNvGrpSpPr/>
         <p:nvPr/>
       </p:nvGrpSpPr>
@@ -899,7 +904,7 @@
       </p:grpSpPr>
       <p:sp>
         <p:nvSpPr>
-          <p:cNvPr id="302" name="Shape 302"/>
+          <p:cNvPr id="264" name="Shape 264"/>
           <p:cNvSpPr txBox="1">
             <a:spLocks noGrp="1"/>
           </p:cNvSpPr>
@@ -934,7 +939,7 @@
       </p:sp>
       <p:sp>
         <p:nvSpPr>
-          <p:cNvPr id="303" name="Shape 303"/>
+          <p:cNvPr id="265" name="Shape 265"/>
           <p:cNvSpPr>
             <a:spLocks noGrp="1" noRot="1" noChangeAspect="1"/>
           </p:cNvSpPr>
@@ -986,7 +991,7 @@
     </p:spTree>
     <p:extLst>
       <p:ext uri="{BB962C8B-B14F-4D97-AF65-F5344CB8AC3E}">
-        <p14:creationId xmlns:p14="http://schemas.microsoft.com/office/powerpoint/2010/main" val="1440106832"/>
+        <p14:creationId xmlns:p14="http://schemas.microsoft.com/office/powerpoint/2010/main" val="654977803"/>
       </p:ext>
     </p:extLst>
   </p:cSld>
@@ -1001,7 +1006,7 @@
   <p:cSld>
     <p:spTree>
       <p:nvGrpSpPr>
-        <p:cNvPr id="1" name="Shape 310"/>
+        <p:cNvPr id="1" name="Shape 292"/>
         <p:cNvGrpSpPr/>
         <p:nvPr/>
       </p:nvGrpSpPr>
@@ -1015,7 +1020,7 @@
       </p:grpSpPr>
       <p:sp>
         <p:nvSpPr>
-          <p:cNvPr id="311" name="Shape 311"/>
+          <p:cNvPr id="293" name="Shape 293"/>
           <p:cNvSpPr txBox="1">
             <a:spLocks noGrp="1"/>
           </p:cNvSpPr>
@@ -1050,7 +1055,7 @@
       </p:sp>
       <p:sp>
         <p:nvSpPr>
-          <p:cNvPr id="312" name="Shape 312"/>
+          <p:cNvPr id="294" name="Shape 294"/>
           <p:cNvSpPr>
             <a:spLocks noGrp="1" noRot="1" noChangeAspect="1"/>
           </p:cNvSpPr>
@@ -1102,7 +1107,7 @@
     </p:spTree>
     <p:extLst>
       <p:ext uri="{BB962C8B-B14F-4D97-AF65-F5344CB8AC3E}">
-        <p14:creationId xmlns:p14="http://schemas.microsoft.com/office/powerpoint/2010/main" val="797022019"/>
+        <p14:creationId xmlns:p14="http://schemas.microsoft.com/office/powerpoint/2010/main" val="1860601308"/>
       </p:ext>
     </p:extLst>
   </p:cSld>
@@ -1117,7 +1122,7 @@
   <p:cSld>
     <p:spTree>
       <p:nvGrpSpPr>
-        <p:cNvPr id="1" name="Shape 319"/>
+        <p:cNvPr id="1" name="Shape 301"/>
         <p:cNvGrpSpPr/>
         <p:nvPr/>
       </p:nvGrpSpPr>
@@ -1131,7 +1136,7 @@
       </p:grpSpPr>
       <p:sp>
         <p:nvSpPr>
-          <p:cNvPr id="320" name="Shape 320"/>
+          <p:cNvPr id="302" name="Shape 302"/>
           <p:cNvSpPr txBox="1">
             <a:spLocks noGrp="1"/>
           </p:cNvSpPr>
@@ -1166,7 +1171,7 @@
       </p:sp>
       <p:sp>
         <p:nvSpPr>
-          <p:cNvPr id="321" name="Shape 321"/>
+          <p:cNvPr id="303" name="Shape 303"/>
           <p:cNvSpPr>
             <a:spLocks noGrp="1" noRot="1" noChangeAspect="1"/>
           </p:cNvSpPr>
@@ -1218,7 +1223,7 @@
     </p:spTree>
     <p:extLst>
       <p:ext uri="{BB962C8B-B14F-4D97-AF65-F5344CB8AC3E}">
-        <p14:creationId xmlns:p14="http://schemas.microsoft.com/office/powerpoint/2010/main" val="1032210820"/>
+        <p14:creationId xmlns:p14="http://schemas.microsoft.com/office/powerpoint/2010/main" val="1440106832"/>
       </p:ext>
     </p:extLst>
   </p:cSld>
@@ -1233,7 +1238,7 @@
   <p:cSld>
     <p:spTree>
       <p:nvGrpSpPr>
-        <p:cNvPr id="1" name="Shape 128"/>
+        <p:cNvPr id="1" name="Shape 310"/>
         <p:cNvGrpSpPr/>
         <p:nvPr/>
       </p:nvGrpSpPr>
@@ -1247,7 +1252,7 @@
       </p:grpSpPr>
       <p:sp>
         <p:nvSpPr>
-          <p:cNvPr id="129" name="Shape 129"/>
+          <p:cNvPr id="311" name="Shape 311"/>
           <p:cNvSpPr txBox="1">
             <a:spLocks noGrp="1"/>
           </p:cNvSpPr>
@@ -1282,7 +1287,7 @@
       </p:sp>
       <p:sp>
         <p:nvSpPr>
-          <p:cNvPr id="130" name="Shape 130"/>
+          <p:cNvPr id="312" name="Shape 312"/>
           <p:cNvSpPr>
             <a:spLocks noGrp="1" noRot="1" noChangeAspect="1"/>
           </p:cNvSpPr>
@@ -1334,7 +1339,7 @@
     </p:spTree>
     <p:extLst>
       <p:ext uri="{BB962C8B-B14F-4D97-AF65-F5344CB8AC3E}">
-        <p14:creationId xmlns:p14="http://schemas.microsoft.com/office/powerpoint/2010/main" val="1925366925"/>
+        <p14:creationId xmlns:p14="http://schemas.microsoft.com/office/powerpoint/2010/main" val="797022019"/>
       </p:ext>
     </p:extLst>
   </p:cSld>
@@ -1344,12 +1349,12 @@
 </p:notes>
 </file>
 
-<file path=ppt/notesSlides/notesSlide2.xml><?xml version="1.0" encoding="utf-8"?>
-<p:notes xmlns:a="http://schemas.openxmlformats.org/drawingml/2006/main" xmlns:r="http://schemas.openxmlformats.org/officeDocument/2006/relationships" xmlns:p="http://schemas.openxmlformats.org/presentationml/2006/main">
+<file path=ppt/notesSlides/notesSlide15.xml><?xml version="1.0" encoding="utf-8"?>
+<p:notes xmlns:a="http://schemas.openxmlformats.org/drawingml/2006/main" xmlns:r="http://schemas.openxmlformats.org/officeDocument/2006/relationships" xmlns:p="http://schemas.openxmlformats.org/presentationml/2006/main" showMasterSp="0" showMasterPhAnim="0">
   <p:cSld>
     <p:spTree>
       <p:nvGrpSpPr>
-        <p:cNvPr id="1" name=""/>
+        <p:cNvPr id="1" name="Shape 319"/>
         <p:cNvGrpSpPr/>
         <p:nvPr/>
       </p:nvGrpSpPr>
@@ -1363,91 +1368,7 @@
       </p:grpSpPr>
       <p:sp>
         <p:nvSpPr>
-          <p:cNvPr id="2" name="Slide Image Placeholder 1"/>
-          <p:cNvSpPr>
-            <a:spLocks noGrp="1" noRot="1" noChangeAspect="1"/>
-          </p:cNvSpPr>
-          <p:nvPr>
-            <p:ph type="sldImg"/>
-          </p:nvPr>
-        </p:nvSpPr>
-        <p:spPr/>
-      </p:sp>
-      <p:sp>
-        <p:nvSpPr>
-          <p:cNvPr id="3" name="Notes Placeholder 2"/>
-          <p:cNvSpPr>
-            <a:spLocks noGrp="1"/>
-          </p:cNvSpPr>
-          <p:nvPr>
-            <p:ph type="body" idx="1"/>
-          </p:nvPr>
-        </p:nvSpPr>
-        <p:spPr/>
-        <p:txBody>
-          <a:bodyPr/>
-          <a:lstStyle/>
-          <a:p>
-            <a:endParaRPr lang="en-US"/>
-          </a:p>
-        </p:txBody>
-      </p:sp>
-      <p:sp>
-        <p:nvSpPr>
-          <p:cNvPr id="4" name="Slide Number Placeholder 3"/>
-          <p:cNvSpPr>
-            <a:spLocks noGrp="1"/>
-          </p:cNvSpPr>
-          <p:nvPr>
-            <p:ph type="sldNum" sz="quarter" idx="10"/>
-          </p:nvPr>
-        </p:nvSpPr>
-        <p:spPr/>
-        <p:txBody>
-          <a:bodyPr/>
-          <a:lstStyle/>
-          <a:p>
-            <a:fld id="{C26F3B75-5273-7B41-AD29-8C6C6FD995EC}" type="slidenum">
-              <a:rPr lang="en-US" smtClean="0"/>
-              <a:t>3</a:t>
-            </a:fld>
-            <a:endParaRPr lang="en-US"/>
-          </a:p>
-        </p:txBody>
-      </p:sp>
-    </p:spTree>
-    <p:extLst>
-      <p:ext uri="{BB962C8B-B14F-4D97-AF65-F5344CB8AC3E}">
-        <p14:creationId xmlns:p14="http://schemas.microsoft.com/office/powerpoint/2010/main" val="931575471"/>
-      </p:ext>
-    </p:extLst>
-  </p:cSld>
-  <p:clrMapOvr>
-    <a:masterClrMapping/>
-  </p:clrMapOvr>
-</p:notes>
-</file>
-
-<file path=ppt/notesSlides/notesSlide3.xml><?xml version="1.0" encoding="utf-8"?>
-<p:notes xmlns:a="http://schemas.openxmlformats.org/drawingml/2006/main" xmlns:r="http://schemas.openxmlformats.org/officeDocument/2006/relationships" xmlns:p="http://schemas.openxmlformats.org/presentationml/2006/main" showMasterSp="0" showMasterPhAnim="0">
-  <p:cSld>
-    <p:spTree>
-      <p:nvGrpSpPr>
-        <p:cNvPr id="1" name="Shape 128"/>
-        <p:cNvGrpSpPr/>
-        <p:nvPr/>
-      </p:nvGrpSpPr>
-      <p:grpSpPr>
-        <a:xfrm>
-          <a:off x="0" y="0"/>
-          <a:ext cx="0" cy="0"/>
-          <a:chOff x="0" y="0"/>
-          <a:chExt cx="0" cy="0"/>
-        </a:xfrm>
-      </p:grpSpPr>
-      <p:sp>
-        <p:nvSpPr>
-          <p:cNvPr id="129" name="Shape 129"/>
+          <p:cNvPr id="320" name="Shape 320"/>
           <p:cNvSpPr txBox="1">
             <a:spLocks noGrp="1"/>
           </p:cNvSpPr>
@@ -1482,7 +1403,7 @@
       </p:sp>
       <p:sp>
         <p:nvSpPr>
-          <p:cNvPr id="130" name="Shape 130"/>
+          <p:cNvPr id="321" name="Shape 321"/>
           <p:cNvSpPr>
             <a:spLocks noGrp="1" noRot="1" noChangeAspect="1"/>
           </p:cNvSpPr>
@@ -1534,7 +1455,7 @@
     </p:spTree>
     <p:extLst>
       <p:ext uri="{BB962C8B-B14F-4D97-AF65-F5344CB8AC3E}">
-        <p14:creationId xmlns:p14="http://schemas.microsoft.com/office/powerpoint/2010/main" val="671176063"/>
+        <p14:creationId xmlns:p14="http://schemas.microsoft.com/office/powerpoint/2010/main" val="1032210820"/>
       </p:ext>
     </p:extLst>
   </p:cSld>
@@ -1544,7 +1465,7 @@
 </p:notes>
 </file>
 
-<file path=ppt/notesSlides/notesSlide4.xml><?xml version="1.0" encoding="utf-8"?>
+<file path=ppt/notesSlides/notesSlide16.xml><?xml version="1.0" encoding="utf-8"?>
 <p:notes xmlns:a="http://schemas.openxmlformats.org/drawingml/2006/main" xmlns:r="http://schemas.openxmlformats.org/officeDocument/2006/relationships" xmlns:p="http://schemas.openxmlformats.org/presentationml/2006/main" showMasterSp="0" showMasterPhAnim="0">
   <p:cSld>
     <p:spTree>
@@ -1650,7 +1571,7 @@
     </p:spTree>
     <p:extLst>
       <p:ext uri="{BB962C8B-B14F-4D97-AF65-F5344CB8AC3E}">
-        <p14:creationId xmlns:p14="http://schemas.microsoft.com/office/powerpoint/2010/main" val="1421495880"/>
+        <p14:creationId xmlns:p14="http://schemas.microsoft.com/office/powerpoint/2010/main" val="1925366925"/>
       </p:ext>
     </p:extLst>
   </p:cSld>
@@ -1660,7 +1581,91 @@
 </p:notes>
 </file>
 
-<file path=ppt/notesSlides/notesSlide5.xml><?xml version="1.0" encoding="utf-8"?>
+<file path=ppt/notesSlides/notesSlide2.xml><?xml version="1.0" encoding="utf-8"?>
+<p:notes xmlns:a="http://schemas.openxmlformats.org/drawingml/2006/main" xmlns:r="http://schemas.openxmlformats.org/officeDocument/2006/relationships" xmlns:p="http://schemas.openxmlformats.org/presentationml/2006/main">
+  <p:cSld>
+    <p:spTree>
+      <p:nvGrpSpPr>
+        <p:cNvPr id="1" name=""/>
+        <p:cNvGrpSpPr/>
+        <p:nvPr/>
+      </p:nvGrpSpPr>
+      <p:grpSpPr>
+        <a:xfrm>
+          <a:off x="0" y="0"/>
+          <a:ext cx="0" cy="0"/>
+          <a:chOff x="0" y="0"/>
+          <a:chExt cx="0" cy="0"/>
+        </a:xfrm>
+      </p:grpSpPr>
+      <p:sp>
+        <p:nvSpPr>
+          <p:cNvPr id="2" name="Slide Image Placeholder 1"/>
+          <p:cNvSpPr>
+            <a:spLocks noGrp="1" noRot="1" noChangeAspect="1"/>
+          </p:cNvSpPr>
+          <p:nvPr>
+            <p:ph type="sldImg"/>
+          </p:nvPr>
+        </p:nvSpPr>
+        <p:spPr/>
+      </p:sp>
+      <p:sp>
+        <p:nvSpPr>
+          <p:cNvPr id="3" name="Notes Placeholder 2"/>
+          <p:cNvSpPr>
+            <a:spLocks noGrp="1"/>
+          </p:cNvSpPr>
+          <p:nvPr>
+            <p:ph type="body" idx="1"/>
+          </p:nvPr>
+        </p:nvSpPr>
+        <p:spPr/>
+        <p:txBody>
+          <a:bodyPr/>
+          <a:lstStyle/>
+          <a:p>
+            <a:endParaRPr lang="en-US"/>
+          </a:p>
+        </p:txBody>
+      </p:sp>
+      <p:sp>
+        <p:nvSpPr>
+          <p:cNvPr id="4" name="Slide Number Placeholder 3"/>
+          <p:cNvSpPr>
+            <a:spLocks noGrp="1"/>
+          </p:cNvSpPr>
+          <p:nvPr>
+            <p:ph type="sldNum" sz="quarter" idx="10"/>
+          </p:nvPr>
+        </p:nvSpPr>
+        <p:spPr/>
+        <p:txBody>
+          <a:bodyPr/>
+          <a:lstStyle/>
+          <a:p>
+            <a:fld id="{C26F3B75-5273-7B41-AD29-8C6C6FD995EC}" type="slidenum">
+              <a:rPr lang="en-US" smtClean="0"/>
+              <a:t>3</a:t>
+            </a:fld>
+            <a:endParaRPr lang="en-US"/>
+          </a:p>
+        </p:txBody>
+      </p:sp>
+    </p:spTree>
+    <p:extLst>
+      <p:ext uri="{BB962C8B-B14F-4D97-AF65-F5344CB8AC3E}">
+        <p14:creationId xmlns:p14="http://schemas.microsoft.com/office/powerpoint/2010/main" val="931575471"/>
+      </p:ext>
+    </p:extLst>
+  </p:cSld>
+  <p:clrMapOvr>
+    <a:masterClrMapping/>
+  </p:clrMapOvr>
+</p:notes>
+</file>
+
+<file path=ppt/notesSlides/notesSlide3.xml><?xml version="1.0" encoding="utf-8"?>
 <p:notes xmlns:a="http://schemas.openxmlformats.org/drawingml/2006/main" xmlns:r="http://schemas.openxmlformats.org/officeDocument/2006/relationships" xmlns:p="http://schemas.openxmlformats.org/presentationml/2006/main" showMasterSp="0" showMasterPhAnim="0">
   <p:cSld>
     <p:spTree>
@@ -1766,7 +1771,7 @@
     </p:spTree>
     <p:extLst>
       <p:ext uri="{BB962C8B-B14F-4D97-AF65-F5344CB8AC3E}">
-        <p14:creationId xmlns:p14="http://schemas.microsoft.com/office/powerpoint/2010/main" val="998247494"/>
+        <p14:creationId xmlns:p14="http://schemas.microsoft.com/office/powerpoint/2010/main" val="671176063"/>
       </p:ext>
     </p:extLst>
   </p:cSld>
@@ -1776,7 +1781,7 @@
 </p:notes>
 </file>
 
-<file path=ppt/notesSlides/notesSlide6.xml><?xml version="1.0" encoding="utf-8"?>
+<file path=ppt/notesSlides/notesSlide4.xml><?xml version="1.0" encoding="utf-8"?>
 <p:notes xmlns:a="http://schemas.openxmlformats.org/drawingml/2006/main" xmlns:r="http://schemas.openxmlformats.org/officeDocument/2006/relationships" xmlns:p="http://schemas.openxmlformats.org/presentationml/2006/main" showMasterSp="0" showMasterPhAnim="0">
   <p:cSld>
     <p:spTree>
@@ -1882,7 +1887,7 @@
     </p:spTree>
     <p:extLst>
       <p:ext uri="{BB962C8B-B14F-4D97-AF65-F5344CB8AC3E}">
-        <p14:creationId xmlns:p14="http://schemas.microsoft.com/office/powerpoint/2010/main" val="1419413323"/>
+        <p14:creationId xmlns:p14="http://schemas.microsoft.com/office/powerpoint/2010/main" val="1421495880"/>
       </p:ext>
     </p:extLst>
   </p:cSld>
@@ -1892,12 +1897,12 @@
 </p:notes>
 </file>
 
-<file path=ppt/notesSlides/notesSlide7.xml><?xml version="1.0" encoding="utf-8"?>
-<p:notes xmlns:a="http://schemas.openxmlformats.org/drawingml/2006/main" xmlns:r="http://schemas.openxmlformats.org/officeDocument/2006/relationships" xmlns:p="http://schemas.openxmlformats.org/presentationml/2006/main">
+<file path=ppt/notesSlides/notesSlide5.xml><?xml version="1.0" encoding="utf-8"?>
+<p:notes xmlns:a="http://schemas.openxmlformats.org/drawingml/2006/main" xmlns:r="http://schemas.openxmlformats.org/officeDocument/2006/relationships" xmlns:p="http://schemas.openxmlformats.org/presentationml/2006/main" showMasterSp="0" showMasterPhAnim="0">
   <p:cSld>
     <p:spTree>
       <p:nvGrpSpPr>
-        <p:cNvPr id="1" name=""/>
+        <p:cNvPr id="1" name="Shape 128"/>
         <p:cNvGrpSpPr/>
         <p:nvPr/>
       </p:nvGrpSpPr>
@@ -1911,91 +1916,7 @@
       </p:grpSpPr>
       <p:sp>
         <p:nvSpPr>
-          <p:cNvPr id="2" name="Slide Image Placeholder 1"/>
-          <p:cNvSpPr>
-            <a:spLocks noGrp="1" noRot="1" noChangeAspect="1"/>
-          </p:cNvSpPr>
-          <p:nvPr>
-            <p:ph type="sldImg"/>
-          </p:nvPr>
-        </p:nvSpPr>
-        <p:spPr/>
-      </p:sp>
-      <p:sp>
-        <p:nvSpPr>
-          <p:cNvPr id="3" name="Notes Placeholder 2"/>
-          <p:cNvSpPr>
-            <a:spLocks noGrp="1"/>
-          </p:cNvSpPr>
-          <p:nvPr>
-            <p:ph type="body" idx="1"/>
-          </p:nvPr>
-        </p:nvSpPr>
-        <p:spPr/>
-        <p:txBody>
-          <a:bodyPr/>
-          <a:lstStyle/>
-          <a:p>
-            <a:endParaRPr lang="en-US"/>
-          </a:p>
-        </p:txBody>
-      </p:sp>
-      <p:sp>
-        <p:nvSpPr>
-          <p:cNvPr id="4" name="Slide Number Placeholder 3"/>
-          <p:cNvSpPr>
-            <a:spLocks noGrp="1"/>
-          </p:cNvSpPr>
-          <p:nvPr>
-            <p:ph type="sldNum" sz="quarter" idx="10"/>
-          </p:nvPr>
-        </p:nvSpPr>
-        <p:spPr/>
-        <p:txBody>
-          <a:bodyPr/>
-          <a:lstStyle/>
-          <a:p>
-            <a:fld id="{C26F3B75-5273-7B41-AD29-8C6C6FD995EC}" type="slidenum">
-              <a:rPr lang="en-US" smtClean="0"/>
-              <a:t>20</a:t>
-            </a:fld>
-            <a:endParaRPr lang="en-US"/>
-          </a:p>
-        </p:txBody>
-      </p:sp>
-    </p:spTree>
-    <p:extLst>
-      <p:ext uri="{BB962C8B-B14F-4D97-AF65-F5344CB8AC3E}">
-        <p14:creationId xmlns:p14="http://schemas.microsoft.com/office/powerpoint/2010/main" val="342160438"/>
-      </p:ext>
-    </p:extLst>
-  </p:cSld>
-  <p:clrMapOvr>
-    <a:masterClrMapping/>
-  </p:clrMapOvr>
-</p:notes>
-</file>
-
-<file path=ppt/notesSlides/notesSlide8.xml><?xml version="1.0" encoding="utf-8"?>
-<p:notes xmlns:a="http://schemas.openxmlformats.org/drawingml/2006/main" xmlns:r="http://schemas.openxmlformats.org/officeDocument/2006/relationships" xmlns:p="http://schemas.openxmlformats.org/presentationml/2006/main" showMasterSp="0" showMasterPhAnim="0">
-  <p:cSld>
-    <p:spTree>
-      <p:nvGrpSpPr>
-        <p:cNvPr id="1" name="Shape 253"/>
-        <p:cNvGrpSpPr/>
-        <p:nvPr/>
-      </p:nvGrpSpPr>
-      <p:grpSpPr>
-        <a:xfrm>
-          <a:off x="0" y="0"/>
-          <a:ext cx="0" cy="0"/>
-          <a:chOff x="0" y="0"/>
-          <a:chExt cx="0" cy="0"/>
-        </a:xfrm>
-      </p:grpSpPr>
-      <p:sp>
-        <p:nvSpPr>
-          <p:cNvPr id="254" name="Shape 254"/>
+          <p:cNvPr id="129" name="Shape 129"/>
           <p:cNvSpPr txBox="1">
             <a:spLocks noGrp="1"/>
           </p:cNvSpPr>
@@ -2030,7 +1951,7 @@
       </p:sp>
       <p:sp>
         <p:nvSpPr>
-          <p:cNvPr id="255" name="Shape 255"/>
+          <p:cNvPr id="130" name="Shape 130"/>
           <p:cNvSpPr>
             <a:spLocks noGrp="1" noRot="1" noChangeAspect="1"/>
           </p:cNvSpPr>
@@ -2082,7 +2003,7 @@
     </p:spTree>
     <p:extLst>
       <p:ext uri="{BB962C8B-B14F-4D97-AF65-F5344CB8AC3E}">
-        <p14:creationId xmlns:p14="http://schemas.microsoft.com/office/powerpoint/2010/main" val="2141865165"/>
+        <p14:creationId xmlns:p14="http://schemas.microsoft.com/office/powerpoint/2010/main" val="998247494"/>
       </p:ext>
     </p:extLst>
   </p:cSld>
@@ -2092,12 +2013,12 @@
 </p:notes>
 </file>
 
-<file path=ppt/notesSlides/notesSlide9.xml><?xml version="1.0" encoding="utf-8"?>
+<file path=ppt/notesSlides/notesSlide6.xml><?xml version="1.0" encoding="utf-8"?>
 <p:notes xmlns:a="http://schemas.openxmlformats.org/drawingml/2006/main" xmlns:r="http://schemas.openxmlformats.org/officeDocument/2006/relationships" xmlns:p="http://schemas.openxmlformats.org/presentationml/2006/main" showMasterSp="0" showMasterPhAnim="0">
   <p:cSld>
     <p:spTree>
       <p:nvGrpSpPr>
-        <p:cNvPr id="1" name="Shape 263"/>
+        <p:cNvPr id="1" name="Shape 128"/>
         <p:cNvGrpSpPr/>
         <p:nvPr/>
       </p:nvGrpSpPr>
@@ -2111,7 +2032,7 @@
       </p:grpSpPr>
       <p:sp>
         <p:nvSpPr>
-          <p:cNvPr id="264" name="Shape 264"/>
+          <p:cNvPr id="129" name="Shape 129"/>
           <p:cNvSpPr txBox="1">
             <a:spLocks noGrp="1"/>
           </p:cNvSpPr>
@@ -2146,7 +2067,7 @@
       </p:sp>
       <p:sp>
         <p:nvSpPr>
-          <p:cNvPr id="265" name="Shape 265"/>
+          <p:cNvPr id="130" name="Shape 130"/>
           <p:cNvSpPr>
             <a:spLocks noGrp="1" noRot="1" noChangeAspect="1"/>
           </p:cNvSpPr>
@@ -2198,7 +2119,291 @@
     </p:spTree>
     <p:extLst>
       <p:ext uri="{BB962C8B-B14F-4D97-AF65-F5344CB8AC3E}">
-        <p14:creationId xmlns:p14="http://schemas.microsoft.com/office/powerpoint/2010/main" val="654977803"/>
+        <p14:creationId xmlns:p14="http://schemas.microsoft.com/office/powerpoint/2010/main" val="1419413323"/>
+      </p:ext>
+    </p:extLst>
+  </p:cSld>
+  <p:clrMapOvr>
+    <a:masterClrMapping/>
+  </p:clrMapOvr>
+</p:notes>
+</file>
+
+<file path=ppt/notesSlides/notesSlide7.xml><?xml version="1.0" encoding="utf-8"?>
+<p:notes xmlns:a="http://schemas.openxmlformats.org/drawingml/2006/main" xmlns:r="http://schemas.openxmlformats.org/officeDocument/2006/relationships" xmlns:p="http://schemas.openxmlformats.org/presentationml/2006/main">
+  <p:cSld>
+    <p:spTree>
+      <p:nvGrpSpPr>
+        <p:cNvPr id="1" name=""/>
+        <p:cNvGrpSpPr/>
+        <p:nvPr/>
+      </p:nvGrpSpPr>
+      <p:grpSpPr>
+        <a:xfrm>
+          <a:off x="0" y="0"/>
+          <a:ext cx="0" cy="0"/>
+          <a:chOff x="0" y="0"/>
+          <a:chExt cx="0" cy="0"/>
+        </a:xfrm>
+      </p:grpSpPr>
+      <p:sp>
+        <p:nvSpPr>
+          <p:cNvPr id="2" name="Slide Image Placeholder 1"/>
+          <p:cNvSpPr>
+            <a:spLocks noGrp="1" noRot="1" noChangeAspect="1"/>
+          </p:cNvSpPr>
+          <p:nvPr>
+            <p:ph type="sldImg"/>
+          </p:nvPr>
+        </p:nvSpPr>
+        <p:spPr/>
+      </p:sp>
+      <p:sp>
+        <p:nvSpPr>
+          <p:cNvPr id="3" name="Notes Placeholder 2"/>
+          <p:cNvSpPr>
+            <a:spLocks noGrp="1"/>
+          </p:cNvSpPr>
+          <p:nvPr>
+            <p:ph type="body" idx="1"/>
+          </p:nvPr>
+        </p:nvSpPr>
+        <p:spPr/>
+        <p:txBody>
+          <a:bodyPr/>
+          <a:lstStyle/>
+          <a:p>
+            <a:endParaRPr lang="en-US"/>
+          </a:p>
+        </p:txBody>
+      </p:sp>
+      <p:sp>
+        <p:nvSpPr>
+          <p:cNvPr id="4" name="Slide Number Placeholder 3"/>
+          <p:cNvSpPr>
+            <a:spLocks noGrp="1"/>
+          </p:cNvSpPr>
+          <p:nvPr>
+            <p:ph type="sldNum" sz="quarter" idx="10"/>
+          </p:nvPr>
+        </p:nvSpPr>
+        <p:spPr/>
+        <p:txBody>
+          <a:bodyPr/>
+          <a:lstStyle/>
+          <a:p>
+            <a:fld id="{C26F3B75-5273-7B41-AD29-8C6C6FD995EC}" type="slidenum">
+              <a:rPr lang="en-US" smtClean="0"/>
+              <a:t>20</a:t>
+            </a:fld>
+            <a:endParaRPr lang="en-US"/>
+          </a:p>
+        </p:txBody>
+      </p:sp>
+    </p:spTree>
+    <p:extLst>
+      <p:ext uri="{BB962C8B-B14F-4D97-AF65-F5344CB8AC3E}">
+        <p14:creationId xmlns:p14="http://schemas.microsoft.com/office/powerpoint/2010/main" val="257353052"/>
+      </p:ext>
+    </p:extLst>
+  </p:cSld>
+  <p:clrMapOvr>
+    <a:masterClrMapping/>
+  </p:clrMapOvr>
+</p:notes>
+</file>
+
+<file path=ppt/notesSlides/notesSlide8.xml><?xml version="1.0" encoding="utf-8"?>
+<p:notes xmlns:a="http://schemas.openxmlformats.org/drawingml/2006/main" xmlns:r="http://schemas.openxmlformats.org/officeDocument/2006/relationships" xmlns:p="http://schemas.openxmlformats.org/presentationml/2006/main" showMasterSp="0" showMasterPhAnim="0">
+  <p:cSld>
+    <p:spTree>
+      <p:nvGrpSpPr>
+        <p:cNvPr id="1" name="Shape 128"/>
+        <p:cNvGrpSpPr/>
+        <p:nvPr/>
+      </p:nvGrpSpPr>
+      <p:grpSpPr>
+        <a:xfrm>
+          <a:off x="0" y="0"/>
+          <a:ext cx="0" cy="0"/>
+          <a:chOff x="0" y="0"/>
+          <a:chExt cx="0" cy="0"/>
+        </a:xfrm>
+      </p:grpSpPr>
+      <p:sp>
+        <p:nvSpPr>
+          <p:cNvPr id="129" name="Shape 129"/>
+          <p:cNvSpPr txBox="1">
+            <a:spLocks noGrp="1"/>
+          </p:cNvSpPr>
+          <p:nvPr>
+            <p:ph type="body" idx="1"/>
+          </p:nvPr>
+        </p:nvSpPr>
+        <p:spPr>
+          <a:xfrm>
+            <a:off x="685800" y="4343400"/>
+            <a:ext cx="5486399" cy="4114800"/>
+          </a:xfrm>
+          <a:prstGeom prst="rect">
+            <a:avLst/>
+          </a:prstGeom>
+        </p:spPr>
+        <p:txBody>
+          <a:bodyPr lIns="91425" tIns="91425" rIns="91425" bIns="91425" anchor="t" anchorCtr="0">
+            <a:noAutofit/>
+          </a:bodyPr>
+          <a:lstStyle/>
+          <a:p>
+            <a:pPr>
+              <a:spcBef>
+                <a:spcPts val="0"/>
+              </a:spcBef>
+              <a:buNone/>
+            </a:pPr>
+            <a:endParaRPr/>
+          </a:p>
+        </p:txBody>
+      </p:sp>
+      <p:sp>
+        <p:nvSpPr>
+          <p:cNvPr id="130" name="Shape 130"/>
+          <p:cNvSpPr>
+            <a:spLocks noGrp="1" noRot="1" noChangeAspect="1"/>
+          </p:cNvSpPr>
+          <p:nvPr>
+            <p:ph type="sldImg" idx="2"/>
+          </p:nvPr>
+        </p:nvSpPr>
+        <p:spPr>
+          <a:xfrm>
+            <a:off x="1143000" y="685800"/>
+            <a:ext cx="4572000" cy="3429000"/>
+          </a:xfrm>
+          <a:custGeom>
+            <a:avLst/>
+            <a:gdLst/>
+            <a:ahLst/>
+            <a:cxnLst/>
+            <a:rect l="0" t="0" r="0" b="0"/>
+            <a:pathLst>
+              <a:path w="120000" h="120000" extrusionOk="0">
+                <a:moveTo>
+                  <a:pt x="0" y="0"/>
+                </a:moveTo>
+                <a:lnTo>
+                  <a:pt x="120000" y="0"/>
+                </a:lnTo>
+                <a:lnTo>
+                  <a:pt x="120000" y="120000"/>
+                </a:lnTo>
+                <a:lnTo>
+                  <a:pt x="0" y="120000"/>
+                </a:lnTo>
+                <a:close/>
+              </a:path>
+            </a:pathLst>
+          </a:custGeom>
+          <a:noFill/>
+          <a:ln w="9525" cap="flat">
+            <a:solidFill>
+              <a:srgbClr val="000000"/>
+            </a:solidFill>
+            <a:prstDash val="solid"/>
+            <a:round/>
+            <a:headEnd type="none" w="med" len="med"/>
+            <a:tailEnd type="none" w="med" len="med"/>
+          </a:ln>
+        </p:spPr>
+      </p:sp>
+    </p:spTree>
+    <p:extLst>
+      <p:ext uri="{BB962C8B-B14F-4D97-AF65-F5344CB8AC3E}">
+        <p14:creationId xmlns:p14="http://schemas.microsoft.com/office/powerpoint/2010/main" val="1111045381"/>
+      </p:ext>
+    </p:extLst>
+  </p:cSld>
+  <p:clrMapOvr>
+    <a:masterClrMapping/>
+  </p:clrMapOvr>
+</p:notes>
+</file>
+
+<file path=ppt/notesSlides/notesSlide9.xml><?xml version="1.0" encoding="utf-8"?>
+<p:notes xmlns:a="http://schemas.openxmlformats.org/drawingml/2006/main" xmlns:r="http://schemas.openxmlformats.org/officeDocument/2006/relationships" xmlns:p="http://schemas.openxmlformats.org/presentationml/2006/main">
+  <p:cSld>
+    <p:spTree>
+      <p:nvGrpSpPr>
+        <p:cNvPr id="1" name=""/>
+        <p:cNvGrpSpPr/>
+        <p:nvPr/>
+      </p:nvGrpSpPr>
+      <p:grpSpPr>
+        <a:xfrm>
+          <a:off x="0" y="0"/>
+          <a:ext cx="0" cy="0"/>
+          <a:chOff x="0" y="0"/>
+          <a:chExt cx="0" cy="0"/>
+        </a:xfrm>
+      </p:grpSpPr>
+      <p:sp>
+        <p:nvSpPr>
+          <p:cNvPr id="2" name="Slide Image Placeholder 1"/>
+          <p:cNvSpPr>
+            <a:spLocks noGrp="1" noRot="1" noChangeAspect="1"/>
+          </p:cNvSpPr>
+          <p:nvPr>
+            <p:ph type="sldImg"/>
+          </p:nvPr>
+        </p:nvSpPr>
+        <p:spPr/>
+      </p:sp>
+      <p:sp>
+        <p:nvSpPr>
+          <p:cNvPr id="3" name="Notes Placeholder 2"/>
+          <p:cNvSpPr>
+            <a:spLocks noGrp="1"/>
+          </p:cNvSpPr>
+          <p:nvPr>
+            <p:ph type="body" idx="1"/>
+          </p:nvPr>
+        </p:nvSpPr>
+        <p:spPr/>
+        <p:txBody>
+          <a:bodyPr/>
+          <a:lstStyle/>
+          <a:p>
+            <a:endParaRPr lang="en-US"/>
+          </a:p>
+        </p:txBody>
+      </p:sp>
+      <p:sp>
+        <p:nvSpPr>
+          <p:cNvPr id="4" name="Slide Number Placeholder 3"/>
+          <p:cNvSpPr>
+            <a:spLocks noGrp="1"/>
+          </p:cNvSpPr>
+          <p:nvPr>
+            <p:ph type="sldNum" sz="quarter" idx="10"/>
+          </p:nvPr>
+        </p:nvSpPr>
+        <p:spPr/>
+        <p:txBody>
+          <a:bodyPr/>
+          <a:lstStyle/>
+          <a:p>
+            <a:fld id="{C26F3B75-5273-7B41-AD29-8C6C6FD995EC}" type="slidenum">
+              <a:rPr lang="en-US" smtClean="0"/>
+              <a:t>25</a:t>
+            </a:fld>
+            <a:endParaRPr lang="en-US"/>
+          </a:p>
+        </p:txBody>
+      </p:sp>
+    </p:spTree>
+    <p:extLst>
+      <p:ext uri="{BB962C8B-B14F-4D97-AF65-F5344CB8AC3E}">
+        <p14:creationId xmlns:p14="http://schemas.microsoft.com/office/powerpoint/2010/main" val="342160438"/>
       </p:ext>
     </p:extLst>
   </p:cSld>
@@ -2389,7 +2594,7 @@
           <a:p>
             <a:fld id="{DF497170-C86C-3649-BDE1-33A3EDC5AF66}" type="datetime1">
               <a:rPr lang="en-US" smtClean="0"/>
-              <a:t>7/18/16</a:t>
+              <a:t>7/19/16</a:t>
             </a:fld>
             <a:endParaRPr lang="en-US"/>
           </a:p>
@@ -2564,7 +2769,7 @@
           <a:p>
             <a:fld id="{3B6066F8-7A7F-274A-A168-C58F13C390CD}" type="datetime1">
               <a:rPr lang="en-US" smtClean="0"/>
-              <a:t>7/18/16</a:t>
+              <a:t>7/19/16</a:t>
             </a:fld>
             <a:endParaRPr lang="en-US"/>
           </a:p>
@@ -2748,7 +2953,7 @@
           <a:p>
             <a:fld id="{9BA87E43-309A-534A-B342-CDBE4636DF37}" type="datetime1">
               <a:rPr lang="en-US" smtClean="0"/>
-              <a:t>7/18/16</a:t>
+              <a:t>7/19/16</a:t>
             </a:fld>
             <a:endParaRPr lang="en-US"/>
           </a:p>
@@ -2994,7 +3199,7 @@
           <a:p>
             <a:fld id="{F7215EB1-6E98-0547-99BF-D0027BB4EBAB}" type="datetime1">
               <a:rPr lang="en-US" smtClean="0"/>
-              <a:t>7/18/16</a:t>
+              <a:t>7/19/16</a:t>
             </a:fld>
             <a:endParaRPr lang="en-US"/>
           </a:p>
@@ -3168,7 +3373,7 @@
           <a:p>
             <a:fld id="{7716A4F4-627E-F947-BAC7-27B376CE86CF}" type="datetime1">
               <a:rPr lang="en-US" smtClean="0"/>
-              <a:t>7/18/16</a:t>
+              <a:t>7/19/16</a:t>
             </a:fld>
             <a:endParaRPr lang="en-US"/>
           </a:p>
@@ -3418,7 +3623,7 @@
           <a:p>
             <a:fld id="{05700CA5-D989-984A-9E75-0EF01E16DE6C}" type="datetime1">
               <a:rPr lang="en-US" smtClean="0"/>
-              <a:t>7/18/16</a:t>
+              <a:t>7/19/16</a:t>
             </a:fld>
             <a:endParaRPr lang="en-US"/>
           </a:p>
@@ -3710,7 +3915,7 @@
           <a:p>
             <a:fld id="{8D9C5303-0D69-BE4E-BAFF-6CC72824CDDB}" type="datetime1">
               <a:rPr lang="en-US" smtClean="0"/>
-              <a:t>7/18/16</a:t>
+              <a:t>7/19/16</a:t>
             </a:fld>
             <a:endParaRPr lang="en-US"/>
           </a:p>
@@ -4136,7 +4341,7 @@
           <a:p>
             <a:fld id="{4CFECF41-D59B-E84A-BCC9-02E58775B87F}" type="datetime1">
               <a:rPr lang="en-US" smtClean="0"/>
-              <a:t>7/18/16</a:t>
+              <a:t>7/19/16</a:t>
             </a:fld>
             <a:endParaRPr lang="en-US"/>
           </a:p>
@@ -4258,7 +4463,7 @@
           <a:p>
             <a:fld id="{55FAEA16-07AF-D54C-A97B-028517976A78}" type="datetime1">
               <a:rPr lang="en-US" smtClean="0"/>
-              <a:t>7/18/16</a:t>
+              <a:t>7/19/16</a:t>
             </a:fld>
             <a:endParaRPr lang="en-US"/>
           </a:p>
@@ -4357,7 +4562,7 @@
           <a:p>
             <a:fld id="{B0BBDEF5-1D4D-CD46-88A1-6785361D7579}" type="datetime1">
               <a:rPr lang="en-US" smtClean="0"/>
-              <a:t>7/18/16</a:t>
+              <a:t>7/19/16</a:t>
             </a:fld>
             <a:endParaRPr lang="en-US"/>
           </a:p>
@@ -4638,7 +4843,7 @@
           <a:p>
             <a:fld id="{F0D0BB3B-26F2-4940-BB87-97BD157EDCF4}" type="datetime1">
               <a:rPr lang="en-US" smtClean="0"/>
-              <a:t>7/18/16</a:t>
+              <a:t>7/19/16</a:t>
             </a:fld>
             <a:endParaRPr lang="en-US"/>
           </a:p>
@@ -4812,7 +5017,7 @@
           <a:p>
             <a:fld id="{D3D04FFA-4763-3940-BDBB-7F18909534D6}" type="datetime1">
               <a:rPr lang="en-US" smtClean="0"/>
-              <a:t>7/18/16</a:t>
+              <a:t>7/19/16</a:t>
             </a:fld>
             <a:endParaRPr lang="en-US"/>
           </a:p>
@@ -5073,7 +5278,7 @@
           <a:p>
             <a:fld id="{D38A34DE-C38D-1A44-B9BF-05976128C428}" type="datetime1">
               <a:rPr lang="en-US" smtClean="0"/>
-              <a:t>7/18/16</a:t>
+              <a:t>7/19/16</a:t>
             </a:fld>
             <a:endParaRPr lang="en-US"/>
           </a:p>
@@ -5247,7 +5452,7 @@
           <a:p>
             <a:fld id="{13440077-B841-C145-9C18-2283712C6CB4}" type="datetime1">
               <a:rPr lang="en-US" smtClean="0"/>
-              <a:t>7/18/16</a:t>
+              <a:t>7/19/16</a:t>
             </a:fld>
             <a:endParaRPr lang="en-US"/>
           </a:p>
@@ -5431,7 +5636,7 @@
           <a:p>
             <a:fld id="{F723A81D-F8EC-CE48-9C59-6C88B5ABB1EE}" type="datetime1">
               <a:rPr lang="en-US" smtClean="0"/>
-              <a:t>7/18/16</a:t>
+              <a:t>7/19/16</a:t>
             </a:fld>
             <a:endParaRPr lang="en-US"/>
           </a:p>
@@ -5677,7 +5882,7 @@
           <a:p>
             <a:fld id="{E0E97AC1-AEB6-9A41-BDD0-DAA9B6767518}" type="datetime1">
               <a:rPr lang="en-US" smtClean="0"/>
-              <a:t>7/18/16</a:t>
+              <a:t>7/19/16</a:t>
             </a:fld>
             <a:endParaRPr lang="en-US"/>
           </a:p>
@@ -5851,7 +6056,7 @@
           <a:p>
             <a:fld id="{BBBAA815-03A6-0A4E-87FD-E86A8A9A40D3}" type="datetime1">
               <a:rPr lang="en-US" smtClean="0"/>
-              <a:t>7/18/16</a:t>
+              <a:t>7/19/16</a:t>
             </a:fld>
             <a:endParaRPr lang="en-US"/>
           </a:p>
@@ -6101,7 +6306,7 @@
           <a:p>
             <a:fld id="{616C3B44-5A0D-2F46-8081-2CFA459EEA7C}" type="datetime1">
               <a:rPr lang="en-US" smtClean="0"/>
-              <a:t>7/18/16</a:t>
+              <a:t>7/19/16</a:t>
             </a:fld>
             <a:endParaRPr lang="en-US"/>
           </a:p>
@@ -6393,7 +6598,7 @@
           <a:p>
             <a:fld id="{A641A974-C8F0-FD4D-806A-5E395EA7ABF6}" type="datetime1">
               <a:rPr lang="en-US" smtClean="0"/>
-              <a:t>7/18/16</a:t>
+              <a:t>7/19/16</a:t>
             </a:fld>
             <a:endParaRPr lang="en-US"/>
           </a:p>
@@ -6819,7 +7024,7 @@
           <a:p>
             <a:fld id="{A1D16938-FA12-F64E-BCBB-389968695F02}" type="datetime1">
               <a:rPr lang="en-US" smtClean="0"/>
-              <a:t>7/18/16</a:t>
+              <a:t>7/19/16</a:t>
             </a:fld>
             <a:endParaRPr lang="en-US"/>
           </a:p>
@@ -6941,7 +7146,7 @@
           <a:p>
             <a:fld id="{CF63F13C-3CFF-D244-B5CD-47A2BF807C32}" type="datetime1">
               <a:rPr lang="en-US" smtClean="0"/>
-              <a:t>7/18/16</a:t>
+              <a:t>7/19/16</a:t>
             </a:fld>
             <a:endParaRPr lang="en-US"/>
           </a:p>
@@ -7040,7 +7245,7 @@
           <a:p>
             <a:fld id="{A0363029-698C-0248-BC99-62FB129A753A}" type="datetime1">
               <a:rPr lang="en-US" smtClean="0"/>
-              <a:t>7/18/16</a:t>
+              <a:t>7/19/16</a:t>
             </a:fld>
             <a:endParaRPr lang="en-US"/>
           </a:p>
@@ -7290,7 +7495,7 @@
           <a:p>
             <a:fld id="{00A57354-8057-5441-A1FC-1462260F7946}" type="datetime1">
               <a:rPr lang="en-US" smtClean="0"/>
-              <a:t>7/18/16</a:t>
+              <a:t>7/19/16</a:t>
             </a:fld>
             <a:endParaRPr lang="en-US"/>
           </a:p>
@@ -7571,7 +7776,7 @@
           <a:p>
             <a:fld id="{912B8968-7AA7-5241-BCA5-4F086041F83F}" type="datetime1">
               <a:rPr lang="en-US" smtClean="0"/>
-              <a:t>7/18/16</a:t>
+              <a:t>7/19/16</a:t>
             </a:fld>
             <a:endParaRPr lang="en-US"/>
           </a:p>
@@ -7832,7 +8037,7 @@
           <a:p>
             <a:fld id="{D4365BFF-E7C2-8743-A7E7-2D2559B97269}" type="datetime1">
               <a:rPr lang="en-US" smtClean="0"/>
-              <a:t>7/18/16</a:t>
+              <a:t>7/19/16</a:t>
             </a:fld>
             <a:endParaRPr lang="en-US"/>
           </a:p>
@@ -8006,7 +8211,7 @@
           <a:p>
             <a:fld id="{04E88BF2-6E25-B443-B461-3B792E9FA655}" type="datetime1">
               <a:rPr lang="en-US" smtClean="0"/>
-              <a:t>7/18/16</a:t>
+              <a:t>7/19/16</a:t>
             </a:fld>
             <a:endParaRPr lang="en-US"/>
           </a:p>
@@ -8190,7 +8395,7 @@
           <a:p>
             <a:fld id="{CCB23090-B02D-DA45-B0AE-3F004241AA66}" type="datetime1">
               <a:rPr lang="en-US" smtClean="0"/>
-              <a:t>7/18/16</a:t>
+              <a:t>7/19/16</a:t>
             </a:fld>
             <a:endParaRPr lang="en-US"/>
           </a:p>
@@ -8449,7 +8654,7 @@
           <a:p>
             <a:fld id="{3ED562F9-8CF3-C64E-A6C7-4A9516DE74A4}" type="datetime1">
               <a:rPr lang="en-US" smtClean="0"/>
-              <a:t>7/18/16</a:t>
+              <a:t>7/19/16</a:t>
             </a:fld>
             <a:endParaRPr lang="en-US" dirty="0"/>
           </a:p>
@@ -8639,7 +8844,7 @@
           <a:p>
             <a:fld id="{CD1E1A55-4567-5344-AFE7-53A24335CB90}" type="datetime1">
               <a:rPr lang="en-US" smtClean="0"/>
-              <a:t>7/18/16</a:t>
+              <a:t>7/19/16</a:t>
             </a:fld>
             <a:endParaRPr lang="en-US" dirty="0"/>
           </a:p>
@@ -8905,7 +9110,7 @@
           <a:p>
             <a:fld id="{E8642CD2-B4A4-514B-9679-D84510193A8C}" type="datetime1">
               <a:rPr lang="en-US" smtClean="0"/>
-              <a:t>7/18/16</a:t>
+              <a:t>7/19/16</a:t>
             </a:fld>
             <a:endParaRPr lang="en-US" dirty="0"/>
           </a:p>
@@ -9213,7 +9418,7 @@
           <a:p>
             <a:fld id="{9BC15B16-9C0F-6845-BED0-00A6C9678626}" type="datetime1">
               <a:rPr lang="en-US" smtClean="0"/>
-              <a:t>7/18/16</a:t>
+              <a:t>7/19/16</a:t>
             </a:fld>
             <a:endParaRPr lang="en-US" dirty="0"/>
           </a:p>
@@ -9667,7 +9872,7 @@
           <a:p>
             <a:fld id="{FCA5B900-982B-9B46-B2DD-6BAACBEC0B1C}" type="datetime1">
               <a:rPr lang="en-US" smtClean="0"/>
-              <a:t>7/18/16</a:t>
+              <a:t>7/19/16</a:t>
             </a:fld>
             <a:endParaRPr lang="en-US" dirty="0"/>
           </a:p>
@@ -9805,7 +10010,7 @@
           <a:p>
             <a:fld id="{50F3C284-298F-C741-A57D-0B2637C22505}" type="datetime1">
               <a:rPr lang="en-US" smtClean="0"/>
-              <a:t>7/18/16</a:t>
+              <a:t>7/19/16</a:t>
             </a:fld>
             <a:endParaRPr lang="en-US" dirty="0"/>
           </a:p>
@@ -10113,7 +10318,7 @@
           <a:p>
             <a:fld id="{B0C93416-1E67-7849-A7E9-22356A0E6F30}" type="datetime1">
               <a:rPr lang="en-US" smtClean="0"/>
-              <a:t>7/18/16</a:t>
+              <a:t>7/19/16</a:t>
             </a:fld>
             <a:endParaRPr lang="en-US"/>
           </a:p>
@@ -10212,7 +10417,7 @@
           <a:p>
             <a:fld id="{09E08876-CC87-7D41-96C2-22D13143719E}" type="datetime1">
               <a:rPr lang="en-US" smtClean="0"/>
-              <a:t>7/18/16</a:t>
+              <a:t>7/19/16</a:t>
             </a:fld>
             <a:endParaRPr lang="en-US" dirty="0"/>
           </a:p>
@@ -10426,7 +10631,7 @@
           <a:p>
             <a:fld id="{002910D2-8592-D246-84D8-4F0DFE6AF989}" type="datetime1">
               <a:rPr lang="en-US" smtClean="0"/>
-              <a:t>7/18/16</a:t>
+              <a:t>7/19/16</a:t>
             </a:fld>
             <a:endParaRPr lang="en-US" dirty="0"/>
           </a:p>
@@ -10769,7 +10974,7 @@
           <a:p>
             <a:fld id="{55C13C92-F12E-A645-9195-72D828A1E4CC}" type="datetime1">
               <a:rPr lang="en-US" smtClean="0"/>
-              <a:t>7/18/16</a:t>
+              <a:t>7/19/16</a:t>
             </a:fld>
             <a:endParaRPr lang="en-US" dirty="0"/>
           </a:p>
@@ -10959,7 +11164,7 @@
           <a:p>
             <a:fld id="{9ABECC1E-BB2D-8640-BFAA-F2649732F171}" type="datetime1">
               <a:rPr lang="en-US" smtClean="0"/>
-              <a:t>7/18/16</a:t>
+              <a:t>7/19/16</a:t>
             </a:fld>
             <a:endParaRPr lang="en-US" dirty="0"/>
           </a:p>
@@ -11159,7 +11364,7 @@
           <a:p>
             <a:fld id="{1F68B04B-D1A6-6E47-8FFF-8EA857FCC20A}" type="datetime1">
               <a:rPr lang="en-US" smtClean="0"/>
-              <a:t>7/18/16</a:t>
+              <a:t>7/19/16</a:t>
             </a:fld>
             <a:endParaRPr lang="en-US" dirty="0"/>
           </a:p>
@@ -11636,7 +11841,7 @@
           <a:p>
             <a:fld id="{3ED562F9-8CF3-C64E-A6C7-4A9516DE74A4}" type="datetime1">
               <a:rPr lang="en-US" smtClean="0"/>
-              <a:t>7/18/16</a:t>
+              <a:t>7/19/16</a:t>
             </a:fld>
             <a:endParaRPr lang="en-US" dirty="0"/>
           </a:p>
@@ -11831,7 +12036,7 @@
           <a:p>
             <a:fld id="{CD1E1A55-4567-5344-AFE7-53A24335CB90}" type="datetime1">
               <a:rPr lang="en-US" smtClean="0"/>
-              <a:t>7/18/16</a:t>
+              <a:t>7/19/16</a:t>
             </a:fld>
             <a:endParaRPr lang="en-US" dirty="0"/>
           </a:p>
@@ -12102,7 +12307,7 @@
           <a:p>
             <a:fld id="{E8642CD2-B4A4-514B-9679-D84510193A8C}" type="datetime1">
               <a:rPr lang="en-US" smtClean="0"/>
-              <a:t>7/18/16</a:t>
+              <a:t>7/19/16</a:t>
             </a:fld>
             <a:endParaRPr lang="en-US" dirty="0"/>
           </a:p>
@@ -12415,7 +12620,7 @@
           <a:p>
             <a:fld id="{9BC15B16-9C0F-6845-BED0-00A6C9678626}" type="datetime1">
               <a:rPr lang="en-US" smtClean="0"/>
-              <a:t>7/18/16</a:t>
+              <a:t>7/19/16</a:t>
             </a:fld>
             <a:endParaRPr lang="en-US" dirty="0"/>
           </a:p>
@@ -12862,7 +13067,7 @@
           <a:p>
             <a:fld id="{1E48077B-6B03-7F42-9161-87D0FE7973F8}" type="datetime1">
               <a:rPr lang="en-US" smtClean="0"/>
-              <a:t>7/18/16</a:t>
+              <a:t>7/19/16</a:t>
             </a:fld>
             <a:endParaRPr lang="en-US"/>
           </a:p>
@@ -13300,7 +13505,7 @@
           <a:p>
             <a:fld id="{FCA5B900-982B-9B46-B2DD-6BAACBEC0B1C}" type="datetime1">
               <a:rPr lang="en-US" smtClean="0"/>
-              <a:t>7/18/16</a:t>
+              <a:t>7/19/16</a:t>
             </a:fld>
             <a:endParaRPr lang="en-US" dirty="0"/>
           </a:p>
@@ -13443,7 +13648,7 @@
           <a:p>
             <a:fld id="{50F3C284-298F-C741-A57D-0B2637C22505}" type="datetime1">
               <a:rPr lang="en-US" smtClean="0"/>
-              <a:t>7/18/16</a:t>
+              <a:t>7/19/16</a:t>
             </a:fld>
             <a:endParaRPr lang="en-US" dirty="0"/>
           </a:p>
@@ -13563,7 +13768,7 @@
           <a:p>
             <a:fld id="{09E08876-CC87-7D41-96C2-22D13143719E}" type="datetime1">
               <a:rPr lang="en-US" smtClean="0"/>
-              <a:t>7/18/16</a:t>
+              <a:t>7/19/16</a:t>
             </a:fld>
             <a:endParaRPr lang="en-US" dirty="0"/>
           </a:p>
@@ -13782,7 +13987,7 @@
           <a:p>
             <a:fld id="{002910D2-8592-D246-84D8-4F0DFE6AF989}" type="datetime1">
               <a:rPr lang="en-US" smtClean="0"/>
-              <a:t>7/18/16</a:t>
+              <a:t>7/19/16</a:t>
             </a:fld>
             <a:endParaRPr lang="en-US" dirty="0"/>
           </a:p>
@@ -14130,7 +14335,7 @@
           <a:p>
             <a:fld id="{55C13C92-F12E-A645-9195-72D828A1E4CC}" type="datetime1">
               <a:rPr lang="en-US" smtClean="0"/>
-              <a:t>7/18/16</a:t>
+              <a:t>7/19/16</a:t>
             </a:fld>
             <a:endParaRPr lang="en-US" dirty="0"/>
           </a:p>
@@ -14325,7 +14530,7 @@
           <a:p>
             <a:fld id="{9ABECC1E-BB2D-8640-BFAA-F2649732F171}" type="datetime1">
               <a:rPr lang="en-US" smtClean="0"/>
-              <a:t>7/18/16</a:t>
+              <a:t>7/19/16</a:t>
             </a:fld>
             <a:endParaRPr lang="en-US" dirty="0"/>
           </a:p>
@@ -14530,7 +14735,7 @@
           <a:p>
             <a:fld id="{1F68B04B-D1A6-6E47-8FFF-8EA857FCC20A}" type="datetime1">
               <a:rPr lang="en-US" smtClean="0"/>
-              <a:t>7/18/16</a:t>
+              <a:t>7/19/16</a:t>
             </a:fld>
             <a:endParaRPr lang="en-US" dirty="0"/>
           </a:p>
@@ -14944,7 +15149,7 @@
           <a:p>
             <a:fld id="{0136884D-1469-1E46-9263-BB8D1ACB4A64}" type="datetime1">
               <a:rPr lang="en-US" smtClean="0"/>
-              <a:t>7/18/16</a:t>
+              <a:t>7/19/16</a:t>
             </a:fld>
             <a:endParaRPr lang="en-US"/>
           </a:p>
@@ -15043,7 +15248,7 @@
           <a:p>
             <a:fld id="{27CC7E83-50E1-1045-83FA-0FAB594D1BD4}" type="datetime1">
               <a:rPr lang="en-US" smtClean="0"/>
-              <a:t>7/18/16</a:t>
+              <a:t>7/19/16</a:t>
             </a:fld>
             <a:endParaRPr lang="en-US"/>
           </a:p>
@@ -15324,7 +15529,7 @@
           <a:p>
             <a:fld id="{9C2E28BB-0C81-5F41-96D6-475C0F33378C}" type="datetime1">
               <a:rPr lang="en-US" smtClean="0"/>
-              <a:t>7/18/16</a:t>
+              <a:t>7/19/16</a:t>
             </a:fld>
             <a:endParaRPr lang="en-US"/>
           </a:p>
@@ -15586,7 +15791,7 @@
           <a:p>
             <a:fld id="{5A53C08C-A000-C24C-B0D4-14F9DA784B8F}" type="datetime1">
               <a:rPr lang="en-US" smtClean="0"/>
-              <a:t>7/18/16</a:t>
+              <a:t>7/19/16</a:t>
             </a:fld>
             <a:endParaRPr lang="en-US"/>
           </a:p>
@@ -15803,7 +16008,7 @@
           <a:p>
             <a:fld id="{12340213-C7C4-C342-8E00-73B99A2E5FF4}" type="datetime1">
               <a:rPr lang="en-US" smtClean="0"/>
-              <a:t>7/18/16</a:t>
+              <a:t>7/19/16</a:t>
             </a:fld>
             <a:endParaRPr lang="en-US"/>
           </a:p>
@@ -16318,7 +16523,7 @@
           <a:p>
             <a:fld id="{DA977EA7-3A8C-C341-8841-47FEC12237B0}" type="datetime1">
               <a:rPr lang="en-US" smtClean="0"/>
-              <a:t>7/18/16</a:t>
+              <a:t>7/19/16</a:t>
             </a:fld>
             <a:endParaRPr lang="en-US"/>
           </a:p>
@@ -16833,7 +17038,7 @@
           <a:p>
             <a:fld id="{C74D0869-9881-ED44-A01F-63192205CAAE}" type="datetime1">
               <a:rPr lang="en-US" smtClean="0"/>
-              <a:t>7/18/16</a:t>
+              <a:t>7/19/16</a:t>
             </a:fld>
             <a:endParaRPr lang="en-US"/>
           </a:p>
@@ -17478,7 +17683,7 @@
           <a:p>
             <a:fld id="{6FE751DF-67BA-6F4C-8258-CF63A9C81540}" type="datetime1">
               <a:rPr lang="en-US" smtClean="0"/>
-              <a:t>7/18/16</a:t>
+              <a:t>7/19/16</a:t>
             </a:fld>
             <a:endParaRPr lang="en-US"/>
           </a:p>
@@ -18176,7 +18381,7 @@
           <a:p>
             <a:fld id="{12340213-C7C4-C342-8E00-73B99A2E5FF4}" type="datetime1">
               <a:rPr lang="en-US" smtClean="0"/>
-              <a:t>7/18/16</a:t>
+              <a:t>7/19/16</a:t>
             </a:fld>
             <a:endParaRPr lang="en-US"/>
           </a:p>
@@ -23397,11 +23602,7 @@
           <a:p>
             <a:r>
               <a:rPr lang="en-US" dirty="0" smtClean="0"/>
-              <a:t>Parallel </a:t>
-            </a:r>
-            <a:r>
-              <a:rPr lang="en-US" dirty="0" smtClean="0"/>
-              <a:t>Computing with </a:t>
+              <a:t>Parallel Computing with </a:t>
             </a:r>
             <a:r>
               <a:rPr lang="en-US" dirty="0" err="1" smtClean="0"/>
@@ -23485,6 +23686,820 @@
             <p:ph type="ctrTitle"/>
           </p:nvPr>
         </p:nvSpPr>
+        <p:spPr/>
+        <p:txBody>
+          <a:bodyPr/>
+          <a:lstStyle/>
+          <a:p>
+            <a:r>
+              <a:rPr lang="en-US" smtClean="0"/>
+              <a:t>Parallel Computing with Examples (MPI)</a:t>
+            </a:r>
+            <a:endParaRPr lang="en-US" dirty="0"/>
+          </a:p>
+        </p:txBody>
+      </p:sp>
+      <p:sp>
+        <p:nvSpPr>
+          <p:cNvPr id="6" name="Subtitle 5"/>
+          <p:cNvSpPr>
+            <a:spLocks noGrp="1"/>
+          </p:cNvSpPr>
+          <p:nvPr>
+            <p:ph type="subTitle" idx="1"/>
+          </p:nvPr>
+        </p:nvSpPr>
+        <p:spPr/>
+        <p:txBody>
+          <a:bodyPr/>
+          <a:lstStyle/>
+          <a:p>
+            <a:endParaRPr lang="en-US"/>
+          </a:p>
+        </p:txBody>
+      </p:sp>
+      <p:sp>
+        <p:nvSpPr>
+          <p:cNvPr id="5" name="Slide Number Placeholder 4"/>
+          <p:cNvSpPr>
+            <a:spLocks noGrp="1"/>
+          </p:cNvSpPr>
+          <p:nvPr>
+            <p:ph type="sldNum" sz="quarter" idx="4"/>
+          </p:nvPr>
+        </p:nvSpPr>
+        <p:spPr/>
+        <p:txBody>
+          <a:bodyPr/>
+          <a:lstStyle/>
+          <a:p>
+            <a:fld id="{2C84CB25-7408-6D4A-8E7F-8E9BE9DF036E}" type="slidenum">
+              <a:rPr lang="en-US" smtClean="0"/>
+              <a:pPr/>
+              <a:t>20</a:t>
+            </a:fld>
+            <a:endParaRPr lang="en-US"/>
+          </a:p>
+        </p:txBody>
+      </p:sp>
+    </p:spTree>
+    <p:extLst>
+      <p:ext uri="{BB962C8B-B14F-4D97-AF65-F5344CB8AC3E}">
+        <p14:creationId xmlns:p14="http://schemas.microsoft.com/office/powerpoint/2010/main" val="1453690653"/>
+      </p:ext>
+    </p:extLst>
+  </p:cSld>
+  <p:clrMapOvr>
+    <a:masterClrMapping/>
+  </p:clrMapOvr>
+  <mc:AlternateContent xmlns:mc="http://schemas.openxmlformats.org/markup-compatibility/2006">
+    <mc:Choice xmlns:p14="http://schemas.microsoft.com/office/powerpoint/2010/main" Requires="p14">
+      <p:transition spd="slow" p14:dur="2000"/>
+    </mc:Choice>
+    <mc:Fallback>
+      <p:transition spd="slow"/>
+    </mc:Fallback>
+  </mc:AlternateContent>
+  <p:timing>
+    <p:tnLst>
+      <p:par>
+        <p:cTn id="1" dur="indefinite" restart="never" nodeType="tmRoot"/>
+      </p:par>
+    </p:tnLst>
+  </p:timing>
+</p:sld>
+</file>
+
+<file path=ppt/slides/slide21.xml><?xml version="1.0" encoding="utf-8"?>
+<p:sld xmlns:a="http://schemas.openxmlformats.org/drawingml/2006/main" xmlns:r="http://schemas.openxmlformats.org/officeDocument/2006/relationships" xmlns:p="http://schemas.openxmlformats.org/presentationml/2006/main">
+  <p:cSld>
+    <p:spTree>
+      <p:nvGrpSpPr>
+        <p:cNvPr id="1" name="Shape 122"/>
+        <p:cNvGrpSpPr/>
+        <p:nvPr/>
+      </p:nvGrpSpPr>
+      <p:grpSpPr>
+        <a:xfrm>
+          <a:off x="0" y="0"/>
+          <a:ext cx="0" cy="0"/>
+          <a:chOff x="0" y="0"/>
+          <a:chExt cx="0" cy="0"/>
+        </a:xfrm>
+      </p:grpSpPr>
+      <p:sp>
+        <p:nvSpPr>
+          <p:cNvPr id="123" name="Shape 123"/>
+          <p:cNvSpPr txBox="1">
+            <a:spLocks noGrp="1"/>
+          </p:cNvSpPr>
+          <p:nvPr>
+            <p:ph type="title"/>
+          </p:nvPr>
+        </p:nvSpPr>
+        <p:spPr/>
+        <p:txBody>
+          <a:bodyPr/>
+          <a:lstStyle/>
+          <a:p>
+            <a:r>
+              <a:rPr lang="en-US" smtClean="0">
+                <a:sym typeface="Helvetica Neue"/>
+              </a:rPr>
+              <a:t>MPI</a:t>
+            </a:r>
+            <a:endParaRPr lang="en-US" dirty="0">
+              <a:sym typeface="Helvetica Neue"/>
+            </a:endParaRPr>
+          </a:p>
+        </p:txBody>
+      </p:sp>
+      <p:sp>
+        <p:nvSpPr>
+          <p:cNvPr id="124" name="Shape 124"/>
+          <p:cNvSpPr txBox="1">
+            <a:spLocks noGrp="1"/>
+          </p:cNvSpPr>
+          <p:nvPr>
+            <p:ph idx="1"/>
+          </p:nvPr>
+        </p:nvSpPr>
+        <p:spPr/>
+        <p:txBody>
+          <a:bodyPr/>
+          <a:lstStyle/>
+          <a:p>
+            <a:r>
+              <a:rPr lang="en-US" smtClean="0">
+                <a:sym typeface="Helvetica Neue"/>
+              </a:rPr>
+              <a:t>MPI is a library specification for message passing</a:t>
+            </a:r>
+          </a:p>
+          <a:p>
+            <a:r>
+              <a:rPr lang="en-US" smtClean="0">
+                <a:sym typeface="Helvetica Neue"/>
+              </a:rPr>
+              <a:t>Widely used standard</a:t>
+            </a:r>
+          </a:p>
+          <a:p>
+            <a:r>
+              <a:rPr lang="en-US" smtClean="0"/>
+              <a:t>Can run on shared, distributed, or hybrid memory models</a:t>
+            </a:r>
+          </a:p>
+          <a:p>
+            <a:r>
+              <a:rPr lang="en-US" smtClean="0">
+                <a:sym typeface="Helvetica Neue"/>
+              </a:rPr>
+              <a:t>Exchange data between processes through communication between tasks – send and receive data</a:t>
+            </a:r>
+          </a:p>
+          <a:p>
+            <a:r>
+              <a:rPr lang="en-US" smtClean="0">
+                <a:sym typeface="Helvetica Neue"/>
+              </a:rPr>
+              <a:t>MPI can get complicated</a:t>
+            </a:r>
+          </a:p>
+          <a:p>
+            <a:r>
+              <a:rPr lang="en-US" smtClean="0">
+                <a:sym typeface="Helvetica Neue"/>
+              </a:rPr>
+              <a:t>Programmers must explicitly implement parallelism using MPI constructs</a:t>
+            </a:r>
+          </a:p>
+          <a:p>
+            <a:r>
+              <a:rPr lang="en-US" smtClean="0">
+                <a:sym typeface="Helvetica Neue"/>
+              </a:rPr>
+              <a:t>Portable</a:t>
+            </a:r>
+            <a:endParaRPr lang="en-US" dirty="0">
+              <a:sym typeface="Helvetica Neue"/>
+            </a:endParaRPr>
+          </a:p>
+        </p:txBody>
+      </p:sp>
+      <p:sp>
+        <p:nvSpPr>
+          <p:cNvPr id="126" name="Shape 126"/>
+          <p:cNvSpPr>
+            <a:spLocks noGrp="1"/>
+          </p:cNvSpPr>
+          <p:nvPr>
+            <p:ph type="sldNum" sz="quarter" idx="4"/>
+          </p:nvPr>
+        </p:nvSpPr>
+        <p:spPr/>
+        <p:txBody>
+          <a:bodyPr/>
+          <a:lstStyle/>
+          <a:p>
+            <a:fld id="{00000000-1234-1234-1234-123412341234}" type="slidenum">
+              <a:rPr lang="en-US" smtClean="0">
+                <a:sym typeface="Calibri"/>
+              </a:rPr>
+              <a:pPr/>
+              <a:t>21</a:t>
+            </a:fld>
+            <a:endParaRPr lang="en-US">
+              <a:sym typeface="Calibri"/>
+            </a:endParaRPr>
+          </a:p>
+        </p:txBody>
+      </p:sp>
+    </p:spTree>
+    <p:extLst>
+      <p:ext uri="{BB962C8B-B14F-4D97-AF65-F5344CB8AC3E}">
+        <p14:creationId xmlns:p14="http://schemas.microsoft.com/office/powerpoint/2010/main" val="1000274471"/>
+      </p:ext>
+    </p:extLst>
+  </p:cSld>
+  <p:clrMapOvr>
+    <a:masterClrMapping/>
+  </p:clrMapOvr>
+  <p:transition spd="slow">
+    <p:cut/>
+  </p:transition>
+  <p:timing>
+    <p:tnLst>
+      <p:par>
+        <p:cTn id="1" dur="indefinite" restart="never" nodeType="tmRoot"/>
+      </p:par>
+    </p:tnLst>
+  </p:timing>
+</p:sld>
+</file>
+
+<file path=ppt/slides/slide22.xml><?xml version="1.0" encoding="utf-8"?>
+<p:sld xmlns:a="http://schemas.openxmlformats.org/drawingml/2006/main" xmlns:r="http://schemas.openxmlformats.org/officeDocument/2006/relationships" xmlns:p="http://schemas.openxmlformats.org/presentationml/2006/main">
+  <p:cSld>
+    <p:spTree>
+      <p:nvGrpSpPr>
+        <p:cNvPr id="1" name=""/>
+        <p:cNvGrpSpPr/>
+        <p:nvPr/>
+      </p:nvGrpSpPr>
+      <p:grpSpPr>
+        <a:xfrm>
+          <a:off x="0" y="0"/>
+          <a:ext cx="0" cy="0"/>
+          <a:chOff x="0" y="0"/>
+          <a:chExt cx="0" cy="0"/>
+        </a:xfrm>
+      </p:grpSpPr>
+      <p:sp>
+        <p:nvSpPr>
+          <p:cNvPr id="2" name="Title 1"/>
+          <p:cNvSpPr>
+            <a:spLocks noGrp="1"/>
+          </p:cNvSpPr>
+          <p:nvPr>
+            <p:ph type="title"/>
+          </p:nvPr>
+        </p:nvSpPr>
+        <p:spPr/>
+        <p:txBody>
+          <a:bodyPr/>
+          <a:lstStyle/>
+          <a:p>
+            <a:r>
+              <a:rPr lang="en-US" smtClean="0"/>
+              <a:t>General MPI Code Structure</a:t>
+            </a:r>
+            <a:endParaRPr lang="en-US" dirty="0"/>
+          </a:p>
+        </p:txBody>
+      </p:sp>
+      <p:sp>
+        <p:nvSpPr>
+          <p:cNvPr id="3" name="Content Placeholder 2"/>
+          <p:cNvSpPr>
+            <a:spLocks noGrp="1"/>
+          </p:cNvSpPr>
+          <p:nvPr>
+            <p:ph idx="1"/>
+          </p:nvPr>
+        </p:nvSpPr>
+        <p:spPr/>
+        <p:txBody>
+          <a:bodyPr/>
+          <a:lstStyle/>
+          <a:p>
+            <a:r>
+              <a:rPr lang="en-US" smtClean="0"/>
+              <a:t>You must have your header file at the top of any script you develop that uses MPI</a:t>
+            </a:r>
+          </a:p>
+          <a:p>
+            <a:r>
+              <a:rPr lang="en-US" smtClean="0"/>
+              <a:t>For C:</a:t>
+            </a:r>
+          </a:p>
+          <a:p>
+            <a:endParaRPr lang="en-US" smtClean="0"/>
+          </a:p>
+          <a:p>
+            <a:r>
+              <a:rPr lang="en-US" smtClean="0"/>
+              <a:t>#include mpi.h</a:t>
+            </a:r>
+          </a:p>
+          <a:p>
+            <a:endParaRPr lang="en-US" smtClean="0"/>
+          </a:p>
+          <a:p>
+            <a:r>
+              <a:rPr lang="en-US" smtClean="0"/>
+              <a:t>For Fortran:</a:t>
+            </a:r>
+          </a:p>
+          <a:p>
+            <a:endParaRPr lang="en-US" smtClean="0"/>
+          </a:p>
+          <a:p>
+            <a:r>
+              <a:rPr lang="en-US" smtClean="0"/>
+              <a:t>   use mpi</a:t>
+            </a:r>
+          </a:p>
+          <a:p>
+            <a:endParaRPr lang="en-US" dirty="0"/>
+          </a:p>
+        </p:txBody>
+      </p:sp>
+      <p:sp>
+        <p:nvSpPr>
+          <p:cNvPr id="4" name="Slide Number Placeholder 3"/>
+          <p:cNvSpPr>
+            <a:spLocks noGrp="1"/>
+          </p:cNvSpPr>
+          <p:nvPr>
+            <p:ph type="sldNum" sz="quarter" idx="4"/>
+          </p:nvPr>
+        </p:nvSpPr>
+        <p:spPr/>
+        <p:txBody>
+          <a:bodyPr/>
+          <a:lstStyle/>
+          <a:p>
+            <a:fld id="{249E94F7-107C-CE46-8C56-9CACFF99CD93}" type="slidenum">
+              <a:rPr lang="en-US" smtClean="0"/>
+              <a:pPr/>
+              <a:t>22</a:t>
+            </a:fld>
+            <a:endParaRPr lang="en-US" dirty="0"/>
+          </a:p>
+        </p:txBody>
+      </p:sp>
+      <p:pic>
+        <p:nvPicPr>
+          <p:cNvPr id="5" name="Picture 4"/>
+          <p:cNvPicPr>
+            <a:picLocks noChangeAspect="1"/>
+          </p:cNvPicPr>
+          <p:nvPr/>
+        </p:nvPicPr>
+        <p:blipFill>
+          <a:blip r:embed="rId2"/>
+          <a:stretch>
+            <a:fillRect/>
+          </a:stretch>
+        </p:blipFill>
+        <p:spPr>
+          <a:xfrm>
+            <a:off x="5047446" y="2148830"/>
+            <a:ext cx="3352800" cy="3813432"/>
+          </a:xfrm>
+          <a:prstGeom prst="rect">
+            <a:avLst/>
+          </a:prstGeom>
+        </p:spPr>
+      </p:pic>
+      <p:sp>
+        <p:nvSpPr>
+          <p:cNvPr id="6" name="TextBox 5"/>
+          <p:cNvSpPr txBox="1"/>
+          <p:nvPr/>
+        </p:nvSpPr>
+        <p:spPr>
+          <a:xfrm>
+            <a:off x="436039" y="5929959"/>
+            <a:ext cx="3559501" cy="300082"/>
+          </a:xfrm>
+          <a:prstGeom prst="rect">
+            <a:avLst/>
+          </a:prstGeom>
+          <a:noFill/>
+        </p:spPr>
+        <p:txBody>
+          <a:bodyPr wrap="none" rtlCol="0">
+            <a:spAutoFit/>
+          </a:bodyPr>
+          <a:lstStyle/>
+          <a:p>
+            <a:r>
+              <a:rPr lang="en-US" sz="1350" dirty="0"/>
+              <a:t>https://</a:t>
+            </a:r>
+            <a:r>
+              <a:rPr lang="en-US" sz="1350" dirty="0" err="1"/>
+              <a:t>computing.llnl.gov</a:t>
+            </a:r>
+            <a:r>
+              <a:rPr lang="en-US" sz="1350" dirty="0"/>
+              <a:t>/tutorials/</a:t>
+            </a:r>
+            <a:r>
+              <a:rPr lang="en-US" sz="1350" dirty="0" err="1"/>
+              <a:t>mpi</a:t>
+            </a:r>
+            <a:r>
+              <a:rPr lang="en-US" sz="1350" dirty="0"/>
+              <a:t>/#What</a:t>
+            </a:r>
+          </a:p>
+        </p:txBody>
+      </p:sp>
+    </p:spTree>
+    <p:extLst>
+      <p:ext uri="{BB962C8B-B14F-4D97-AF65-F5344CB8AC3E}">
+        <p14:creationId xmlns:p14="http://schemas.microsoft.com/office/powerpoint/2010/main" val="1521026576"/>
+      </p:ext>
+    </p:extLst>
+  </p:cSld>
+  <p:clrMapOvr>
+    <a:masterClrMapping/>
+  </p:clrMapOvr>
+  <mc:AlternateContent xmlns:mc="http://schemas.openxmlformats.org/markup-compatibility/2006">
+    <mc:Choice xmlns:p14="http://schemas.microsoft.com/office/powerpoint/2010/main" Requires="p14">
+      <p:transition spd="slow" p14:dur="2000"/>
+    </mc:Choice>
+    <mc:Fallback>
+      <p:transition spd="slow"/>
+    </mc:Fallback>
+  </mc:AlternateContent>
+  <p:timing>
+    <p:tnLst>
+      <p:par>
+        <p:cTn id="1" dur="indefinite" restart="never" nodeType="tmRoot"/>
+      </p:par>
+    </p:tnLst>
+  </p:timing>
+</p:sld>
+</file>
+
+<file path=ppt/slides/slide23.xml><?xml version="1.0" encoding="utf-8"?>
+<p:sld xmlns:a="http://schemas.openxmlformats.org/drawingml/2006/main" xmlns:r="http://schemas.openxmlformats.org/officeDocument/2006/relationships" xmlns:p="http://schemas.openxmlformats.org/presentationml/2006/main">
+  <p:cSld>
+    <p:spTree>
+      <p:nvGrpSpPr>
+        <p:cNvPr id="1" name=""/>
+        <p:cNvGrpSpPr/>
+        <p:nvPr/>
+      </p:nvGrpSpPr>
+      <p:grpSpPr>
+        <a:xfrm>
+          <a:off x="0" y="0"/>
+          <a:ext cx="0" cy="0"/>
+          <a:chOff x="0" y="0"/>
+          <a:chExt cx="0" cy="0"/>
+        </a:xfrm>
+      </p:grpSpPr>
+      <p:sp>
+        <p:nvSpPr>
+          <p:cNvPr id="2" name="Title 1"/>
+          <p:cNvSpPr>
+            <a:spLocks noGrp="1"/>
+          </p:cNvSpPr>
+          <p:nvPr>
+            <p:ph type="title"/>
+          </p:nvPr>
+        </p:nvSpPr>
+        <p:spPr/>
+        <p:txBody>
+          <a:bodyPr/>
+          <a:lstStyle/>
+          <a:p>
+            <a:r>
+              <a:rPr lang="en-US" dirty="0" smtClean="0"/>
+              <a:t>Message Passing</a:t>
+            </a:r>
+            <a:endParaRPr lang="en-US" dirty="0"/>
+          </a:p>
+        </p:txBody>
+      </p:sp>
+      <p:sp>
+        <p:nvSpPr>
+          <p:cNvPr id="3" name="Content Placeholder 2"/>
+          <p:cNvSpPr>
+            <a:spLocks noGrp="1"/>
+          </p:cNvSpPr>
+          <p:nvPr>
+            <p:ph idx="1"/>
+          </p:nvPr>
+        </p:nvSpPr>
+        <p:spPr/>
+        <p:txBody>
+          <a:bodyPr/>
+          <a:lstStyle/>
+          <a:p>
+            <a:r>
+              <a:rPr lang="en-US" dirty="0" smtClean="0"/>
+              <a:t>A program that runs on a node is called a </a:t>
+            </a:r>
+            <a:r>
+              <a:rPr lang="en-US" b="1" dirty="0" smtClean="0"/>
+              <a:t>process</a:t>
+            </a:r>
+            <a:endParaRPr lang="en-US" dirty="0" smtClean="0"/>
+          </a:p>
+          <a:p>
+            <a:r>
+              <a:rPr lang="en-US" dirty="0" smtClean="0"/>
+              <a:t>When a program is run a process is run on each processor in the cluster</a:t>
+            </a:r>
+          </a:p>
+          <a:p>
+            <a:r>
+              <a:rPr lang="en-US" dirty="0" smtClean="0"/>
+              <a:t>These processes communicate with each other using message passing</a:t>
+            </a:r>
+          </a:p>
+          <a:p>
+            <a:r>
+              <a:rPr lang="en-US" dirty="0" smtClean="0"/>
+              <a:t>Message passing allows us to copy data from the memory of one process into another</a:t>
+            </a:r>
+          </a:p>
+          <a:p>
+            <a:r>
+              <a:rPr lang="en-US" dirty="0"/>
+              <a:t>Message passing systems must at a minimum support system calls for sending and receiving messages</a:t>
+            </a:r>
+            <a:endParaRPr lang="en-US" dirty="0" smtClean="0"/>
+          </a:p>
+        </p:txBody>
+      </p:sp>
+      <p:sp>
+        <p:nvSpPr>
+          <p:cNvPr id="4" name="Slide Number Placeholder 3"/>
+          <p:cNvSpPr>
+            <a:spLocks noGrp="1"/>
+          </p:cNvSpPr>
+          <p:nvPr>
+            <p:ph type="sldNum" sz="quarter" idx="4"/>
+          </p:nvPr>
+        </p:nvSpPr>
+        <p:spPr>
+          <a:xfrm>
+            <a:off x="6896726" y="5728777"/>
+            <a:ext cx="312477" cy="207749"/>
+          </a:xfrm>
+          <a:prstGeom prst="rect">
+            <a:avLst/>
+          </a:prstGeom>
+        </p:spPr>
+        <p:txBody>
+          <a:bodyPr/>
+          <a:lstStyle/>
+          <a:p>
+            <a:fld id="{249E94F7-107C-CE46-8C56-9CACFF99CD93}" type="slidenum">
+              <a:rPr lang="en-US" smtClean="0"/>
+              <a:pPr/>
+              <a:t>23</a:t>
+            </a:fld>
+            <a:endParaRPr lang="en-US" dirty="0"/>
+          </a:p>
+        </p:txBody>
+      </p:sp>
+    </p:spTree>
+    <p:extLst>
+      <p:ext uri="{BB962C8B-B14F-4D97-AF65-F5344CB8AC3E}">
+        <p14:creationId xmlns:p14="http://schemas.microsoft.com/office/powerpoint/2010/main" val="248328944"/>
+      </p:ext>
+    </p:extLst>
+  </p:cSld>
+  <p:clrMapOvr>
+    <a:masterClrMapping/>
+  </p:clrMapOvr>
+  <mc:AlternateContent xmlns:mc="http://schemas.openxmlformats.org/markup-compatibility/2006">
+    <mc:Choice xmlns:p14="http://schemas.microsoft.com/office/powerpoint/2010/main" Requires="p14">
+      <p:transition spd="slow" p14:dur="2000"/>
+    </mc:Choice>
+    <mc:Fallback>
+      <p:transition spd="slow"/>
+    </mc:Fallback>
+  </mc:AlternateContent>
+  <p:timing>
+    <p:tnLst>
+      <p:par>
+        <p:cTn id="1" dur="indefinite" restart="never" nodeType="tmRoot"/>
+      </p:par>
+    </p:tnLst>
+  </p:timing>
+</p:sld>
+</file>
+
+<file path=ppt/slides/slide24.xml><?xml version="1.0" encoding="utf-8"?>
+<p:sld xmlns:a="http://schemas.openxmlformats.org/drawingml/2006/main" xmlns:r="http://schemas.openxmlformats.org/officeDocument/2006/relationships" xmlns:p="http://schemas.openxmlformats.org/presentationml/2006/main">
+  <p:cSld>
+    <p:spTree>
+      <p:nvGrpSpPr>
+        <p:cNvPr id="1" name=""/>
+        <p:cNvGrpSpPr/>
+        <p:nvPr/>
+      </p:nvGrpSpPr>
+      <p:grpSpPr>
+        <a:xfrm>
+          <a:off x="0" y="0"/>
+          <a:ext cx="0" cy="0"/>
+          <a:chOff x="0" y="0"/>
+          <a:chExt cx="0" cy="0"/>
+        </a:xfrm>
+      </p:grpSpPr>
+      <p:sp>
+        <p:nvSpPr>
+          <p:cNvPr id="2" name="Title 1"/>
+          <p:cNvSpPr>
+            <a:spLocks noGrp="1"/>
+          </p:cNvSpPr>
+          <p:nvPr>
+            <p:ph type="title"/>
+          </p:nvPr>
+        </p:nvSpPr>
+        <p:spPr/>
+        <p:txBody>
+          <a:bodyPr/>
+          <a:lstStyle/>
+          <a:p>
+            <a:r>
+              <a:rPr lang="en-US" dirty="0" smtClean="0"/>
+              <a:t>Example – Sorting Integers</a:t>
+            </a:r>
+            <a:endParaRPr lang="en-US" dirty="0"/>
+          </a:p>
+        </p:txBody>
+      </p:sp>
+      <p:pic>
+        <p:nvPicPr>
+          <p:cNvPr id="5" name="Content Placeholder 4"/>
+          <p:cNvPicPr>
+            <a:picLocks noGrp="1" noChangeAspect="1"/>
+          </p:cNvPicPr>
+          <p:nvPr>
+            <p:ph idx="1"/>
+          </p:nvPr>
+        </p:nvPicPr>
+        <p:blipFill>
+          <a:blip r:embed="rId2"/>
+          <a:stretch>
+            <a:fillRect/>
+          </a:stretch>
+        </p:blipFill>
+        <p:spPr>
+          <a:xfrm>
+            <a:off x="1485900" y="2408393"/>
+            <a:ext cx="6143625" cy="2813932"/>
+          </a:xfrm>
+          <a:prstGeom prst="rect">
+            <a:avLst/>
+          </a:prstGeom>
+        </p:spPr>
+      </p:pic>
+      <p:sp>
+        <p:nvSpPr>
+          <p:cNvPr id="4" name="Slide Number Placeholder 3"/>
+          <p:cNvSpPr>
+            <a:spLocks noGrp="1"/>
+          </p:cNvSpPr>
+          <p:nvPr>
+            <p:ph type="sldNum" sz="quarter" idx="4"/>
+          </p:nvPr>
+        </p:nvSpPr>
+        <p:spPr>
+          <a:xfrm>
+            <a:off x="6896726" y="5728777"/>
+            <a:ext cx="312477" cy="207749"/>
+          </a:xfrm>
+          <a:prstGeom prst="rect">
+            <a:avLst/>
+          </a:prstGeom>
+        </p:spPr>
+        <p:txBody>
+          <a:bodyPr/>
+          <a:lstStyle/>
+          <a:p>
+            <a:fld id="{249E94F7-107C-CE46-8C56-9CACFF99CD93}" type="slidenum">
+              <a:rPr lang="en-US" smtClean="0"/>
+              <a:pPr/>
+              <a:t>24</a:t>
+            </a:fld>
+            <a:endParaRPr lang="en-US" dirty="0"/>
+          </a:p>
+        </p:txBody>
+      </p:sp>
+      <p:sp>
+        <p:nvSpPr>
+          <p:cNvPr id="3" name="TextBox 2"/>
+          <p:cNvSpPr txBox="1"/>
+          <p:nvPr/>
+        </p:nvSpPr>
+        <p:spPr>
+          <a:xfrm>
+            <a:off x="1336085" y="5337050"/>
+            <a:ext cx="6499408" cy="300082"/>
+          </a:xfrm>
+          <a:prstGeom prst="rect">
+            <a:avLst/>
+          </a:prstGeom>
+          <a:noFill/>
+        </p:spPr>
+        <p:txBody>
+          <a:bodyPr wrap="none" rtlCol="0">
+            <a:spAutoFit/>
+          </a:bodyPr>
+          <a:lstStyle/>
+          <a:p>
+            <a:r>
+              <a:rPr lang="en-US" sz="1350" dirty="0"/>
+              <a:t>http://</a:t>
+            </a:r>
+            <a:r>
+              <a:rPr lang="en-US" sz="1350" dirty="0" err="1"/>
+              <a:t>htor.inf.ethz.ch</a:t>
+            </a:r>
+            <a:r>
+              <a:rPr lang="en-US" sz="1350" dirty="0"/>
+              <a:t>/teaching/</a:t>
+            </a:r>
+            <a:r>
+              <a:rPr lang="en-US" sz="1350" dirty="0" err="1"/>
+              <a:t>mpi_tutorials</a:t>
+            </a:r>
+            <a:r>
+              <a:rPr lang="en-US" sz="1350" dirty="0"/>
+              <a:t>/ppopp13/2013-02-24-ppopp-mpi-basic.pdf</a:t>
+            </a:r>
+          </a:p>
+        </p:txBody>
+      </p:sp>
+    </p:spTree>
+    <p:extLst>
+      <p:ext uri="{BB962C8B-B14F-4D97-AF65-F5344CB8AC3E}">
+        <p14:creationId xmlns:p14="http://schemas.microsoft.com/office/powerpoint/2010/main" val="1103835687"/>
+      </p:ext>
+    </p:extLst>
+  </p:cSld>
+  <p:clrMapOvr>
+    <a:masterClrMapping/>
+  </p:clrMapOvr>
+  <mc:AlternateContent xmlns:mc="http://schemas.openxmlformats.org/markup-compatibility/2006">
+    <mc:Choice xmlns:p14="http://schemas.microsoft.com/office/powerpoint/2010/main" Requires="p14">
+      <p:transition spd="slow" p14:dur="2000"/>
+    </mc:Choice>
+    <mc:Fallback>
+      <p:transition spd="slow"/>
+    </mc:Fallback>
+  </mc:AlternateContent>
+</p:sld>
+</file>
+
+<file path=ppt/slides/slide25.xml><?xml version="1.0" encoding="utf-8"?>
+<p:sld xmlns:a="http://schemas.openxmlformats.org/drawingml/2006/main" xmlns:r="http://schemas.openxmlformats.org/officeDocument/2006/relationships" xmlns:p="http://schemas.openxmlformats.org/presentationml/2006/main">
+  <p:cSld>
+    <p:spTree>
+      <p:nvGrpSpPr>
+        <p:cNvPr id="1" name=""/>
+        <p:cNvGrpSpPr/>
+        <p:nvPr/>
+      </p:nvGrpSpPr>
+      <p:grpSpPr>
+        <a:xfrm>
+          <a:off x="0" y="0"/>
+          <a:ext cx="0" cy="0"/>
+          <a:chOff x="0" y="0"/>
+          <a:chExt cx="0" cy="0"/>
+        </a:xfrm>
+      </p:grpSpPr>
+      <p:sp>
+        <p:nvSpPr>
+          <p:cNvPr id="2" name="Title 1"/>
+          <p:cNvSpPr>
+            <a:spLocks noGrp="1"/>
+          </p:cNvSpPr>
+          <p:nvPr>
+            <p:ph type="ctrTitle"/>
+          </p:nvPr>
+        </p:nvSpPr>
         <p:spPr>
           <a:xfrm>
             <a:off x="643194" y="2271662"/>
@@ -23529,7 +24544,7 @@
             <a:fld id="{2C84CB25-7408-6D4A-8E7F-8E9BE9DF036E}" type="slidenum">
               <a:rPr lang="en-US" smtClean="0"/>
               <a:pPr/>
-              <a:t>20</a:t>
+              <a:t>25</a:t>
             </a:fld>
             <a:endParaRPr lang="en-US"/>
           </a:p>
@@ -23555,7 +24570,7 @@
 </p:sld>
 </file>
 
-<file path=ppt/slides/slide21.xml><?xml version="1.0" encoding="utf-8"?>
+<file path=ppt/slides/slide26.xml><?xml version="1.0" encoding="utf-8"?>
 <p:sld xmlns:a="http://schemas.openxmlformats.org/drawingml/2006/main" xmlns:r="http://schemas.openxmlformats.org/officeDocument/2006/relationships" xmlns:p="http://schemas.openxmlformats.org/presentationml/2006/main">
   <p:cSld>
     <p:spTree>
@@ -23690,7 +24705,7 @@
 </p:sld>
 </file>
 
-<file path=ppt/slides/slide22.xml><?xml version="1.0" encoding="utf-8"?>
+<file path=ppt/slides/slide27.xml><?xml version="1.0" encoding="utf-8"?>
 <p:sld xmlns:a="http://schemas.openxmlformats.org/drawingml/2006/main" xmlns:r="http://schemas.openxmlformats.org/officeDocument/2006/relationships" xmlns:p="http://schemas.openxmlformats.org/presentationml/2006/main">
   <p:cSld>
     <p:spTree>
@@ -23920,7 +24935,7 @@
                 <a:sym typeface="Helvetica Neue"/>
               </a:rPr>
               <a:pPr lvl="0"/>
-              <a:t>22</a:t>
+              <a:t>27</a:t>
             </a:fld>
             <a:endParaRPr lang="en-US">
               <a:sym typeface="Helvetica Neue"/>
@@ -23951,7 +24966,7 @@
 </p:sld>
 </file>
 
-<file path=ppt/slides/slide23.xml><?xml version="1.0" encoding="utf-8"?>
+<file path=ppt/slides/slide28.xml><?xml version="1.0" encoding="utf-8"?>
 <p:sld xmlns:a="http://schemas.openxmlformats.org/drawingml/2006/main" xmlns:r="http://schemas.openxmlformats.org/officeDocument/2006/relationships" xmlns:p="http://schemas.openxmlformats.org/presentationml/2006/main">
   <p:cSld>
     <p:spTree>
@@ -24073,7 +25088,7 @@
                 <a:sym typeface="Helvetica Neue"/>
               </a:rPr>
               <a:pPr lvl="0"/>
-              <a:t>23</a:t>
+              <a:t>28</a:t>
             </a:fld>
             <a:endParaRPr lang="en-US">
               <a:sym typeface="Helvetica Neue"/>
@@ -24539,7 +25554,7 @@
 </p:sld>
 </file>
 
-<file path=ppt/slides/slide24.xml><?xml version="1.0" encoding="utf-8"?>
+<file path=ppt/slides/slide29.xml><?xml version="1.0" encoding="utf-8"?>
 <p:sld xmlns:a="http://schemas.openxmlformats.org/drawingml/2006/main" xmlns:r="http://schemas.openxmlformats.org/officeDocument/2006/relationships" xmlns:p="http://schemas.openxmlformats.org/presentationml/2006/main">
   <p:cSld>
     <p:spTree>
@@ -24776,7 +25791,7 @@
                 <a:sym typeface="Helvetica Neue"/>
               </a:rPr>
               <a:pPr lvl="0"/>
-              <a:t>24</a:t>
+              <a:t>29</a:t>
             </a:fld>
             <a:endParaRPr lang="en-US">
               <a:sym typeface="Helvetica Neue"/>
@@ -24804,975 +25819,6 @@
       </p:par>
     </p:tnLst>
   </p:timing>
-</p:sld>
-</file>
-
-<file path=ppt/slides/slide25.xml><?xml version="1.0" encoding="utf-8"?>
-<p:sld xmlns:a="http://schemas.openxmlformats.org/drawingml/2006/main" xmlns:r="http://schemas.openxmlformats.org/officeDocument/2006/relationships" xmlns:p="http://schemas.openxmlformats.org/presentationml/2006/main">
-  <p:cSld>
-    <p:spTree>
-      <p:nvGrpSpPr>
-        <p:cNvPr id="1" name="Shape 295"/>
-        <p:cNvGrpSpPr/>
-        <p:nvPr/>
-      </p:nvGrpSpPr>
-      <p:grpSpPr>
-        <a:xfrm>
-          <a:off x="0" y="0"/>
-          <a:ext cx="0" cy="0"/>
-          <a:chOff x="0" y="0"/>
-          <a:chExt cx="0" cy="0"/>
-        </a:xfrm>
-      </p:grpSpPr>
-      <p:sp>
-        <p:nvSpPr>
-          <p:cNvPr id="296" name="Shape 296"/>
-          <p:cNvSpPr txBox="1">
-            <a:spLocks noGrp="1"/>
-          </p:cNvSpPr>
-          <p:nvPr>
-            <p:ph type="title"/>
-          </p:nvPr>
-        </p:nvSpPr>
-        <p:spPr/>
-        <p:txBody>
-          <a:bodyPr/>
-          <a:lstStyle/>
-          <a:p>
-            <a:pPr lvl="0"/>
-            <a:r>
-              <a:rPr lang="en-US" smtClean="0">
-                <a:sym typeface="Helvetica Neue"/>
-              </a:rPr>
-              <a:t>Running Matlab in Parallel On Lots of Cores</a:t>
-            </a:r>
-            <a:endParaRPr lang="en-US">
-              <a:sym typeface="Helvetica Neue"/>
-            </a:endParaRPr>
-          </a:p>
-        </p:txBody>
-      </p:sp>
-      <p:sp>
-        <p:nvSpPr>
-          <p:cNvPr id="297" name="Shape 297"/>
-          <p:cNvSpPr txBox="1">
-            <a:spLocks noGrp="1"/>
-          </p:cNvSpPr>
-          <p:nvPr>
-            <p:ph idx="1"/>
-          </p:nvPr>
-        </p:nvSpPr>
-        <p:spPr/>
-        <p:txBody>
-          <a:bodyPr/>
-          <a:lstStyle/>
-          <a:p>
-            <a:pPr lvl="0"/>
-            <a:endParaRPr lang="en-US" dirty="0" smtClean="0">
-              <a:sym typeface="Helvetica Neue"/>
-            </a:endParaRPr>
-          </a:p>
-          <a:p>
-            <a:pPr lvl="0"/>
-            <a:r>
-              <a:rPr lang="en-US" dirty="0" smtClean="0">
-                <a:sym typeface="Helvetica Neue"/>
-              </a:rPr>
-              <a:t>Typically see a significant speed up when using </a:t>
-            </a:r>
-            <a:r>
-              <a:rPr lang="en-US" dirty="0" err="1" smtClean="0">
-                <a:sym typeface="Helvetica Neue"/>
-              </a:rPr>
-              <a:t>parfor</a:t>
-            </a:r>
-            <a:r>
-              <a:rPr lang="en-US" dirty="0" smtClean="0">
-                <a:sym typeface="Helvetica Neue"/>
-              </a:rPr>
-              <a:t> vs. when not</a:t>
-            </a:r>
-          </a:p>
-          <a:p>
-            <a:pPr lvl="1"/>
-            <a:r>
-              <a:rPr lang="en-US" dirty="0" smtClean="0">
-                <a:sym typeface="Helvetica Neue"/>
-              </a:rPr>
-              <a:t>If code is parallelizable</a:t>
-            </a:r>
-          </a:p>
-          <a:p>
-            <a:pPr lvl="0"/>
-            <a:endParaRPr lang="en-US" dirty="0" smtClean="0">
-              <a:sym typeface="Helvetica Neue"/>
-            </a:endParaRPr>
-          </a:p>
-          <a:p>
-            <a:pPr lvl="0"/>
-            <a:r>
-              <a:rPr lang="en-US" dirty="0" smtClean="0">
-                <a:sym typeface="Helvetica Neue"/>
-              </a:rPr>
-              <a:t>However, this might not always be the case</a:t>
-            </a:r>
-          </a:p>
-          <a:p>
-            <a:pPr lvl="0"/>
-            <a:endParaRPr lang="en-US" dirty="0" smtClean="0">
-              <a:sym typeface="Helvetica Neue"/>
-            </a:endParaRPr>
-          </a:p>
-          <a:p>
-            <a:pPr lvl="0"/>
-            <a:r>
-              <a:rPr lang="en-US" dirty="0" smtClean="0">
-                <a:sym typeface="Helvetica Neue"/>
-              </a:rPr>
-              <a:t>Might spend more time in overhead</a:t>
-            </a:r>
-          </a:p>
-          <a:p>
-            <a:pPr lvl="1"/>
-            <a:r>
-              <a:rPr lang="en-US" dirty="0" smtClean="0">
-                <a:sym typeface="Helvetica Neue"/>
-              </a:rPr>
-              <a:t>If code isn’t parallelizable </a:t>
-            </a:r>
-          </a:p>
-          <a:p>
-            <a:pPr lvl="1"/>
-            <a:r>
-              <a:rPr lang="en-US" dirty="0" smtClean="0">
-                <a:sym typeface="Helvetica Neue"/>
-              </a:rPr>
-              <a:t>If code isn’t that complicated</a:t>
-            </a:r>
-          </a:p>
-          <a:p>
-            <a:pPr lvl="1"/>
-            <a:endParaRPr lang="en-US" dirty="0">
-              <a:sym typeface="Helvetica Neue"/>
-            </a:endParaRPr>
-          </a:p>
-        </p:txBody>
-      </p:sp>
-      <p:sp>
-        <p:nvSpPr>
-          <p:cNvPr id="298" name="Shape 298"/>
-          <p:cNvSpPr txBox="1">
-            <a:spLocks noGrp="1"/>
-          </p:cNvSpPr>
-          <p:nvPr>
-            <p:ph type="dt" sz="half" idx="10"/>
-          </p:nvPr>
-        </p:nvSpPr>
-        <p:spPr/>
-        <p:txBody>
-          <a:bodyPr/>
-          <a:lstStyle/>
-          <a:p>
-            <a:pPr lvl="0"/>
-            <a:r>
-              <a:rPr lang="en-US" smtClean="0">
-                <a:sym typeface="Helvetica Neue"/>
-              </a:rPr>
-              <a:t>4/9/2015</a:t>
-            </a:r>
-            <a:endParaRPr lang="en-US">
-              <a:sym typeface="Helvetica Neue"/>
-            </a:endParaRPr>
-          </a:p>
-        </p:txBody>
-      </p:sp>
-      <p:sp>
-        <p:nvSpPr>
-          <p:cNvPr id="299" name="Shape 299"/>
-          <p:cNvSpPr txBox="1">
-            <a:spLocks noGrp="1"/>
-          </p:cNvSpPr>
-          <p:nvPr>
-            <p:ph type="ftr" sz="quarter" idx="11"/>
-          </p:nvPr>
-        </p:nvSpPr>
-        <p:spPr/>
-        <p:txBody>
-          <a:bodyPr/>
-          <a:lstStyle/>
-          <a:p>
-            <a:pPr lvl="0"/>
-            <a:r>
-              <a:rPr lang="en-US" smtClean="0">
-                <a:sym typeface="Calibri"/>
-              </a:rPr>
-              <a:t>Meetup</a:t>
-            </a:r>
-            <a:endParaRPr lang="en-US">
-              <a:sym typeface="Calibri"/>
-            </a:endParaRPr>
-          </a:p>
-        </p:txBody>
-      </p:sp>
-      <p:sp>
-        <p:nvSpPr>
-          <p:cNvPr id="300" name="Shape 300"/>
-          <p:cNvSpPr txBox="1">
-            <a:spLocks noGrp="1"/>
-          </p:cNvSpPr>
-          <p:nvPr>
-            <p:ph type="sldNum" sz="quarter" idx="4"/>
-          </p:nvPr>
-        </p:nvSpPr>
-        <p:spPr/>
-        <p:txBody>
-          <a:bodyPr/>
-          <a:lstStyle/>
-          <a:p>
-            <a:pPr lvl="0"/>
-            <a:fld id="{00000000-1234-1234-1234-123412341234}" type="slidenum">
-              <a:rPr lang="en-US" smtClean="0">
-                <a:sym typeface="Helvetica Neue"/>
-              </a:rPr>
-              <a:pPr lvl="0"/>
-              <a:t>25</a:t>
-            </a:fld>
-            <a:endParaRPr lang="en-US">
-              <a:sym typeface="Helvetica Neue"/>
-            </a:endParaRPr>
-          </a:p>
-        </p:txBody>
-      </p:sp>
-    </p:spTree>
-    <p:extLst>
-      <p:ext uri="{BB962C8B-B14F-4D97-AF65-F5344CB8AC3E}">
-        <p14:creationId xmlns:p14="http://schemas.microsoft.com/office/powerpoint/2010/main" val="1616799589"/>
-      </p:ext>
-    </p:extLst>
-  </p:cSld>
-  <p:clrMapOvr>
-    <a:masterClrMapping/>
-  </p:clrMapOvr>
-  <p:transition spd="slow">
-    <p:cut/>
-  </p:transition>
-  <p:timing>
-    <p:tnLst>
-      <p:par>
-        <p:cTn id="1" dur="indefinite" restart="never" nodeType="tmRoot"/>
-      </p:par>
-    </p:tnLst>
-  </p:timing>
-</p:sld>
-</file>
-
-<file path=ppt/slides/slide26.xml><?xml version="1.0" encoding="utf-8"?>
-<p:sld xmlns:a="http://schemas.openxmlformats.org/drawingml/2006/main" xmlns:r="http://schemas.openxmlformats.org/officeDocument/2006/relationships" xmlns:p="http://schemas.openxmlformats.org/presentationml/2006/main">
-  <p:cSld>
-    <p:spTree>
-      <p:nvGrpSpPr>
-        <p:cNvPr id="1" name=""/>
-        <p:cNvGrpSpPr/>
-        <p:nvPr/>
-      </p:nvGrpSpPr>
-      <p:grpSpPr>
-        <a:xfrm>
-          <a:off x="0" y="0"/>
-          <a:ext cx="0" cy="0"/>
-          <a:chOff x="0" y="0"/>
-          <a:chExt cx="0" cy="0"/>
-        </a:xfrm>
-      </p:grpSpPr>
-      <p:sp>
-        <p:nvSpPr>
-          <p:cNvPr id="2" name="Title 1"/>
-          <p:cNvSpPr>
-            <a:spLocks noGrp="1"/>
-          </p:cNvSpPr>
-          <p:nvPr>
-            <p:ph type="title"/>
-          </p:nvPr>
-        </p:nvSpPr>
-        <p:spPr/>
-        <p:txBody>
-          <a:bodyPr>
-            <a:normAutofit/>
-          </a:bodyPr>
-          <a:lstStyle/>
-          <a:p>
-            <a:r>
-              <a:rPr lang="en-US" dirty="0" smtClean="0"/>
-              <a:t>Running </a:t>
-            </a:r>
-            <a:r>
-              <a:rPr lang="en-US" dirty="0" err="1" smtClean="0"/>
-              <a:t>Matlab</a:t>
-            </a:r>
-            <a:r>
-              <a:rPr lang="en-US" dirty="0" smtClean="0"/>
-              <a:t> in Parallel</a:t>
-            </a:r>
-            <a:endParaRPr lang="en-US" dirty="0"/>
-          </a:p>
-        </p:txBody>
-      </p:sp>
-      <p:sp>
-        <p:nvSpPr>
-          <p:cNvPr id="3" name="Content Placeholder 2"/>
-          <p:cNvSpPr>
-            <a:spLocks noGrp="1"/>
-          </p:cNvSpPr>
-          <p:nvPr>
-            <p:ph idx="1"/>
-          </p:nvPr>
-        </p:nvSpPr>
-        <p:spPr>
-          <a:xfrm>
-            <a:off x="669536" y="2133601"/>
-            <a:ext cx="7737629" cy="3931920"/>
-          </a:xfrm>
-        </p:spPr>
-        <p:txBody>
-          <a:bodyPr>
-            <a:normAutofit/>
-          </a:bodyPr>
-          <a:lstStyle/>
-          <a:p>
-            <a:r>
-              <a:rPr lang="en-US" dirty="0" smtClean="0"/>
-              <a:t>Let’s take ordinary code that is already running and convert it to run in parallel</a:t>
-            </a:r>
-          </a:p>
-          <a:p>
-            <a:endParaRPr lang="en-US" dirty="0" smtClean="0"/>
-          </a:p>
-          <a:p>
-            <a:r>
-              <a:rPr lang="en-US" dirty="0" err="1" smtClean="0"/>
-              <a:t>matlab_parallel_serial.m</a:t>
-            </a:r>
-            <a:endParaRPr lang="en-US" dirty="0" smtClean="0"/>
-          </a:p>
-          <a:p>
-            <a:r>
-              <a:rPr lang="en-US" dirty="0" err="1" smtClean="0"/>
-              <a:t>matlab_parallel_tutorial.m</a:t>
-            </a:r>
-            <a:endParaRPr lang="en-US" dirty="0" smtClean="0"/>
-          </a:p>
-          <a:p>
-            <a:endParaRPr lang="en-US" dirty="0" smtClean="0"/>
-          </a:p>
-        </p:txBody>
-      </p:sp>
-    </p:spTree>
-    <p:extLst>
-      <p:ext uri="{BB962C8B-B14F-4D97-AF65-F5344CB8AC3E}">
-        <p14:creationId xmlns:p14="http://schemas.microsoft.com/office/powerpoint/2010/main" val="1903320927"/>
-      </p:ext>
-    </p:extLst>
-  </p:cSld>
-  <p:clrMapOvr>
-    <a:masterClrMapping/>
-  </p:clrMapOvr>
-  <p:timing>
-    <p:tnLst>
-      <p:par>
-        <p:cTn id="1" dur="indefinite" restart="never" nodeType="tmRoot"/>
-      </p:par>
-    </p:tnLst>
-  </p:timing>
-</p:sld>
-</file>
-
-<file path=ppt/slides/slide27.xml><?xml version="1.0" encoding="utf-8"?>
-<p:sld xmlns:a="http://schemas.openxmlformats.org/drawingml/2006/main" xmlns:r="http://schemas.openxmlformats.org/officeDocument/2006/relationships" xmlns:p="http://schemas.openxmlformats.org/presentationml/2006/main">
-  <p:cSld>
-    <p:spTree>
-      <p:nvGrpSpPr>
-        <p:cNvPr id="1" name="Shape 304"/>
-        <p:cNvGrpSpPr/>
-        <p:nvPr/>
-      </p:nvGrpSpPr>
-      <p:grpSpPr>
-        <a:xfrm>
-          <a:off x="0" y="0"/>
-          <a:ext cx="0" cy="0"/>
-          <a:chOff x="0" y="0"/>
-          <a:chExt cx="0" cy="0"/>
-        </a:xfrm>
-      </p:grpSpPr>
-      <p:sp>
-        <p:nvSpPr>
-          <p:cNvPr id="305" name="Shape 305"/>
-          <p:cNvSpPr txBox="1">
-            <a:spLocks noGrp="1"/>
-          </p:cNvSpPr>
-          <p:nvPr>
-            <p:ph type="title"/>
-          </p:nvPr>
-        </p:nvSpPr>
-        <p:spPr/>
-        <p:txBody>
-          <a:bodyPr/>
-          <a:lstStyle/>
-          <a:p>
-            <a:pPr lvl="0"/>
-            <a:r>
-              <a:rPr lang="en-US" smtClean="0">
-                <a:sym typeface="Helvetica Neue"/>
-              </a:rPr>
-              <a:t>Spmd Command</a:t>
-            </a:r>
-            <a:endParaRPr lang="en-US">
-              <a:sym typeface="Helvetica Neue"/>
-            </a:endParaRPr>
-          </a:p>
-        </p:txBody>
-      </p:sp>
-      <p:sp>
-        <p:nvSpPr>
-          <p:cNvPr id="306" name="Shape 306"/>
-          <p:cNvSpPr txBox="1">
-            <a:spLocks noGrp="1"/>
-          </p:cNvSpPr>
-          <p:nvPr>
-            <p:ph idx="1"/>
-          </p:nvPr>
-        </p:nvSpPr>
-        <p:spPr/>
-        <p:txBody>
-          <a:bodyPr/>
-          <a:lstStyle/>
-          <a:p>
-            <a:pPr lvl="0"/>
-            <a:r>
-              <a:rPr lang="en-US" smtClean="0">
-                <a:sym typeface="Helvetica Neue"/>
-              </a:rPr>
-              <a:t>Single process, multiple data</a:t>
-            </a:r>
-          </a:p>
-          <a:p>
-            <a:pPr lvl="0"/>
-            <a:r>
-              <a:rPr lang="en-US" smtClean="0">
-                <a:sym typeface="Helvetica Neue"/>
-              </a:rPr>
-              <a:t>The spmd command ensures more control </a:t>
-            </a:r>
-          </a:p>
-          <a:p>
-            <a:pPr lvl="0"/>
-            <a:r>
-              <a:rPr lang="en-US" smtClean="0">
-                <a:sym typeface="Helvetica Neue"/>
-              </a:rPr>
-              <a:t>Can parallelize much more than just loops</a:t>
-            </a:r>
-          </a:p>
-          <a:p>
-            <a:pPr lvl="0"/>
-            <a:r>
-              <a:rPr lang="en-US" smtClean="0">
-                <a:sym typeface="Helvetica Neue"/>
-              </a:rPr>
-              <a:t>Like a very simplified version of MPI</a:t>
-            </a:r>
-          </a:p>
-          <a:p>
-            <a:pPr lvl="0"/>
-            <a:r>
-              <a:rPr lang="en-US" smtClean="0">
-                <a:sym typeface="Helvetica Neue"/>
-              </a:rPr>
-              <a:t>More flexibility than parfor</a:t>
-            </a:r>
-          </a:p>
-          <a:p>
-            <a:pPr lvl="0"/>
-            <a:r>
-              <a:rPr lang="en-US" smtClean="0">
-                <a:sym typeface="Helvetica Neue"/>
-              </a:rPr>
-              <a:t>However, need to know what you’re doing</a:t>
-            </a:r>
-          </a:p>
-          <a:p>
-            <a:pPr lvl="0"/>
-            <a:endParaRPr lang="en-US">
-              <a:sym typeface="Helvetica Neue"/>
-            </a:endParaRPr>
-          </a:p>
-        </p:txBody>
-      </p:sp>
-      <p:sp>
-        <p:nvSpPr>
-          <p:cNvPr id="307" name="Shape 307"/>
-          <p:cNvSpPr txBox="1">
-            <a:spLocks noGrp="1"/>
-          </p:cNvSpPr>
-          <p:nvPr>
-            <p:ph type="dt" sz="half" idx="10"/>
-          </p:nvPr>
-        </p:nvSpPr>
-        <p:spPr/>
-        <p:txBody>
-          <a:bodyPr/>
-          <a:lstStyle/>
-          <a:p>
-            <a:pPr lvl="0"/>
-            <a:r>
-              <a:rPr lang="en-US" smtClean="0">
-                <a:sym typeface="Helvetica Neue"/>
-              </a:rPr>
-              <a:t>4/9/2015</a:t>
-            </a:r>
-            <a:endParaRPr lang="en-US">
-              <a:sym typeface="Helvetica Neue"/>
-            </a:endParaRPr>
-          </a:p>
-        </p:txBody>
-      </p:sp>
-      <p:sp>
-        <p:nvSpPr>
-          <p:cNvPr id="308" name="Shape 308"/>
-          <p:cNvSpPr txBox="1">
-            <a:spLocks noGrp="1"/>
-          </p:cNvSpPr>
-          <p:nvPr>
-            <p:ph type="ftr" sz="quarter" idx="11"/>
-          </p:nvPr>
-        </p:nvSpPr>
-        <p:spPr/>
-        <p:txBody>
-          <a:bodyPr/>
-          <a:lstStyle/>
-          <a:p>
-            <a:pPr lvl="0"/>
-            <a:r>
-              <a:rPr lang="en-US" smtClean="0">
-                <a:sym typeface="Calibri"/>
-              </a:rPr>
-              <a:t>Meetup</a:t>
-            </a:r>
-            <a:endParaRPr lang="en-US">
-              <a:sym typeface="Calibri"/>
-            </a:endParaRPr>
-          </a:p>
-        </p:txBody>
-      </p:sp>
-      <p:sp>
-        <p:nvSpPr>
-          <p:cNvPr id="309" name="Shape 309"/>
-          <p:cNvSpPr txBox="1">
-            <a:spLocks noGrp="1"/>
-          </p:cNvSpPr>
-          <p:nvPr>
-            <p:ph type="sldNum" sz="quarter" idx="4"/>
-          </p:nvPr>
-        </p:nvSpPr>
-        <p:spPr/>
-        <p:txBody>
-          <a:bodyPr/>
-          <a:lstStyle/>
-          <a:p>
-            <a:pPr lvl="0"/>
-            <a:fld id="{00000000-1234-1234-1234-123412341234}" type="slidenum">
-              <a:rPr lang="en-US" smtClean="0">
-                <a:sym typeface="Helvetica Neue"/>
-              </a:rPr>
-              <a:pPr lvl="0"/>
-              <a:t>27</a:t>
-            </a:fld>
-            <a:endParaRPr lang="en-US">
-              <a:sym typeface="Helvetica Neue"/>
-            </a:endParaRPr>
-          </a:p>
-        </p:txBody>
-      </p:sp>
-    </p:spTree>
-    <p:extLst>
-      <p:ext uri="{BB962C8B-B14F-4D97-AF65-F5344CB8AC3E}">
-        <p14:creationId xmlns:p14="http://schemas.microsoft.com/office/powerpoint/2010/main" val="1734823734"/>
-      </p:ext>
-    </p:extLst>
-  </p:cSld>
-  <p:clrMapOvr>
-    <a:masterClrMapping/>
-  </p:clrMapOvr>
-  <p:transition spd="slow">
-    <p:cut/>
-  </p:transition>
-  <p:timing>
-    <p:tnLst>
-      <p:par>
-        <p:cTn id="1" dur="indefinite" restart="never" nodeType="tmRoot"/>
-      </p:par>
-    </p:tnLst>
-  </p:timing>
-</p:sld>
-</file>
-
-<file path=ppt/slides/slide28.xml><?xml version="1.0" encoding="utf-8"?>
-<p:sld xmlns:a="http://schemas.openxmlformats.org/drawingml/2006/main" xmlns:r="http://schemas.openxmlformats.org/officeDocument/2006/relationships" xmlns:p="http://schemas.openxmlformats.org/presentationml/2006/main">
-  <p:cSld>
-    <p:spTree>
-      <p:nvGrpSpPr>
-        <p:cNvPr id="1" name="Shape 313"/>
-        <p:cNvGrpSpPr/>
-        <p:nvPr/>
-      </p:nvGrpSpPr>
-      <p:grpSpPr>
-        <a:xfrm>
-          <a:off x="0" y="0"/>
-          <a:ext cx="0" cy="0"/>
-          <a:chOff x="0" y="0"/>
-          <a:chExt cx="0" cy="0"/>
-        </a:xfrm>
-      </p:grpSpPr>
-      <p:sp>
-        <p:nvSpPr>
-          <p:cNvPr id="314" name="Shape 314"/>
-          <p:cNvSpPr txBox="1">
-            <a:spLocks noGrp="1"/>
-          </p:cNvSpPr>
-          <p:nvPr>
-            <p:ph type="title"/>
-          </p:nvPr>
-        </p:nvSpPr>
-        <p:spPr/>
-        <p:txBody>
-          <a:bodyPr/>
-          <a:lstStyle/>
-          <a:p>
-            <a:pPr lvl="0"/>
-            <a:r>
-              <a:rPr lang="en-US" smtClean="0">
-                <a:sym typeface="Helvetica Neue"/>
-              </a:rPr>
-              <a:t>Distributed Computing Toolbox</a:t>
-            </a:r>
-            <a:endParaRPr lang="en-US">
-              <a:sym typeface="Helvetica Neue"/>
-            </a:endParaRPr>
-          </a:p>
-        </p:txBody>
-      </p:sp>
-      <p:sp>
-        <p:nvSpPr>
-          <p:cNvPr id="315" name="Shape 315"/>
-          <p:cNvSpPr txBox="1">
-            <a:spLocks noGrp="1"/>
-          </p:cNvSpPr>
-          <p:nvPr>
-            <p:ph idx="1"/>
-          </p:nvPr>
-        </p:nvSpPr>
-        <p:spPr/>
-        <p:txBody>
-          <a:bodyPr/>
-          <a:lstStyle/>
-          <a:p>
-            <a:pPr lvl="0"/>
-            <a:r>
-              <a:rPr lang="en-US" smtClean="0">
-                <a:sym typeface="Helvetica Neue"/>
-              </a:rPr>
-              <a:t>PCT allows you to run programs in parallel across many processors</a:t>
-            </a:r>
-          </a:p>
-          <a:p>
-            <a:pPr lvl="0"/>
-            <a:r>
-              <a:rPr lang="en-US" smtClean="0">
-                <a:sym typeface="Helvetica Neue"/>
-              </a:rPr>
-              <a:t>DCT allows you to run across nodes</a:t>
-            </a:r>
-          </a:p>
-          <a:p>
-            <a:pPr lvl="1"/>
-            <a:r>
-              <a:rPr lang="en-US" smtClean="0">
-                <a:sym typeface="Helvetica Neue"/>
-              </a:rPr>
-              <a:t>Allows you to run easily on clusters</a:t>
-            </a:r>
-          </a:p>
-          <a:p>
-            <a:pPr lvl="1"/>
-            <a:r>
-              <a:rPr lang="en-US" smtClean="0">
-                <a:sym typeface="Helvetica Neue"/>
-              </a:rPr>
-              <a:t>Supports resource managers</a:t>
-            </a:r>
-          </a:p>
-          <a:p>
-            <a:pPr lvl="1"/>
-            <a:r>
-              <a:rPr lang="en-US" smtClean="0">
-                <a:sym typeface="Helvetica Neue"/>
-              </a:rPr>
-              <a:t>Not an option for Janus</a:t>
-            </a:r>
-            <a:endParaRPr lang="en-US">
-              <a:sym typeface="Helvetica Neue"/>
-            </a:endParaRPr>
-          </a:p>
-        </p:txBody>
-      </p:sp>
-      <p:sp>
-        <p:nvSpPr>
-          <p:cNvPr id="316" name="Shape 316"/>
-          <p:cNvSpPr txBox="1">
-            <a:spLocks noGrp="1"/>
-          </p:cNvSpPr>
-          <p:nvPr>
-            <p:ph type="dt" sz="half" idx="10"/>
-          </p:nvPr>
-        </p:nvSpPr>
-        <p:spPr/>
-        <p:txBody>
-          <a:bodyPr/>
-          <a:lstStyle/>
-          <a:p>
-            <a:pPr lvl="0"/>
-            <a:r>
-              <a:rPr lang="en-US" smtClean="0">
-                <a:sym typeface="Helvetica Neue"/>
-              </a:rPr>
-              <a:t>4/9/2015</a:t>
-            </a:r>
-            <a:endParaRPr lang="en-US">
-              <a:sym typeface="Helvetica Neue"/>
-            </a:endParaRPr>
-          </a:p>
-        </p:txBody>
-      </p:sp>
-      <p:sp>
-        <p:nvSpPr>
-          <p:cNvPr id="317" name="Shape 317"/>
-          <p:cNvSpPr txBox="1">
-            <a:spLocks noGrp="1"/>
-          </p:cNvSpPr>
-          <p:nvPr>
-            <p:ph type="ftr" sz="quarter" idx="11"/>
-          </p:nvPr>
-        </p:nvSpPr>
-        <p:spPr/>
-        <p:txBody>
-          <a:bodyPr/>
-          <a:lstStyle/>
-          <a:p>
-            <a:pPr lvl="0"/>
-            <a:r>
-              <a:rPr lang="en-US" smtClean="0">
-                <a:sym typeface="Calibri"/>
-              </a:rPr>
-              <a:t>Meetup</a:t>
-            </a:r>
-            <a:endParaRPr lang="en-US">
-              <a:sym typeface="Calibri"/>
-            </a:endParaRPr>
-          </a:p>
-        </p:txBody>
-      </p:sp>
-      <p:sp>
-        <p:nvSpPr>
-          <p:cNvPr id="318" name="Shape 318"/>
-          <p:cNvSpPr txBox="1">
-            <a:spLocks noGrp="1"/>
-          </p:cNvSpPr>
-          <p:nvPr>
-            <p:ph type="sldNum" sz="quarter" idx="4"/>
-          </p:nvPr>
-        </p:nvSpPr>
-        <p:spPr/>
-        <p:txBody>
-          <a:bodyPr/>
-          <a:lstStyle/>
-          <a:p>
-            <a:pPr lvl="0"/>
-            <a:fld id="{00000000-1234-1234-1234-123412341234}" type="slidenum">
-              <a:rPr lang="en-US" smtClean="0">
-                <a:sym typeface="Helvetica Neue"/>
-              </a:rPr>
-              <a:pPr lvl="0"/>
-              <a:t>28</a:t>
-            </a:fld>
-            <a:endParaRPr lang="en-US">
-              <a:sym typeface="Helvetica Neue"/>
-            </a:endParaRPr>
-          </a:p>
-        </p:txBody>
-      </p:sp>
-    </p:spTree>
-    <p:extLst>
-      <p:ext uri="{BB962C8B-B14F-4D97-AF65-F5344CB8AC3E}">
-        <p14:creationId xmlns:p14="http://schemas.microsoft.com/office/powerpoint/2010/main" val="1693566994"/>
-      </p:ext>
-    </p:extLst>
-  </p:cSld>
-  <p:clrMapOvr>
-    <a:masterClrMapping/>
-  </p:clrMapOvr>
-  <p:transition spd="slow">
-    <p:cut/>
-  </p:transition>
-  <p:timing>
-    <p:tnLst>
-      <p:par>
-        <p:cTn id="1" dur="indefinite" restart="never" nodeType="tmRoot"/>
-      </p:par>
-    </p:tnLst>
-  </p:timing>
-</p:sld>
-</file>
-
-<file path=ppt/slides/slide29.xml><?xml version="1.0" encoding="utf-8"?>
-<p:sld xmlns:a="http://schemas.openxmlformats.org/drawingml/2006/main" xmlns:r="http://schemas.openxmlformats.org/officeDocument/2006/relationships" xmlns:p="http://schemas.openxmlformats.org/presentationml/2006/main">
-  <p:cSld>
-    <p:spTree>
-      <p:nvGrpSpPr>
-        <p:cNvPr id="1" name=""/>
-        <p:cNvGrpSpPr/>
-        <p:nvPr/>
-      </p:nvGrpSpPr>
-      <p:grpSpPr>
-        <a:xfrm>
-          <a:off x="0" y="0"/>
-          <a:ext cx="0" cy="0"/>
-          <a:chOff x="0" y="0"/>
-          <a:chExt cx="0" cy="0"/>
-        </a:xfrm>
-      </p:grpSpPr>
-      <p:sp>
-        <p:nvSpPr>
-          <p:cNvPr id="2" name="Title 1"/>
-          <p:cNvSpPr>
-            <a:spLocks noGrp="1"/>
-          </p:cNvSpPr>
-          <p:nvPr>
-            <p:ph type="title"/>
-          </p:nvPr>
-        </p:nvSpPr>
-        <p:spPr/>
-        <p:txBody>
-          <a:bodyPr/>
-          <a:lstStyle/>
-          <a:p>
-            <a:r>
-              <a:rPr lang="en-US" dirty="0" smtClean="0"/>
-              <a:t>Other Options</a:t>
-            </a:r>
-            <a:endParaRPr lang="en-US" dirty="0"/>
-          </a:p>
-        </p:txBody>
-      </p:sp>
-      <p:sp>
-        <p:nvSpPr>
-          <p:cNvPr id="3" name="Content Placeholder 2"/>
-          <p:cNvSpPr>
-            <a:spLocks noGrp="1"/>
-          </p:cNvSpPr>
-          <p:nvPr>
-            <p:ph idx="1"/>
-          </p:nvPr>
-        </p:nvSpPr>
-        <p:spPr/>
-        <p:txBody>
-          <a:bodyPr/>
-          <a:lstStyle/>
-          <a:p>
-            <a:r>
-              <a:rPr lang="en-US" dirty="0" smtClean="0"/>
-              <a:t>Parallel </a:t>
-            </a:r>
-            <a:r>
-              <a:rPr lang="en-US" dirty="0"/>
-              <a:t>R: </a:t>
-            </a:r>
-            <a:r>
-              <a:rPr lang="en-US" dirty="0">
-                <a:hlinkClick r:id="rId2"/>
-              </a:rPr>
-              <a:t>https://earthlab.github.io/r/R-parallel_r</a:t>
-            </a:r>
-            <a:r>
-              <a:rPr lang="en-US" dirty="0" smtClean="0">
-                <a:hlinkClick r:id="rId2"/>
-              </a:rPr>
-              <a:t>/</a:t>
-            </a:r>
-            <a:r>
-              <a:rPr lang="en-US" dirty="0" smtClean="0"/>
-              <a:t> </a:t>
-            </a:r>
-          </a:p>
-          <a:p>
-            <a:endParaRPr lang="en-US" dirty="0"/>
-          </a:p>
-          <a:p>
-            <a:r>
-              <a:rPr lang="en-US" dirty="0" smtClean="0"/>
-              <a:t>Parallel Python: </a:t>
-            </a:r>
-            <a:r>
-              <a:rPr lang="en-US" u="sng" dirty="0">
-                <a:hlinkClick r:id="rId3"/>
-              </a:rPr>
-              <a:t>http://materials.jeremybejarano.com/MPIwithPython</a:t>
-            </a:r>
-            <a:r>
-              <a:rPr lang="en-US" u="sng" dirty="0" smtClean="0">
-                <a:hlinkClick r:id="rId3"/>
-              </a:rPr>
-              <a:t>/</a:t>
-            </a:r>
-            <a:r>
-              <a:rPr lang="en-US" u="sng" dirty="0" smtClean="0"/>
-              <a:t> </a:t>
-            </a:r>
-            <a:endParaRPr lang="en-US" dirty="0"/>
-          </a:p>
-        </p:txBody>
-      </p:sp>
-      <p:sp>
-        <p:nvSpPr>
-          <p:cNvPr id="4" name="Slide Number Placeholder 3"/>
-          <p:cNvSpPr>
-            <a:spLocks noGrp="1"/>
-          </p:cNvSpPr>
-          <p:nvPr>
-            <p:ph type="sldNum" sz="quarter" idx="4"/>
-          </p:nvPr>
-        </p:nvSpPr>
-        <p:spPr/>
-        <p:txBody>
-          <a:bodyPr/>
-          <a:lstStyle/>
-          <a:p>
-            <a:fld id="{249E94F7-107C-CE46-8C56-9CACFF99CD93}" type="slidenum">
-              <a:rPr lang="en-US" smtClean="0"/>
-              <a:pPr/>
-              <a:t>29</a:t>
-            </a:fld>
-            <a:endParaRPr lang="en-US" dirty="0"/>
-          </a:p>
-        </p:txBody>
-      </p:sp>
-    </p:spTree>
-    <p:extLst>
-      <p:ext uri="{BB962C8B-B14F-4D97-AF65-F5344CB8AC3E}">
-        <p14:creationId xmlns:p14="http://schemas.microsoft.com/office/powerpoint/2010/main" val="1233610874"/>
-      </p:ext>
-    </p:extLst>
-  </p:cSld>
-  <p:clrMapOvr>
-    <a:masterClrMapping/>
-  </p:clrMapOvr>
 </p:sld>
 </file>
 
@@ -25878,7 +25924,7 @@
   <p:cSld>
     <p:spTree>
       <p:nvGrpSpPr>
-        <p:cNvPr id="1" name="Shape 122"/>
+        <p:cNvPr id="1" name="Shape 295"/>
         <p:cNvGrpSpPr/>
         <p:nvPr/>
       </p:nvGrpSpPr>
@@ -25892,7 +25938,7 @@
       </p:grpSpPr>
       <p:sp>
         <p:nvSpPr>
-          <p:cNvPr id="123" name="Shape 123"/>
+          <p:cNvPr id="296" name="Shape 296"/>
           <p:cNvSpPr txBox="1">
             <a:spLocks noGrp="1"/>
           </p:cNvSpPr>
@@ -25900,55 +25946,19 @@
             <p:ph type="title"/>
           </p:nvPr>
         </p:nvSpPr>
-        <p:spPr>
-          <a:xfrm>
-            <a:off x="457200" y="274637"/>
-            <a:ext cx="8191532" cy="1143000"/>
-          </a:xfrm>
-          <a:prstGeom prst="rect">
-            <a:avLst/>
-          </a:prstGeom>
-          <a:noFill/>
-          <a:ln>
-            <a:noFill/>
-          </a:ln>
-        </p:spPr>
-        <p:txBody>
-          <a:bodyPr lIns="91425" tIns="45700" rIns="91425" bIns="45700" anchor="ctr" anchorCtr="0">
-            <a:noAutofit/>
-          </a:bodyPr>
-          <a:lstStyle/>
-          <a:p>
-            <a:pPr marL="0" marR="0" lvl="0" indent="0" algn="l" rtl="0">
-              <a:spcBef>
-                <a:spcPts val="0"/>
-              </a:spcBef>
-              <a:buClr>
-                <a:srgbClr val="FF0000"/>
-              </a:buClr>
-              <a:buSzPct val="25000"/>
-              <a:buFont typeface="Helvetica Neue"/>
-              <a:buNone/>
-            </a:pPr>
-            <a:r>
-              <a:rPr lang="en-US" sz="4600" b="0" i="0" u="none" strike="noStrike" cap="none" baseline="0" dirty="0" smtClean="0">
-                <a:solidFill>
-                  <a:srgbClr val="FF0000"/>
-                </a:solidFill>
-                <a:latin typeface="Helvetica Neue"/>
-                <a:ea typeface="Helvetica Neue"/>
-                <a:cs typeface="Helvetica Neue"/>
+        <p:spPr/>
+        <p:txBody>
+          <a:bodyPr/>
+          <a:lstStyle/>
+          <a:p>
+            <a:pPr lvl="0"/>
+            <a:r>
+              <a:rPr lang="en-US" smtClean="0">
                 <a:sym typeface="Helvetica Neue"/>
               </a:rPr>
-              <a:t>References</a:t>
-            </a:r>
-            <a:endParaRPr lang="en-US" sz="4600" b="0" i="0" u="none" strike="noStrike" cap="none" baseline="0" dirty="0">
-              <a:solidFill>
-                <a:srgbClr val="FF0000"/>
-              </a:solidFill>
-              <a:latin typeface="Helvetica Neue"/>
-              <a:ea typeface="Helvetica Neue"/>
-              <a:cs typeface="Helvetica Neue"/>
+              <a:t>Running Matlab in Parallel On Lots of Cores</a:t>
+            </a:r>
+            <a:endParaRPr lang="en-US">
               <a:sym typeface="Helvetica Neue"/>
             </a:endParaRPr>
           </a:p>
@@ -25956,415 +25966,191 @@
       </p:sp>
       <p:sp>
         <p:nvSpPr>
-          <p:cNvPr id="124" name="Shape 124"/>
+          <p:cNvPr id="297" name="Shape 297"/>
           <p:cNvSpPr txBox="1">
             <a:spLocks noGrp="1"/>
           </p:cNvSpPr>
           <p:nvPr>
-            <p:ph type="body" idx="1"/>
-          </p:nvPr>
-        </p:nvSpPr>
-        <p:spPr>
-          <a:xfrm>
-            <a:off x="457199" y="1417639"/>
-            <a:ext cx="8191532" cy="5059784"/>
-          </a:xfrm>
-          <a:prstGeom prst="rect">
-            <a:avLst/>
-          </a:prstGeom>
-          <a:noFill/>
-          <a:ln>
-            <a:noFill/>
-          </a:ln>
-        </p:spPr>
-        <p:txBody>
-          <a:bodyPr lIns="91425" tIns="45700" rIns="91425" bIns="45700" anchor="t" anchorCtr="0">
-            <a:noAutofit/>
-          </a:bodyPr>
-          <a:lstStyle/>
-          <a:p>
-            <a:pPr lvl="0">
-              <a:spcBef>
-                <a:spcPts val="0"/>
-              </a:spcBef>
-              <a:buSzPct val="100000"/>
-              <a:buFont typeface="Arial"/>
-              <a:buChar char="•"/>
-            </a:pPr>
-            <a:r>
-              <a:rPr lang="en-US" dirty="0">
-                <a:solidFill>
-                  <a:schemeClr val="dk1"/>
-                </a:solidFill>
-                <a:ea typeface="Helvetica Neue"/>
-                <a:cs typeface="Helvetica Neue"/>
-                <a:sym typeface="Helvetica Neue"/>
-                <a:hlinkClick r:id="rId3"/>
-              </a:rPr>
-              <a:t>https://</a:t>
-            </a:r>
-            <a:r>
-              <a:rPr lang="en-US" dirty="0" smtClean="0">
-                <a:solidFill>
-                  <a:schemeClr val="dk1"/>
-                </a:solidFill>
-                <a:ea typeface="Helvetica Neue"/>
-                <a:cs typeface="Helvetica Neue"/>
-                <a:sym typeface="Helvetica Neue"/>
-                <a:hlinkClick r:id="rId3"/>
-              </a:rPr>
-              <a:t>portal.tacc.utexas.edu/c/document_library/get_file?uuid=c3c38847-ca7e-41bf-aefa-fb232a777699&amp;groupId=13601</a:t>
-            </a:r>
-            <a:endParaRPr lang="en-US" dirty="0">
-              <a:solidFill>
-                <a:schemeClr val="dk1"/>
-              </a:solidFill>
-              <a:ea typeface="Helvetica Neue"/>
-              <a:cs typeface="Helvetica Neue"/>
+            <p:ph idx="1"/>
+          </p:nvPr>
+        </p:nvSpPr>
+        <p:spPr/>
+        <p:txBody>
+          <a:bodyPr/>
+          <a:lstStyle/>
+          <a:p>
+            <a:pPr lvl="0"/>
+            <a:endParaRPr lang="en-US" dirty="0" smtClean="0">
               <a:sym typeface="Helvetica Neue"/>
             </a:endParaRPr>
           </a:p>
           <a:p>
-            <a:pPr lvl="0">
-              <a:spcBef>
-                <a:spcPts val="0"/>
-              </a:spcBef>
-              <a:buSzPct val="100000"/>
-              <a:buFont typeface="Arial"/>
-              <a:buChar char="•"/>
-            </a:pPr>
-            <a:endParaRPr lang="en-US" sz="1000" dirty="0" smtClean="0">
-              <a:solidFill>
-                <a:schemeClr val="dk1"/>
-              </a:solidFill>
-              <a:ea typeface="Helvetica Neue"/>
-              <a:cs typeface="Helvetica Neue"/>
-              <a:sym typeface="Helvetica Neue"/>
-              <a:hlinkClick r:id="rId4"/>
-            </a:endParaRPr>
-          </a:p>
-          <a:p>
-            <a:pPr lvl="0">
-              <a:spcBef>
-                <a:spcPts val="0"/>
-              </a:spcBef>
-              <a:buSzPct val="100000"/>
-              <a:buFont typeface="Arial"/>
-              <a:buChar char="•"/>
-            </a:pPr>
+            <a:pPr lvl="0"/>
             <a:r>
               <a:rPr lang="en-US" dirty="0" smtClean="0">
-                <a:solidFill>
-                  <a:schemeClr val="dk1"/>
-                </a:solidFill>
-                <a:ea typeface="Helvetica Neue"/>
-                <a:cs typeface="Helvetica Neue"/>
-                <a:sym typeface="Helvetica Neue"/>
-                <a:hlinkClick r:id="rId4"/>
-              </a:rPr>
-              <a:t>https</a:t>
-            </a:r>
-            <a:r>
-              <a:rPr lang="en-US" dirty="0">
-                <a:solidFill>
-                  <a:schemeClr val="dk1"/>
-                </a:solidFill>
-                <a:ea typeface="Helvetica Neue"/>
-                <a:cs typeface="Helvetica Neue"/>
-                <a:sym typeface="Helvetica Neue"/>
-                <a:hlinkClick r:id="rId4"/>
-              </a:rPr>
-              <a:t>://computing.llnl.gov/tutorials/openMP</a:t>
-            </a:r>
-            <a:r>
-              <a:rPr lang="en-US" dirty="0" smtClean="0">
-                <a:solidFill>
-                  <a:schemeClr val="dk1"/>
-                </a:solidFill>
-                <a:ea typeface="Helvetica Neue"/>
-                <a:cs typeface="Helvetica Neue"/>
-                <a:sym typeface="Helvetica Neue"/>
-                <a:hlinkClick r:id="rId4"/>
-              </a:rPr>
-              <a:t>/</a:t>
-            </a:r>
-            <a:r>
-              <a:rPr lang="en-US" dirty="0" smtClean="0">
-                <a:solidFill>
-                  <a:schemeClr val="dk1"/>
-                </a:solidFill>
-                <a:ea typeface="Helvetica Neue"/>
-                <a:cs typeface="Helvetica Neue"/>
                 <a:sym typeface="Helvetica Neue"/>
               </a:rPr>
-              <a:t> </a:t>
-            </a:r>
-            <a:endParaRPr lang="en-US" dirty="0">
-              <a:solidFill>
-                <a:schemeClr val="dk1"/>
-              </a:solidFill>
-              <a:ea typeface="Helvetica Neue"/>
-              <a:cs typeface="Helvetica Neue"/>
+              <a:t>Typically see a significant speed up when using </a:t>
+            </a:r>
+            <a:r>
+              <a:rPr lang="en-US" dirty="0" err="1" smtClean="0">
+                <a:sym typeface="Helvetica Neue"/>
+              </a:rPr>
+              <a:t>parfor</a:t>
+            </a:r>
+            <a:r>
+              <a:rPr lang="en-US" dirty="0" smtClean="0">
+                <a:sym typeface="Helvetica Neue"/>
+              </a:rPr>
+              <a:t> vs. when not</a:t>
+            </a:r>
+          </a:p>
+          <a:p>
+            <a:pPr lvl="1"/>
+            <a:r>
+              <a:rPr lang="en-US" dirty="0" smtClean="0">
+                <a:sym typeface="Helvetica Neue"/>
+              </a:rPr>
+              <a:t>If code is parallelizable</a:t>
+            </a:r>
+          </a:p>
+          <a:p>
+            <a:pPr lvl="0"/>
+            <a:endParaRPr lang="en-US" dirty="0" smtClean="0">
               <a:sym typeface="Helvetica Neue"/>
             </a:endParaRPr>
           </a:p>
           <a:p>
-            <a:pPr lvl="0">
-              <a:spcBef>
-                <a:spcPts val="0"/>
-              </a:spcBef>
-              <a:buSzPct val="100000"/>
-              <a:buFont typeface="Arial"/>
-              <a:buChar char="•"/>
-            </a:pPr>
-            <a:endParaRPr lang="en-US" sz="1000" dirty="0" smtClean="0">
-              <a:solidFill>
-                <a:schemeClr val="dk1"/>
-              </a:solidFill>
-              <a:ea typeface="Helvetica Neue"/>
-              <a:cs typeface="Helvetica Neue"/>
-              <a:sym typeface="Helvetica Neue"/>
-              <a:hlinkClick r:id="rId5"/>
-            </a:endParaRPr>
-          </a:p>
-          <a:p>
-            <a:pPr lvl="0">
-              <a:spcBef>
-                <a:spcPts val="0"/>
-              </a:spcBef>
-              <a:buSzPct val="100000"/>
-              <a:buFont typeface="Arial"/>
-              <a:buChar char="•"/>
-            </a:pPr>
+            <a:pPr lvl="0"/>
             <a:r>
               <a:rPr lang="en-US" dirty="0" smtClean="0">
-                <a:solidFill>
-                  <a:schemeClr val="dk1"/>
-                </a:solidFill>
-                <a:ea typeface="Helvetica Neue"/>
-                <a:cs typeface="Helvetica Neue"/>
                 <a:sym typeface="Helvetica Neue"/>
-                <a:hlinkClick r:id="rId5"/>
               </a:rPr>
-              <a:t>http</a:t>
-            </a:r>
-            <a:r>
-              <a:rPr lang="en-US" dirty="0">
-                <a:solidFill>
-                  <a:schemeClr val="dk1"/>
-                </a:solidFill>
-                <a:ea typeface="Helvetica Neue"/>
-                <a:cs typeface="Helvetica Neue"/>
-                <a:sym typeface="Helvetica Neue"/>
-                <a:hlinkClick r:id="rId5"/>
-              </a:rPr>
-              <a:t>://</a:t>
-            </a:r>
-            <a:r>
-              <a:rPr lang="en-US" dirty="0" smtClean="0">
-                <a:solidFill>
-                  <a:schemeClr val="dk1"/>
-                </a:solidFill>
-                <a:ea typeface="Helvetica Neue"/>
-                <a:cs typeface="Helvetica Neue"/>
-                <a:sym typeface="Helvetica Neue"/>
-                <a:hlinkClick r:id="rId5"/>
-              </a:rPr>
-              <a:t>openmp.org/mp-documents/omp-hands-on-SC08.pdf</a:t>
-            </a:r>
+              <a:t>However, this might not always be the case</a:t>
+            </a:r>
+          </a:p>
+          <a:p>
+            <a:pPr lvl="0"/>
             <a:endParaRPr lang="en-US" dirty="0" smtClean="0">
-              <a:hlinkClick r:id="rId6"/>
-            </a:endParaRPr>
-          </a:p>
-          <a:p>
-            <a:pPr>
-              <a:spcBef>
-                <a:spcPts val="0"/>
-              </a:spcBef>
-              <a:buSzPct val="100000"/>
-              <a:buFont typeface="Arial"/>
-              <a:buChar char="•"/>
-            </a:pPr>
-            <a:r>
-              <a:rPr lang="en-US" dirty="0">
-                <a:hlinkClick r:id="rId6"/>
-              </a:rPr>
-              <a:t>http://</a:t>
-            </a:r>
-            <a:r>
-              <a:rPr lang="en-US" dirty="0" smtClean="0">
-                <a:hlinkClick r:id="rId6"/>
-              </a:rPr>
-              <a:t>heather.cs.ucdavis.edu/ParallelR.pdf</a:t>
-            </a:r>
-          </a:p>
-          <a:p>
-            <a:pPr>
-              <a:spcBef>
-                <a:spcPts val="0"/>
-              </a:spcBef>
-              <a:buSzPct val="100000"/>
-              <a:buFont typeface="Arial"/>
-              <a:buChar char="•"/>
-            </a:pPr>
-            <a:r>
-              <a:rPr lang="en-US" dirty="0" smtClean="0">
-                <a:hlinkClick r:id="rId6"/>
-              </a:rPr>
-              <a:t>https</a:t>
-            </a:r>
-            <a:r>
-              <a:rPr lang="en-US" dirty="0">
-                <a:hlinkClick r:id="rId6"/>
-              </a:rPr>
-              <a:t>://computing.llnl.gov/tutorials/mpi</a:t>
-            </a:r>
-            <a:r>
-              <a:rPr lang="en-US" dirty="0" smtClean="0">
-                <a:hlinkClick r:id="rId6"/>
-              </a:rPr>
-              <a:t>/</a:t>
-            </a:r>
-            <a:endParaRPr lang="en-US" dirty="0" smtClean="0">
-              <a:hlinkClick r:id=""/>
-            </a:endParaRPr>
-          </a:p>
-          <a:p>
-            <a:pPr>
-              <a:spcBef>
-                <a:spcPts val="0"/>
-              </a:spcBef>
-              <a:buSzPct val="100000"/>
-              <a:buFont typeface="Arial"/>
-              <a:buChar char="•"/>
-            </a:pPr>
-            <a:endParaRPr lang="en-US" sz="1000" dirty="0" smtClean="0">
-              <a:hlinkClick r:id="rId7"/>
-            </a:endParaRPr>
-          </a:p>
-          <a:p>
-            <a:pPr>
-              <a:spcBef>
-                <a:spcPts val="0"/>
-              </a:spcBef>
-              <a:buSzPct val="100000"/>
-              <a:buFont typeface="Arial"/>
-              <a:buChar char="•"/>
-            </a:pPr>
-            <a:r>
-              <a:rPr lang="en-US" dirty="0" smtClean="0">
-                <a:hlinkClick r:id="rId7"/>
-              </a:rPr>
-              <a:t>http://htor.inf.ethz.ch/teaching/mpi_tutorials/ppopp13/2013-02-24-ppopp-mpi-basic.pdf</a:t>
-            </a:r>
-            <a:r>
-              <a:rPr lang="en-US" dirty="0" smtClean="0"/>
-              <a:t> </a:t>
-            </a:r>
-            <a:endParaRPr lang="en-US" dirty="0" smtClean="0">
-              <a:hlinkClick r:id=""/>
-            </a:endParaRPr>
-          </a:p>
-          <a:p>
-            <a:pPr>
-              <a:spcBef>
-                <a:spcPts val="0"/>
-              </a:spcBef>
-              <a:buSzPct val="100000"/>
-              <a:buFont typeface="Arial"/>
-              <a:buChar char="•"/>
-            </a:pPr>
-            <a:endParaRPr lang="en-US" sz="1000" dirty="0" smtClean="0">
-              <a:hlinkClick r:id=""/>
-            </a:endParaRPr>
-          </a:p>
-          <a:p>
-            <a:pPr>
-              <a:spcBef>
-                <a:spcPts val="0"/>
-              </a:spcBef>
-              <a:buSzPct val="100000"/>
-              <a:buFont typeface="Arial"/>
-              <a:buChar char="•"/>
-            </a:pPr>
-            <a:r>
-              <a:rPr lang="en-US" dirty="0" smtClean="0">
-                <a:hlinkClick r:id="rId8"/>
-              </a:rPr>
-              <a:t>https://www.rc.usf.edu/tutorials/classes/tutorial/mpi/</a:t>
-            </a:r>
-            <a:r>
-              <a:rPr lang="en-US" dirty="0" smtClean="0"/>
-              <a:t> </a:t>
-            </a:r>
-            <a:endParaRPr lang="en-US" sz="2600" b="0" i="0" u="none" strike="noStrike" cap="none" baseline="0" dirty="0" smtClean="0">
-              <a:solidFill>
-                <a:schemeClr val="dk1"/>
-              </a:solidFill>
-              <a:latin typeface="Helvetica Neue"/>
-              <a:ea typeface="Helvetica Neue"/>
-              <a:cs typeface="Helvetica Neue"/>
               <a:sym typeface="Helvetica Neue"/>
             </a:endParaRPr>
           </a:p>
-        </p:txBody>
-      </p:sp>
-      <p:sp>
-        <p:nvSpPr>
-          <p:cNvPr id="126" name="Shape 126"/>
-          <p:cNvSpPr>
-            <a:spLocks noGrp="1"/>
-          </p:cNvSpPr>
-          <p:nvPr>
-            <p:ph type="sldNum" idx="4294967295"/>
-          </p:nvPr>
-        </p:nvSpPr>
-        <p:spPr>
-          <a:xfrm>
-            <a:off x="7619999" y="6477423"/>
-            <a:ext cx="433230" cy="312889"/>
-          </a:xfrm>
-          <a:prstGeom prst="bracketPair">
-            <a:avLst/>
-          </a:prstGeom>
-          <a:noFill/>
-          <a:ln>
-            <a:noFill/>
-          </a:ln>
-        </p:spPr>
-        <p:txBody>
-          <a:bodyPr lIns="91425" tIns="45700" rIns="91425" bIns="45700" anchor="ctr" anchorCtr="0">
-            <a:noAutofit/>
-          </a:bodyPr>
-          <a:lstStyle/>
-          <a:p>
-            <a:pPr marL="0" marR="0" lvl="0" indent="0" algn="r" rtl="0">
-              <a:spcBef>
-                <a:spcPts val="0"/>
-              </a:spcBef>
-              <a:buSzPct val="25000"/>
-              <a:buNone/>
-            </a:pPr>
-            <a:fld id="{00000000-1234-1234-1234-123412341234}" type="slidenum">
-              <a:rPr lang="en-US" sz="1200" b="0" i="0" u="none" strike="noStrike" cap="none" baseline="0">
-                <a:solidFill>
-                  <a:srgbClr val="9E9C97"/>
-                </a:solidFill>
-                <a:latin typeface="Calibri"/>
-                <a:ea typeface="Calibri"/>
-                <a:cs typeface="Calibri"/>
+          <a:p>
+            <a:pPr lvl="0"/>
+            <a:r>
+              <a:rPr lang="en-US" dirty="0" smtClean="0">
+                <a:sym typeface="Helvetica Neue"/>
+              </a:rPr>
+              <a:t>Might spend more time in overhead</a:t>
+            </a:r>
+          </a:p>
+          <a:p>
+            <a:pPr lvl="1"/>
+            <a:r>
+              <a:rPr lang="en-US" dirty="0" smtClean="0">
+                <a:sym typeface="Helvetica Neue"/>
+              </a:rPr>
+              <a:t>If code isn’t parallelizable </a:t>
+            </a:r>
+          </a:p>
+          <a:p>
+            <a:pPr lvl="1"/>
+            <a:r>
+              <a:rPr lang="en-US" dirty="0" smtClean="0">
+                <a:sym typeface="Helvetica Neue"/>
+              </a:rPr>
+              <a:t>If code isn’t that complicated</a:t>
+            </a:r>
+          </a:p>
+          <a:p>
+            <a:pPr lvl="1"/>
+            <a:endParaRPr lang="en-US" dirty="0">
+              <a:sym typeface="Helvetica Neue"/>
+            </a:endParaRPr>
+          </a:p>
+        </p:txBody>
+      </p:sp>
+      <p:sp>
+        <p:nvSpPr>
+          <p:cNvPr id="298" name="Shape 298"/>
+          <p:cNvSpPr txBox="1">
+            <a:spLocks noGrp="1"/>
+          </p:cNvSpPr>
+          <p:nvPr>
+            <p:ph type="dt" sz="half" idx="10"/>
+          </p:nvPr>
+        </p:nvSpPr>
+        <p:spPr/>
+        <p:txBody>
+          <a:bodyPr/>
+          <a:lstStyle/>
+          <a:p>
+            <a:pPr lvl="0"/>
+            <a:r>
+              <a:rPr lang="en-US" smtClean="0">
+                <a:sym typeface="Helvetica Neue"/>
+              </a:rPr>
+              <a:t>4/9/2015</a:t>
+            </a:r>
+            <a:endParaRPr lang="en-US">
+              <a:sym typeface="Helvetica Neue"/>
+            </a:endParaRPr>
+          </a:p>
+        </p:txBody>
+      </p:sp>
+      <p:sp>
+        <p:nvSpPr>
+          <p:cNvPr id="299" name="Shape 299"/>
+          <p:cNvSpPr txBox="1">
+            <a:spLocks noGrp="1"/>
+          </p:cNvSpPr>
+          <p:nvPr>
+            <p:ph type="ftr" sz="quarter" idx="11"/>
+          </p:nvPr>
+        </p:nvSpPr>
+        <p:spPr/>
+        <p:txBody>
+          <a:bodyPr/>
+          <a:lstStyle/>
+          <a:p>
+            <a:pPr lvl="0"/>
+            <a:r>
+              <a:rPr lang="en-US" smtClean="0">
                 <a:sym typeface="Calibri"/>
               </a:rPr>
+              <a:t>Meetup</a:t>
+            </a:r>
+            <a:endParaRPr lang="en-US">
+              <a:sym typeface="Calibri"/>
+            </a:endParaRPr>
+          </a:p>
+        </p:txBody>
+      </p:sp>
+      <p:sp>
+        <p:nvSpPr>
+          <p:cNvPr id="300" name="Shape 300"/>
+          <p:cNvSpPr txBox="1">
+            <a:spLocks noGrp="1"/>
+          </p:cNvSpPr>
+          <p:nvPr>
+            <p:ph type="sldNum" sz="quarter" idx="4"/>
+          </p:nvPr>
+        </p:nvSpPr>
+        <p:spPr/>
+        <p:txBody>
+          <a:bodyPr/>
+          <a:lstStyle/>
+          <a:p>
+            <a:pPr lvl="0"/>
+            <a:fld id="{00000000-1234-1234-1234-123412341234}" type="slidenum">
+              <a:rPr lang="en-US" smtClean="0">
+                <a:sym typeface="Helvetica Neue"/>
+              </a:rPr>
+              <a:pPr lvl="0"/>
               <a:t>30</a:t>
             </a:fld>
-            <a:endParaRPr lang="en-US" sz="1200" b="0" i="0" u="none" strike="noStrike" cap="none" baseline="0">
-              <a:solidFill>
-                <a:srgbClr val="9E9C97"/>
-              </a:solidFill>
-              <a:latin typeface="Calibri"/>
-              <a:ea typeface="Calibri"/>
-              <a:cs typeface="Calibri"/>
-              <a:sym typeface="Calibri"/>
+            <a:endParaRPr lang="en-US">
+              <a:sym typeface="Helvetica Neue"/>
             </a:endParaRPr>
           </a:p>
         </p:txBody>
@@ -26372,7 +26158,7 @@
     </p:spTree>
     <p:extLst>
       <p:ext uri="{BB962C8B-B14F-4D97-AF65-F5344CB8AC3E}">
-        <p14:creationId xmlns:p14="http://schemas.microsoft.com/office/powerpoint/2010/main" val="1606606608"/>
+        <p14:creationId xmlns:p14="http://schemas.microsoft.com/office/powerpoint/2010/main" val="1616799589"/>
       </p:ext>
     </p:extLst>
   </p:cSld>
@@ -26421,6 +26207,1235 @@
         </p:nvSpPr>
         <p:spPr/>
         <p:txBody>
+          <a:bodyPr>
+            <a:normAutofit/>
+          </a:bodyPr>
+          <a:lstStyle/>
+          <a:p>
+            <a:r>
+              <a:rPr lang="en-US" dirty="0" smtClean="0"/>
+              <a:t>Running </a:t>
+            </a:r>
+            <a:r>
+              <a:rPr lang="en-US" dirty="0" err="1" smtClean="0"/>
+              <a:t>Matlab</a:t>
+            </a:r>
+            <a:r>
+              <a:rPr lang="en-US" dirty="0" smtClean="0"/>
+              <a:t> in Parallel</a:t>
+            </a:r>
+            <a:endParaRPr lang="en-US" dirty="0"/>
+          </a:p>
+        </p:txBody>
+      </p:sp>
+      <p:sp>
+        <p:nvSpPr>
+          <p:cNvPr id="3" name="Content Placeholder 2"/>
+          <p:cNvSpPr>
+            <a:spLocks noGrp="1"/>
+          </p:cNvSpPr>
+          <p:nvPr>
+            <p:ph idx="1"/>
+          </p:nvPr>
+        </p:nvSpPr>
+        <p:spPr>
+          <a:xfrm>
+            <a:off x="669536" y="2133601"/>
+            <a:ext cx="7737629" cy="3931920"/>
+          </a:xfrm>
+        </p:spPr>
+        <p:txBody>
+          <a:bodyPr>
+            <a:normAutofit/>
+          </a:bodyPr>
+          <a:lstStyle/>
+          <a:p>
+            <a:r>
+              <a:rPr lang="en-US" dirty="0" smtClean="0"/>
+              <a:t>Let’s take ordinary code that is already running and convert it to run in parallel</a:t>
+            </a:r>
+          </a:p>
+          <a:p>
+            <a:endParaRPr lang="en-US" dirty="0" smtClean="0"/>
+          </a:p>
+          <a:p>
+            <a:r>
+              <a:rPr lang="en-US" dirty="0" err="1" smtClean="0"/>
+              <a:t>matlab_parallel_serial.m</a:t>
+            </a:r>
+            <a:endParaRPr lang="en-US" dirty="0" smtClean="0"/>
+          </a:p>
+          <a:p>
+            <a:r>
+              <a:rPr lang="en-US" dirty="0" err="1" smtClean="0"/>
+              <a:t>matlab_parallel_tutorial.m</a:t>
+            </a:r>
+            <a:endParaRPr lang="en-US" dirty="0" smtClean="0"/>
+          </a:p>
+          <a:p>
+            <a:endParaRPr lang="en-US" dirty="0" smtClean="0"/>
+          </a:p>
+        </p:txBody>
+      </p:sp>
+    </p:spTree>
+    <p:extLst>
+      <p:ext uri="{BB962C8B-B14F-4D97-AF65-F5344CB8AC3E}">
+        <p14:creationId xmlns:p14="http://schemas.microsoft.com/office/powerpoint/2010/main" val="1903320927"/>
+      </p:ext>
+    </p:extLst>
+  </p:cSld>
+  <p:clrMapOvr>
+    <a:masterClrMapping/>
+  </p:clrMapOvr>
+  <p:timing>
+    <p:tnLst>
+      <p:par>
+        <p:cTn id="1" dur="indefinite" restart="never" nodeType="tmRoot"/>
+      </p:par>
+    </p:tnLst>
+  </p:timing>
+</p:sld>
+</file>
+
+<file path=ppt/slides/slide32.xml><?xml version="1.0" encoding="utf-8"?>
+<p:sld xmlns:a="http://schemas.openxmlformats.org/drawingml/2006/main" xmlns:r="http://schemas.openxmlformats.org/officeDocument/2006/relationships" xmlns:p="http://schemas.openxmlformats.org/presentationml/2006/main">
+  <p:cSld>
+    <p:spTree>
+      <p:nvGrpSpPr>
+        <p:cNvPr id="1" name="Shape 304"/>
+        <p:cNvGrpSpPr/>
+        <p:nvPr/>
+      </p:nvGrpSpPr>
+      <p:grpSpPr>
+        <a:xfrm>
+          <a:off x="0" y="0"/>
+          <a:ext cx="0" cy="0"/>
+          <a:chOff x="0" y="0"/>
+          <a:chExt cx="0" cy="0"/>
+        </a:xfrm>
+      </p:grpSpPr>
+      <p:sp>
+        <p:nvSpPr>
+          <p:cNvPr id="305" name="Shape 305"/>
+          <p:cNvSpPr txBox="1">
+            <a:spLocks noGrp="1"/>
+          </p:cNvSpPr>
+          <p:nvPr>
+            <p:ph type="title"/>
+          </p:nvPr>
+        </p:nvSpPr>
+        <p:spPr/>
+        <p:txBody>
+          <a:bodyPr/>
+          <a:lstStyle/>
+          <a:p>
+            <a:pPr lvl="0"/>
+            <a:r>
+              <a:rPr lang="en-US" smtClean="0">
+                <a:sym typeface="Helvetica Neue"/>
+              </a:rPr>
+              <a:t>Spmd Command</a:t>
+            </a:r>
+            <a:endParaRPr lang="en-US">
+              <a:sym typeface="Helvetica Neue"/>
+            </a:endParaRPr>
+          </a:p>
+        </p:txBody>
+      </p:sp>
+      <p:sp>
+        <p:nvSpPr>
+          <p:cNvPr id="306" name="Shape 306"/>
+          <p:cNvSpPr txBox="1">
+            <a:spLocks noGrp="1"/>
+          </p:cNvSpPr>
+          <p:nvPr>
+            <p:ph idx="1"/>
+          </p:nvPr>
+        </p:nvSpPr>
+        <p:spPr/>
+        <p:txBody>
+          <a:bodyPr/>
+          <a:lstStyle/>
+          <a:p>
+            <a:pPr lvl="0"/>
+            <a:r>
+              <a:rPr lang="en-US" smtClean="0">
+                <a:sym typeface="Helvetica Neue"/>
+              </a:rPr>
+              <a:t>Single process, multiple data</a:t>
+            </a:r>
+          </a:p>
+          <a:p>
+            <a:pPr lvl="0"/>
+            <a:r>
+              <a:rPr lang="en-US" smtClean="0">
+                <a:sym typeface="Helvetica Neue"/>
+              </a:rPr>
+              <a:t>The spmd command ensures more control </a:t>
+            </a:r>
+          </a:p>
+          <a:p>
+            <a:pPr lvl="0"/>
+            <a:r>
+              <a:rPr lang="en-US" smtClean="0">
+                <a:sym typeface="Helvetica Neue"/>
+              </a:rPr>
+              <a:t>Can parallelize much more than just loops</a:t>
+            </a:r>
+          </a:p>
+          <a:p>
+            <a:pPr lvl="0"/>
+            <a:r>
+              <a:rPr lang="en-US" smtClean="0">
+                <a:sym typeface="Helvetica Neue"/>
+              </a:rPr>
+              <a:t>Like a very simplified version of MPI</a:t>
+            </a:r>
+          </a:p>
+          <a:p>
+            <a:pPr lvl="0"/>
+            <a:r>
+              <a:rPr lang="en-US" smtClean="0">
+                <a:sym typeface="Helvetica Neue"/>
+              </a:rPr>
+              <a:t>More flexibility than parfor</a:t>
+            </a:r>
+          </a:p>
+          <a:p>
+            <a:pPr lvl="0"/>
+            <a:r>
+              <a:rPr lang="en-US" smtClean="0">
+                <a:sym typeface="Helvetica Neue"/>
+              </a:rPr>
+              <a:t>However, need to know what you’re doing</a:t>
+            </a:r>
+          </a:p>
+          <a:p>
+            <a:pPr lvl="0"/>
+            <a:endParaRPr lang="en-US">
+              <a:sym typeface="Helvetica Neue"/>
+            </a:endParaRPr>
+          </a:p>
+        </p:txBody>
+      </p:sp>
+      <p:sp>
+        <p:nvSpPr>
+          <p:cNvPr id="307" name="Shape 307"/>
+          <p:cNvSpPr txBox="1">
+            <a:spLocks noGrp="1"/>
+          </p:cNvSpPr>
+          <p:nvPr>
+            <p:ph type="dt" sz="half" idx="10"/>
+          </p:nvPr>
+        </p:nvSpPr>
+        <p:spPr/>
+        <p:txBody>
+          <a:bodyPr/>
+          <a:lstStyle/>
+          <a:p>
+            <a:pPr lvl="0"/>
+            <a:r>
+              <a:rPr lang="en-US" smtClean="0">
+                <a:sym typeface="Helvetica Neue"/>
+              </a:rPr>
+              <a:t>4/9/2015</a:t>
+            </a:r>
+            <a:endParaRPr lang="en-US">
+              <a:sym typeface="Helvetica Neue"/>
+            </a:endParaRPr>
+          </a:p>
+        </p:txBody>
+      </p:sp>
+      <p:sp>
+        <p:nvSpPr>
+          <p:cNvPr id="308" name="Shape 308"/>
+          <p:cNvSpPr txBox="1">
+            <a:spLocks noGrp="1"/>
+          </p:cNvSpPr>
+          <p:nvPr>
+            <p:ph type="ftr" sz="quarter" idx="11"/>
+          </p:nvPr>
+        </p:nvSpPr>
+        <p:spPr/>
+        <p:txBody>
+          <a:bodyPr/>
+          <a:lstStyle/>
+          <a:p>
+            <a:pPr lvl="0"/>
+            <a:r>
+              <a:rPr lang="en-US" smtClean="0">
+                <a:sym typeface="Calibri"/>
+              </a:rPr>
+              <a:t>Meetup</a:t>
+            </a:r>
+            <a:endParaRPr lang="en-US">
+              <a:sym typeface="Calibri"/>
+            </a:endParaRPr>
+          </a:p>
+        </p:txBody>
+      </p:sp>
+      <p:sp>
+        <p:nvSpPr>
+          <p:cNvPr id="309" name="Shape 309"/>
+          <p:cNvSpPr txBox="1">
+            <a:spLocks noGrp="1"/>
+          </p:cNvSpPr>
+          <p:nvPr>
+            <p:ph type="sldNum" sz="quarter" idx="4"/>
+          </p:nvPr>
+        </p:nvSpPr>
+        <p:spPr/>
+        <p:txBody>
+          <a:bodyPr/>
+          <a:lstStyle/>
+          <a:p>
+            <a:pPr lvl="0"/>
+            <a:fld id="{00000000-1234-1234-1234-123412341234}" type="slidenum">
+              <a:rPr lang="en-US" smtClean="0">
+                <a:sym typeface="Helvetica Neue"/>
+              </a:rPr>
+              <a:pPr lvl="0"/>
+              <a:t>32</a:t>
+            </a:fld>
+            <a:endParaRPr lang="en-US">
+              <a:sym typeface="Helvetica Neue"/>
+            </a:endParaRPr>
+          </a:p>
+        </p:txBody>
+      </p:sp>
+    </p:spTree>
+    <p:extLst>
+      <p:ext uri="{BB962C8B-B14F-4D97-AF65-F5344CB8AC3E}">
+        <p14:creationId xmlns:p14="http://schemas.microsoft.com/office/powerpoint/2010/main" val="1734823734"/>
+      </p:ext>
+    </p:extLst>
+  </p:cSld>
+  <p:clrMapOvr>
+    <a:masterClrMapping/>
+  </p:clrMapOvr>
+  <p:transition spd="slow">
+    <p:cut/>
+  </p:transition>
+  <p:timing>
+    <p:tnLst>
+      <p:par>
+        <p:cTn id="1" dur="indefinite" restart="never" nodeType="tmRoot"/>
+      </p:par>
+    </p:tnLst>
+  </p:timing>
+</p:sld>
+</file>
+
+<file path=ppt/slides/slide33.xml><?xml version="1.0" encoding="utf-8"?>
+<p:sld xmlns:a="http://schemas.openxmlformats.org/drawingml/2006/main" xmlns:r="http://schemas.openxmlformats.org/officeDocument/2006/relationships" xmlns:p="http://schemas.openxmlformats.org/presentationml/2006/main">
+  <p:cSld>
+    <p:spTree>
+      <p:nvGrpSpPr>
+        <p:cNvPr id="1" name="Shape 313"/>
+        <p:cNvGrpSpPr/>
+        <p:nvPr/>
+      </p:nvGrpSpPr>
+      <p:grpSpPr>
+        <a:xfrm>
+          <a:off x="0" y="0"/>
+          <a:ext cx="0" cy="0"/>
+          <a:chOff x="0" y="0"/>
+          <a:chExt cx="0" cy="0"/>
+        </a:xfrm>
+      </p:grpSpPr>
+      <p:sp>
+        <p:nvSpPr>
+          <p:cNvPr id="314" name="Shape 314"/>
+          <p:cNvSpPr txBox="1">
+            <a:spLocks noGrp="1"/>
+          </p:cNvSpPr>
+          <p:nvPr>
+            <p:ph type="title"/>
+          </p:nvPr>
+        </p:nvSpPr>
+        <p:spPr/>
+        <p:txBody>
+          <a:bodyPr/>
+          <a:lstStyle/>
+          <a:p>
+            <a:pPr lvl="0"/>
+            <a:r>
+              <a:rPr lang="en-US" smtClean="0">
+                <a:sym typeface="Helvetica Neue"/>
+              </a:rPr>
+              <a:t>Distributed Computing Toolbox</a:t>
+            </a:r>
+            <a:endParaRPr lang="en-US">
+              <a:sym typeface="Helvetica Neue"/>
+            </a:endParaRPr>
+          </a:p>
+        </p:txBody>
+      </p:sp>
+      <p:sp>
+        <p:nvSpPr>
+          <p:cNvPr id="315" name="Shape 315"/>
+          <p:cNvSpPr txBox="1">
+            <a:spLocks noGrp="1"/>
+          </p:cNvSpPr>
+          <p:nvPr>
+            <p:ph idx="1"/>
+          </p:nvPr>
+        </p:nvSpPr>
+        <p:spPr/>
+        <p:txBody>
+          <a:bodyPr/>
+          <a:lstStyle/>
+          <a:p>
+            <a:pPr lvl="0"/>
+            <a:r>
+              <a:rPr lang="en-US" smtClean="0">
+                <a:sym typeface="Helvetica Neue"/>
+              </a:rPr>
+              <a:t>PCT allows you to run programs in parallel across many processors</a:t>
+            </a:r>
+          </a:p>
+          <a:p>
+            <a:pPr lvl="0"/>
+            <a:r>
+              <a:rPr lang="en-US" smtClean="0">
+                <a:sym typeface="Helvetica Neue"/>
+              </a:rPr>
+              <a:t>DCT allows you to run across nodes</a:t>
+            </a:r>
+          </a:p>
+          <a:p>
+            <a:pPr lvl="1"/>
+            <a:r>
+              <a:rPr lang="en-US" smtClean="0">
+                <a:sym typeface="Helvetica Neue"/>
+              </a:rPr>
+              <a:t>Allows you to run easily on clusters</a:t>
+            </a:r>
+          </a:p>
+          <a:p>
+            <a:pPr lvl="1"/>
+            <a:r>
+              <a:rPr lang="en-US" smtClean="0">
+                <a:sym typeface="Helvetica Neue"/>
+              </a:rPr>
+              <a:t>Supports resource managers</a:t>
+            </a:r>
+          </a:p>
+          <a:p>
+            <a:pPr lvl="1"/>
+            <a:r>
+              <a:rPr lang="en-US" smtClean="0">
+                <a:sym typeface="Helvetica Neue"/>
+              </a:rPr>
+              <a:t>Not an option for Janus</a:t>
+            </a:r>
+            <a:endParaRPr lang="en-US">
+              <a:sym typeface="Helvetica Neue"/>
+            </a:endParaRPr>
+          </a:p>
+        </p:txBody>
+      </p:sp>
+      <p:sp>
+        <p:nvSpPr>
+          <p:cNvPr id="316" name="Shape 316"/>
+          <p:cNvSpPr txBox="1">
+            <a:spLocks noGrp="1"/>
+          </p:cNvSpPr>
+          <p:nvPr>
+            <p:ph type="dt" sz="half" idx="10"/>
+          </p:nvPr>
+        </p:nvSpPr>
+        <p:spPr/>
+        <p:txBody>
+          <a:bodyPr/>
+          <a:lstStyle/>
+          <a:p>
+            <a:pPr lvl="0"/>
+            <a:r>
+              <a:rPr lang="en-US" smtClean="0">
+                <a:sym typeface="Helvetica Neue"/>
+              </a:rPr>
+              <a:t>4/9/2015</a:t>
+            </a:r>
+            <a:endParaRPr lang="en-US">
+              <a:sym typeface="Helvetica Neue"/>
+            </a:endParaRPr>
+          </a:p>
+        </p:txBody>
+      </p:sp>
+      <p:sp>
+        <p:nvSpPr>
+          <p:cNvPr id="317" name="Shape 317"/>
+          <p:cNvSpPr txBox="1">
+            <a:spLocks noGrp="1"/>
+          </p:cNvSpPr>
+          <p:nvPr>
+            <p:ph type="ftr" sz="quarter" idx="11"/>
+          </p:nvPr>
+        </p:nvSpPr>
+        <p:spPr/>
+        <p:txBody>
+          <a:bodyPr/>
+          <a:lstStyle/>
+          <a:p>
+            <a:pPr lvl="0"/>
+            <a:r>
+              <a:rPr lang="en-US" smtClean="0">
+                <a:sym typeface="Calibri"/>
+              </a:rPr>
+              <a:t>Meetup</a:t>
+            </a:r>
+            <a:endParaRPr lang="en-US">
+              <a:sym typeface="Calibri"/>
+            </a:endParaRPr>
+          </a:p>
+        </p:txBody>
+      </p:sp>
+      <p:sp>
+        <p:nvSpPr>
+          <p:cNvPr id="318" name="Shape 318"/>
+          <p:cNvSpPr txBox="1">
+            <a:spLocks noGrp="1"/>
+          </p:cNvSpPr>
+          <p:nvPr>
+            <p:ph type="sldNum" sz="quarter" idx="4"/>
+          </p:nvPr>
+        </p:nvSpPr>
+        <p:spPr/>
+        <p:txBody>
+          <a:bodyPr/>
+          <a:lstStyle/>
+          <a:p>
+            <a:pPr lvl="0"/>
+            <a:fld id="{00000000-1234-1234-1234-123412341234}" type="slidenum">
+              <a:rPr lang="en-US" smtClean="0">
+                <a:sym typeface="Helvetica Neue"/>
+              </a:rPr>
+              <a:pPr lvl="0"/>
+              <a:t>33</a:t>
+            </a:fld>
+            <a:endParaRPr lang="en-US">
+              <a:sym typeface="Helvetica Neue"/>
+            </a:endParaRPr>
+          </a:p>
+        </p:txBody>
+      </p:sp>
+    </p:spTree>
+    <p:extLst>
+      <p:ext uri="{BB962C8B-B14F-4D97-AF65-F5344CB8AC3E}">
+        <p14:creationId xmlns:p14="http://schemas.microsoft.com/office/powerpoint/2010/main" val="1693566994"/>
+      </p:ext>
+    </p:extLst>
+  </p:cSld>
+  <p:clrMapOvr>
+    <a:masterClrMapping/>
+  </p:clrMapOvr>
+  <p:transition spd="slow">
+    <p:cut/>
+  </p:transition>
+  <p:timing>
+    <p:tnLst>
+      <p:par>
+        <p:cTn id="1" dur="indefinite" restart="never" nodeType="tmRoot"/>
+      </p:par>
+    </p:tnLst>
+  </p:timing>
+</p:sld>
+</file>
+
+<file path=ppt/slides/slide34.xml><?xml version="1.0" encoding="utf-8"?>
+<p:sld xmlns:a="http://schemas.openxmlformats.org/drawingml/2006/main" xmlns:r="http://schemas.openxmlformats.org/officeDocument/2006/relationships" xmlns:p="http://schemas.openxmlformats.org/presentationml/2006/main">
+  <p:cSld>
+    <p:spTree>
+      <p:nvGrpSpPr>
+        <p:cNvPr id="1" name=""/>
+        <p:cNvGrpSpPr/>
+        <p:nvPr/>
+      </p:nvGrpSpPr>
+      <p:grpSpPr>
+        <a:xfrm>
+          <a:off x="0" y="0"/>
+          <a:ext cx="0" cy="0"/>
+          <a:chOff x="0" y="0"/>
+          <a:chExt cx="0" cy="0"/>
+        </a:xfrm>
+      </p:grpSpPr>
+      <p:sp>
+        <p:nvSpPr>
+          <p:cNvPr id="2" name="Title 1"/>
+          <p:cNvSpPr>
+            <a:spLocks noGrp="1"/>
+          </p:cNvSpPr>
+          <p:nvPr>
+            <p:ph type="title"/>
+          </p:nvPr>
+        </p:nvSpPr>
+        <p:spPr/>
+        <p:txBody>
+          <a:bodyPr/>
+          <a:lstStyle/>
+          <a:p>
+            <a:r>
+              <a:rPr lang="en-US" dirty="0" smtClean="0"/>
+              <a:t>Other Options</a:t>
+            </a:r>
+            <a:endParaRPr lang="en-US" dirty="0"/>
+          </a:p>
+        </p:txBody>
+      </p:sp>
+      <p:sp>
+        <p:nvSpPr>
+          <p:cNvPr id="3" name="Content Placeholder 2"/>
+          <p:cNvSpPr>
+            <a:spLocks noGrp="1"/>
+          </p:cNvSpPr>
+          <p:nvPr>
+            <p:ph idx="1"/>
+          </p:nvPr>
+        </p:nvSpPr>
+        <p:spPr/>
+        <p:txBody>
+          <a:bodyPr/>
+          <a:lstStyle/>
+          <a:p>
+            <a:r>
+              <a:rPr lang="en-US" dirty="0" smtClean="0"/>
+              <a:t>Parallel </a:t>
+            </a:r>
+            <a:r>
+              <a:rPr lang="en-US" dirty="0"/>
+              <a:t>R: </a:t>
+            </a:r>
+            <a:r>
+              <a:rPr lang="en-US" dirty="0">
+                <a:hlinkClick r:id="rId2"/>
+              </a:rPr>
+              <a:t>https://earthlab.github.io/r/R-parallel_r</a:t>
+            </a:r>
+            <a:r>
+              <a:rPr lang="en-US" dirty="0" smtClean="0">
+                <a:hlinkClick r:id="rId2"/>
+              </a:rPr>
+              <a:t>/</a:t>
+            </a:r>
+            <a:r>
+              <a:rPr lang="en-US" dirty="0" smtClean="0"/>
+              <a:t> </a:t>
+            </a:r>
+          </a:p>
+          <a:p>
+            <a:endParaRPr lang="en-US" dirty="0"/>
+          </a:p>
+          <a:p>
+            <a:r>
+              <a:rPr lang="en-US" dirty="0" smtClean="0"/>
+              <a:t>Parallel Python: </a:t>
+            </a:r>
+            <a:r>
+              <a:rPr lang="en-US" u="sng" dirty="0">
+                <a:hlinkClick r:id="rId3"/>
+              </a:rPr>
+              <a:t>http://materials.jeremybejarano.com/MPIwithPython</a:t>
+            </a:r>
+            <a:r>
+              <a:rPr lang="en-US" u="sng" dirty="0" smtClean="0">
+                <a:hlinkClick r:id="rId3"/>
+              </a:rPr>
+              <a:t>/</a:t>
+            </a:r>
+            <a:r>
+              <a:rPr lang="en-US" u="sng" dirty="0" smtClean="0"/>
+              <a:t> </a:t>
+            </a:r>
+            <a:endParaRPr lang="en-US" dirty="0"/>
+          </a:p>
+        </p:txBody>
+      </p:sp>
+      <p:sp>
+        <p:nvSpPr>
+          <p:cNvPr id="4" name="Slide Number Placeholder 3"/>
+          <p:cNvSpPr>
+            <a:spLocks noGrp="1"/>
+          </p:cNvSpPr>
+          <p:nvPr>
+            <p:ph type="sldNum" sz="quarter" idx="4"/>
+          </p:nvPr>
+        </p:nvSpPr>
+        <p:spPr/>
+        <p:txBody>
+          <a:bodyPr/>
+          <a:lstStyle/>
+          <a:p>
+            <a:fld id="{249E94F7-107C-CE46-8C56-9CACFF99CD93}" type="slidenum">
+              <a:rPr lang="en-US" smtClean="0"/>
+              <a:pPr/>
+              <a:t>34</a:t>
+            </a:fld>
+            <a:endParaRPr lang="en-US" dirty="0"/>
+          </a:p>
+        </p:txBody>
+      </p:sp>
+    </p:spTree>
+    <p:extLst>
+      <p:ext uri="{BB962C8B-B14F-4D97-AF65-F5344CB8AC3E}">
+        <p14:creationId xmlns:p14="http://schemas.microsoft.com/office/powerpoint/2010/main" val="1233610874"/>
+      </p:ext>
+    </p:extLst>
+  </p:cSld>
+  <p:clrMapOvr>
+    <a:masterClrMapping/>
+  </p:clrMapOvr>
+</p:sld>
+</file>
+
+<file path=ppt/slides/slide35.xml><?xml version="1.0" encoding="utf-8"?>
+<p:sld xmlns:a="http://schemas.openxmlformats.org/drawingml/2006/main" xmlns:r="http://schemas.openxmlformats.org/officeDocument/2006/relationships" xmlns:p="http://schemas.openxmlformats.org/presentationml/2006/main">
+  <p:cSld>
+    <p:spTree>
+      <p:nvGrpSpPr>
+        <p:cNvPr id="1" name="Shape 122"/>
+        <p:cNvGrpSpPr/>
+        <p:nvPr/>
+      </p:nvGrpSpPr>
+      <p:grpSpPr>
+        <a:xfrm>
+          <a:off x="0" y="0"/>
+          <a:ext cx="0" cy="0"/>
+          <a:chOff x="0" y="0"/>
+          <a:chExt cx="0" cy="0"/>
+        </a:xfrm>
+      </p:grpSpPr>
+      <p:sp>
+        <p:nvSpPr>
+          <p:cNvPr id="123" name="Shape 123"/>
+          <p:cNvSpPr txBox="1">
+            <a:spLocks noGrp="1"/>
+          </p:cNvSpPr>
+          <p:nvPr>
+            <p:ph type="title"/>
+          </p:nvPr>
+        </p:nvSpPr>
+        <p:spPr>
+          <a:xfrm>
+            <a:off x="457200" y="274637"/>
+            <a:ext cx="8191532" cy="1143000"/>
+          </a:xfrm>
+          <a:prstGeom prst="rect">
+            <a:avLst/>
+          </a:prstGeom>
+          <a:noFill/>
+          <a:ln>
+            <a:noFill/>
+          </a:ln>
+        </p:spPr>
+        <p:txBody>
+          <a:bodyPr lIns="91425" tIns="45700" rIns="91425" bIns="45700" anchor="ctr" anchorCtr="0">
+            <a:noAutofit/>
+          </a:bodyPr>
+          <a:lstStyle/>
+          <a:p>
+            <a:pPr marL="0" marR="0" lvl="0" indent="0" algn="l" rtl="0">
+              <a:spcBef>
+                <a:spcPts val="0"/>
+              </a:spcBef>
+              <a:buClr>
+                <a:srgbClr val="FF0000"/>
+              </a:buClr>
+              <a:buSzPct val="25000"/>
+              <a:buFont typeface="Helvetica Neue"/>
+              <a:buNone/>
+            </a:pPr>
+            <a:r>
+              <a:rPr lang="en-US" sz="4600" b="0" i="0" u="none" strike="noStrike" cap="none" baseline="0" dirty="0" smtClean="0">
+                <a:solidFill>
+                  <a:srgbClr val="FF0000"/>
+                </a:solidFill>
+                <a:latin typeface="Helvetica Neue"/>
+                <a:ea typeface="Helvetica Neue"/>
+                <a:cs typeface="Helvetica Neue"/>
+                <a:sym typeface="Helvetica Neue"/>
+              </a:rPr>
+              <a:t>References</a:t>
+            </a:r>
+            <a:endParaRPr lang="en-US" sz="4600" b="0" i="0" u="none" strike="noStrike" cap="none" baseline="0" dirty="0">
+              <a:solidFill>
+                <a:srgbClr val="FF0000"/>
+              </a:solidFill>
+              <a:latin typeface="Helvetica Neue"/>
+              <a:ea typeface="Helvetica Neue"/>
+              <a:cs typeface="Helvetica Neue"/>
+              <a:sym typeface="Helvetica Neue"/>
+            </a:endParaRPr>
+          </a:p>
+        </p:txBody>
+      </p:sp>
+      <p:sp>
+        <p:nvSpPr>
+          <p:cNvPr id="124" name="Shape 124"/>
+          <p:cNvSpPr txBox="1">
+            <a:spLocks noGrp="1"/>
+          </p:cNvSpPr>
+          <p:nvPr>
+            <p:ph type="body" idx="1"/>
+          </p:nvPr>
+        </p:nvSpPr>
+        <p:spPr>
+          <a:xfrm>
+            <a:off x="457199" y="1417639"/>
+            <a:ext cx="8191532" cy="5059784"/>
+          </a:xfrm>
+          <a:prstGeom prst="rect">
+            <a:avLst/>
+          </a:prstGeom>
+          <a:noFill/>
+          <a:ln>
+            <a:noFill/>
+          </a:ln>
+        </p:spPr>
+        <p:txBody>
+          <a:bodyPr lIns="91425" tIns="45700" rIns="91425" bIns="45700" anchor="t" anchorCtr="0">
+            <a:noAutofit/>
+          </a:bodyPr>
+          <a:lstStyle/>
+          <a:p>
+            <a:pPr lvl="0">
+              <a:spcBef>
+                <a:spcPts val="0"/>
+              </a:spcBef>
+              <a:buSzPct val="100000"/>
+              <a:buFont typeface="Arial"/>
+              <a:buChar char="•"/>
+            </a:pPr>
+            <a:r>
+              <a:rPr lang="en-US" dirty="0">
+                <a:solidFill>
+                  <a:schemeClr val="dk1"/>
+                </a:solidFill>
+                <a:ea typeface="Helvetica Neue"/>
+                <a:cs typeface="Helvetica Neue"/>
+                <a:sym typeface="Helvetica Neue"/>
+                <a:hlinkClick r:id="rId3"/>
+              </a:rPr>
+              <a:t>https://</a:t>
+            </a:r>
+            <a:r>
+              <a:rPr lang="en-US" dirty="0" smtClean="0">
+                <a:solidFill>
+                  <a:schemeClr val="dk1"/>
+                </a:solidFill>
+                <a:ea typeface="Helvetica Neue"/>
+                <a:cs typeface="Helvetica Neue"/>
+                <a:sym typeface="Helvetica Neue"/>
+                <a:hlinkClick r:id="rId3"/>
+              </a:rPr>
+              <a:t>portal.tacc.utexas.edu/c/document_library/get_file?uuid=c3c38847-ca7e-41bf-aefa-fb232a777699&amp;groupId=13601</a:t>
+            </a:r>
+            <a:endParaRPr lang="en-US" dirty="0">
+              <a:solidFill>
+                <a:schemeClr val="dk1"/>
+              </a:solidFill>
+              <a:ea typeface="Helvetica Neue"/>
+              <a:cs typeface="Helvetica Neue"/>
+              <a:sym typeface="Helvetica Neue"/>
+            </a:endParaRPr>
+          </a:p>
+          <a:p>
+            <a:pPr lvl="0">
+              <a:spcBef>
+                <a:spcPts val="0"/>
+              </a:spcBef>
+              <a:buSzPct val="100000"/>
+              <a:buFont typeface="Arial"/>
+              <a:buChar char="•"/>
+            </a:pPr>
+            <a:endParaRPr lang="en-US" sz="1000" dirty="0" smtClean="0">
+              <a:solidFill>
+                <a:schemeClr val="dk1"/>
+              </a:solidFill>
+              <a:ea typeface="Helvetica Neue"/>
+              <a:cs typeface="Helvetica Neue"/>
+              <a:sym typeface="Helvetica Neue"/>
+              <a:hlinkClick r:id="rId4"/>
+            </a:endParaRPr>
+          </a:p>
+          <a:p>
+            <a:pPr lvl="0">
+              <a:spcBef>
+                <a:spcPts val="0"/>
+              </a:spcBef>
+              <a:buSzPct val="100000"/>
+              <a:buFont typeface="Arial"/>
+              <a:buChar char="•"/>
+            </a:pPr>
+            <a:r>
+              <a:rPr lang="en-US" dirty="0" smtClean="0">
+                <a:solidFill>
+                  <a:schemeClr val="dk1"/>
+                </a:solidFill>
+                <a:ea typeface="Helvetica Neue"/>
+                <a:cs typeface="Helvetica Neue"/>
+                <a:sym typeface="Helvetica Neue"/>
+                <a:hlinkClick r:id="rId4"/>
+              </a:rPr>
+              <a:t>https</a:t>
+            </a:r>
+            <a:r>
+              <a:rPr lang="en-US" dirty="0">
+                <a:solidFill>
+                  <a:schemeClr val="dk1"/>
+                </a:solidFill>
+                <a:ea typeface="Helvetica Neue"/>
+                <a:cs typeface="Helvetica Neue"/>
+                <a:sym typeface="Helvetica Neue"/>
+                <a:hlinkClick r:id="rId4"/>
+              </a:rPr>
+              <a:t>://computing.llnl.gov/tutorials/openMP</a:t>
+            </a:r>
+            <a:r>
+              <a:rPr lang="en-US" dirty="0" smtClean="0">
+                <a:solidFill>
+                  <a:schemeClr val="dk1"/>
+                </a:solidFill>
+                <a:ea typeface="Helvetica Neue"/>
+                <a:cs typeface="Helvetica Neue"/>
+                <a:sym typeface="Helvetica Neue"/>
+                <a:hlinkClick r:id="rId4"/>
+              </a:rPr>
+              <a:t>/</a:t>
+            </a:r>
+            <a:r>
+              <a:rPr lang="en-US" dirty="0" smtClean="0">
+                <a:solidFill>
+                  <a:schemeClr val="dk1"/>
+                </a:solidFill>
+                <a:ea typeface="Helvetica Neue"/>
+                <a:cs typeface="Helvetica Neue"/>
+                <a:sym typeface="Helvetica Neue"/>
+              </a:rPr>
+              <a:t> </a:t>
+            </a:r>
+            <a:endParaRPr lang="en-US" dirty="0">
+              <a:solidFill>
+                <a:schemeClr val="dk1"/>
+              </a:solidFill>
+              <a:ea typeface="Helvetica Neue"/>
+              <a:cs typeface="Helvetica Neue"/>
+              <a:sym typeface="Helvetica Neue"/>
+            </a:endParaRPr>
+          </a:p>
+          <a:p>
+            <a:pPr lvl="0">
+              <a:spcBef>
+                <a:spcPts val="0"/>
+              </a:spcBef>
+              <a:buSzPct val="100000"/>
+              <a:buFont typeface="Arial"/>
+              <a:buChar char="•"/>
+            </a:pPr>
+            <a:endParaRPr lang="en-US" sz="1000" dirty="0" smtClean="0">
+              <a:solidFill>
+                <a:schemeClr val="dk1"/>
+              </a:solidFill>
+              <a:ea typeface="Helvetica Neue"/>
+              <a:cs typeface="Helvetica Neue"/>
+              <a:sym typeface="Helvetica Neue"/>
+              <a:hlinkClick r:id="rId5"/>
+            </a:endParaRPr>
+          </a:p>
+          <a:p>
+            <a:pPr lvl="0">
+              <a:spcBef>
+                <a:spcPts val="0"/>
+              </a:spcBef>
+              <a:buSzPct val="100000"/>
+              <a:buFont typeface="Arial"/>
+              <a:buChar char="•"/>
+            </a:pPr>
+            <a:r>
+              <a:rPr lang="en-US" dirty="0" smtClean="0">
+                <a:solidFill>
+                  <a:schemeClr val="dk1"/>
+                </a:solidFill>
+                <a:ea typeface="Helvetica Neue"/>
+                <a:cs typeface="Helvetica Neue"/>
+                <a:sym typeface="Helvetica Neue"/>
+                <a:hlinkClick r:id="rId5"/>
+              </a:rPr>
+              <a:t>http</a:t>
+            </a:r>
+            <a:r>
+              <a:rPr lang="en-US" dirty="0">
+                <a:solidFill>
+                  <a:schemeClr val="dk1"/>
+                </a:solidFill>
+                <a:ea typeface="Helvetica Neue"/>
+                <a:cs typeface="Helvetica Neue"/>
+                <a:sym typeface="Helvetica Neue"/>
+                <a:hlinkClick r:id="rId5"/>
+              </a:rPr>
+              <a:t>://</a:t>
+            </a:r>
+            <a:r>
+              <a:rPr lang="en-US" dirty="0" smtClean="0">
+                <a:solidFill>
+                  <a:schemeClr val="dk1"/>
+                </a:solidFill>
+                <a:ea typeface="Helvetica Neue"/>
+                <a:cs typeface="Helvetica Neue"/>
+                <a:sym typeface="Helvetica Neue"/>
+                <a:hlinkClick r:id="rId5"/>
+              </a:rPr>
+              <a:t>openmp.org/mp-documents/omp-hands-on-SC08.pdf</a:t>
+            </a:r>
+            <a:endParaRPr lang="en-US" dirty="0" smtClean="0">
+              <a:hlinkClick r:id="rId6"/>
+            </a:endParaRPr>
+          </a:p>
+          <a:p>
+            <a:pPr>
+              <a:spcBef>
+                <a:spcPts val="0"/>
+              </a:spcBef>
+              <a:buSzPct val="100000"/>
+              <a:buFont typeface="Arial"/>
+              <a:buChar char="•"/>
+            </a:pPr>
+            <a:r>
+              <a:rPr lang="en-US" dirty="0">
+                <a:hlinkClick r:id="rId6"/>
+              </a:rPr>
+              <a:t>http://</a:t>
+            </a:r>
+            <a:r>
+              <a:rPr lang="en-US" dirty="0" smtClean="0">
+                <a:hlinkClick r:id="rId6"/>
+              </a:rPr>
+              <a:t>heather.cs.ucdavis.edu/ParallelR.pdf</a:t>
+            </a:r>
+          </a:p>
+          <a:p>
+            <a:pPr>
+              <a:spcBef>
+                <a:spcPts val="0"/>
+              </a:spcBef>
+              <a:buSzPct val="100000"/>
+              <a:buFont typeface="Arial"/>
+              <a:buChar char="•"/>
+            </a:pPr>
+            <a:r>
+              <a:rPr lang="en-US" dirty="0" smtClean="0">
+                <a:hlinkClick r:id="rId6"/>
+              </a:rPr>
+              <a:t>https</a:t>
+            </a:r>
+            <a:r>
+              <a:rPr lang="en-US" dirty="0">
+                <a:hlinkClick r:id="rId6"/>
+              </a:rPr>
+              <a:t>://computing.llnl.gov/tutorials/mpi</a:t>
+            </a:r>
+            <a:r>
+              <a:rPr lang="en-US" dirty="0" smtClean="0">
+                <a:hlinkClick r:id="rId6"/>
+              </a:rPr>
+              <a:t>/</a:t>
+            </a:r>
+            <a:endParaRPr lang="en-US" dirty="0" smtClean="0">
+              <a:hlinkClick r:id=""/>
+            </a:endParaRPr>
+          </a:p>
+          <a:p>
+            <a:pPr>
+              <a:spcBef>
+                <a:spcPts val="0"/>
+              </a:spcBef>
+              <a:buSzPct val="100000"/>
+              <a:buFont typeface="Arial"/>
+              <a:buChar char="•"/>
+            </a:pPr>
+            <a:endParaRPr lang="en-US" sz="1000" dirty="0" smtClean="0">
+              <a:hlinkClick r:id="rId7"/>
+            </a:endParaRPr>
+          </a:p>
+          <a:p>
+            <a:pPr>
+              <a:spcBef>
+                <a:spcPts val="0"/>
+              </a:spcBef>
+              <a:buSzPct val="100000"/>
+              <a:buFont typeface="Arial"/>
+              <a:buChar char="•"/>
+            </a:pPr>
+            <a:r>
+              <a:rPr lang="en-US" dirty="0" smtClean="0">
+                <a:hlinkClick r:id="rId7"/>
+              </a:rPr>
+              <a:t>http://htor.inf.ethz.ch/teaching/mpi_tutorials/ppopp13/2013-02-24-ppopp-mpi-basic.pdf</a:t>
+            </a:r>
+            <a:r>
+              <a:rPr lang="en-US" dirty="0" smtClean="0"/>
+              <a:t> </a:t>
+            </a:r>
+            <a:endParaRPr lang="en-US" dirty="0" smtClean="0">
+              <a:hlinkClick r:id=""/>
+            </a:endParaRPr>
+          </a:p>
+          <a:p>
+            <a:pPr>
+              <a:spcBef>
+                <a:spcPts val="0"/>
+              </a:spcBef>
+              <a:buSzPct val="100000"/>
+              <a:buFont typeface="Arial"/>
+              <a:buChar char="•"/>
+            </a:pPr>
+            <a:endParaRPr lang="en-US" sz="1000" dirty="0" smtClean="0">
+              <a:hlinkClick r:id=""/>
+            </a:endParaRPr>
+          </a:p>
+          <a:p>
+            <a:pPr>
+              <a:spcBef>
+                <a:spcPts val="0"/>
+              </a:spcBef>
+              <a:buSzPct val="100000"/>
+              <a:buFont typeface="Arial"/>
+              <a:buChar char="•"/>
+            </a:pPr>
+            <a:r>
+              <a:rPr lang="en-US" dirty="0" smtClean="0">
+                <a:hlinkClick r:id="rId8"/>
+              </a:rPr>
+              <a:t>https://www.rc.usf.edu/tutorials/classes/tutorial/mpi/</a:t>
+            </a:r>
+            <a:r>
+              <a:rPr lang="en-US" dirty="0" smtClean="0"/>
+              <a:t> </a:t>
+            </a:r>
+            <a:endParaRPr lang="en-US" sz="2600" b="0" i="0" u="none" strike="noStrike" cap="none" baseline="0" dirty="0" smtClean="0">
+              <a:solidFill>
+                <a:schemeClr val="dk1"/>
+              </a:solidFill>
+              <a:latin typeface="Helvetica Neue"/>
+              <a:ea typeface="Helvetica Neue"/>
+              <a:cs typeface="Helvetica Neue"/>
+              <a:sym typeface="Helvetica Neue"/>
+            </a:endParaRPr>
+          </a:p>
+        </p:txBody>
+      </p:sp>
+      <p:sp>
+        <p:nvSpPr>
+          <p:cNvPr id="126" name="Shape 126"/>
+          <p:cNvSpPr>
+            <a:spLocks noGrp="1"/>
+          </p:cNvSpPr>
+          <p:nvPr>
+            <p:ph type="sldNum" idx="4294967295"/>
+          </p:nvPr>
+        </p:nvSpPr>
+        <p:spPr>
+          <a:xfrm>
+            <a:off x="7619999" y="6477423"/>
+            <a:ext cx="433230" cy="312889"/>
+          </a:xfrm>
+          <a:prstGeom prst="bracketPair">
+            <a:avLst/>
+          </a:prstGeom>
+          <a:noFill/>
+          <a:ln>
+            <a:noFill/>
+          </a:ln>
+        </p:spPr>
+        <p:txBody>
+          <a:bodyPr lIns="91425" tIns="45700" rIns="91425" bIns="45700" anchor="ctr" anchorCtr="0">
+            <a:noAutofit/>
+          </a:bodyPr>
+          <a:lstStyle/>
+          <a:p>
+            <a:pPr marL="0" marR="0" lvl="0" indent="0" algn="r" rtl="0">
+              <a:spcBef>
+                <a:spcPts val="0"/>
+              </a:spcBef>
+              <a:buSzPct val="25000"/>
+              <a:buNone/>
+            </a:pPr>
+            <a:fld id="{00000000-1234-1234-1234-123412341234}" type="slidenum">
+              <a:rPr lang="en-US" sz="1200" b="0" i="0" u="none" strike="noStrike" cap="none" baseline="0">
+                <a:solidFill>
+                  <a:srgbClr val="9E9C97"/>
+                </a:solidFill>
+                <a:latin typeface="Calibri"/>
+                <a:ea typeface="Calibri"/>
+                <a:cs typeface="Calibri"/>
+                <a:sym typeface="Calibri"/>
+              </a:rPr>
+              <a:t>35</a:t>
+            </a:fld>
+            <a:endParaRPr lang="en-US" sz="1200" b="0" i="0" u="none" strike="noStrike" cap="none" baseline="0">
+              <a:solidFill>
+                <a:srgbClr val="9E9C97"/>
+              </a:solidFill>
+              <a:latin typeface="Calibri"/>
+              <a:ea typeface="Calibri"/>
+              <a:cs typeface="Calibri"/>
+              <a:sym typeface="Calibri"/>
+            </a:endParaRPr>
+          </a:p>
+        </p:txBody>
+      </p:sp>
+    </p:spTree>
+    <p:extLst>
+      <p:ext uri="{BB962C8B-B14F-4D97-AF65-F5344CB8AC3E}">
+        <p14:creationId xmlns:p14="http://schemas.microsoft.com/office/powerpoint/2010/main" val="1606606608"/>
+      </p:ext>
+    </p:extLst>
+  </p:cSld>
+  <p:clrMapOvr>
+    <a:masterClrMapping/>
+  </p:clrMapOvr>
+  <p:transition spd="slow">
+    <p:cut/>
+  </p:transition>
+  <p:timing>
+    <p:tnLst>
+      <p:par>
+        <p:cTn id="1" dur="indefinite" restart="never" nodeType="tmRoot"/>
+      </p:par>
+    </p:tnLst>
+  </p:timing>
+</p:sld>
+</file>
+
+<file path=ppt/slides/slide36.xml><?xml version="1.0" encoding="utf-8"?>
+<p:sld xmlns:a="http://schemas.openxmlformats.org/drawingml/2006/main" xmlns:r="http://schemas.openxmlformats.org/officeDocument/2006/relationships" xmlns:p="http://schemas.openxmlformats.org/presentationml/2006/main">
+  <p:cSld>
+    <p:spTree>
+      <p:nvGrpSpPr>
+        <p:cNvPr id="1" name=""/>
+        <p:cNvGrpSpPr/>
+        <p:nvPr/>
+      </p:nvGrpSpPr>
+      <p:grpSpPr>
+        <a:xfrm>
+          <a:off x="0" y="0"/>
+          <a:ext cx="0" cy="0"/>
+          <a:chOff x="0" y="0"/>
+          <a:chExt cx="0" cy="0"/>
+        </a:xfrm>
+      </p:grpSpPr>
+      <p:sp>
+        <p:nvSpPr>
+          <p:cNvPr id="2" name="Title 1"/>
+          <p:cNvSpPr>
+            <a:spLocks noGrp="1"/>
+          </p:cNvSpPr>
+          <p:nvPr>
+            <p:ph type="title"/>
+          </p:nvPr>
+        </p:nvSpPr>
+        <p:spPr/>
+        <p:txBody>
           <a:bodyPr/>
           <a:lstStyle/>
           <a:p>
@@ -26548,7 +27563,7 @@
           <a:p>
             <a:fld id="{7E1CAACC-F82F-BF4F-B0F1-61A165586382}" type="datetime1">
               <a:rPr lang="en-US" smtClean="0"/>
-              <a:t>7/18/16</a:t>
+              <a:t>7/19/16</a:t>
             </a:fld>
             <a:endParaRPr lang="en-US" dirty="0"/>
           </a:p>
@@ -26595,7 +27610,7 @@
             <a:fld id="{249E94F7-107C-CE46-8C56-9CACFF99CD93}" type="slidenum">
               <a:rPr lang="en-US" smtClean="0"/>
               <a:pPr/>
-              <a:t>31</a:t>
+              <a:t>36</a:t>
             </a:fld>
             <a:endParaRPr lang="en-US" dirty="0"/>
           </a:p>

--- a/Basics_Supercomputing/how_parallel_program.pptx
+++ b/Basics_Supercomputing/how_parallel_program.pptx
@@ -9,10 +9,10 @@
     <p:sldMasterId id="2147483805" r:id="rId5"/>
   </p:sldMasterIdLst>
   <p:notesMasterIdLst>
-    <p:notesMasterId r:id="rId42"/>
+    <p:notesMasterId r:id="rId43"/>
   </p:notesMasterIdLst>
   <p:handoutMasterIdLst>
-    <p:handoutMasterId r:id="rId43"/>
+    <p:handoutMasterId r:id="rId44"/>
   </p:handoutMasterIdLst>
   <p:sldIdLst>
     <p:sldId id="312" r:id="rId6"/>
@@ -50,7 +50,8 @@
     <p:sldId id="425" r:id="rId38"/>
     <p:sldId id="430" r:id="rId39"/>
     <p:sldId id="399" r:id="rId40"/>
-    <p:sldId id="406" r:id="rId41"/>
+    <p:sldId id="436" r:id="rId41"/>
+    <p:sldId id="406" r:id="rId42"/>
   </p:sldIdLst>
   <p:sldSz cx="9144000" cy="6858000" type="screen4x3"/>
   <p:notesSz cx="6858000" cy="9144000"/>
@@ -23752,11 +23753,11 @@
   <p:clrMapOvr>
     <a:masterClrMapping/>
   </p:clrMapOvr>
-  <mc:AlternateContent xmlns:mc="http://schemas.openxmlformats.org/markup-compatibility/2006">
-    <mc:Choice xmlns:p14="http://schemas.microsoft.com/office/powerpoint/2010/main" Requires="p14">
+  <mc:AlternateContent xmlns:mc="http://schemas.openxmlformats.org/markup-compatibility/2006" xmlns:p14="http://schemas.microsoft.com/office/powerpoint/2010/main">
+    <mc:Choice Requires="p14">
       <p:transition spd="slow" p14:dur="2000"/>
     </mc:Choice>
-    <mc:Fallback>
+    <mc:Fallback xmlns="">
       <p:transition spd="slow"/>
     </mc:Fallback>
   </mc:AlternateContent>
@@ -24139,11 +24140,11 @@
   <p:clrMapOvr>
     <a:masterClrMapping/>
   </p:clrMapOvr>
-  <mc:AlternateContent xmlns:mc="http://schemas.openxmlformats.org/markup-compatibility/2006">
-    <mc:Choice xmlns:p14="http://schemas.microsoft.com/office/powerpoint/2010/main" Requires="p14">
+  <mc:AlternateContent xmlns:mc="http://schemas.openxmlformats.org/markup-compatibility/2006" xmlns:p14="http://schemas.microsoft.com/office/powerpoint/2010/main">
+    <mc:Choice Requires="p14">
       <p:transition spd="slow" p14:dur="2000"/>
     </mc:Choice>
-    <mc:Fallback>
+    <mc:Fallback xmlns="">
       <p:transition spd="slow"/>
     </mc:Fallback>
   </mc:AlternateContent>
@@ -24291,11 +24292,11 @@
   <p:clrMapOvr>
     <a:masterClrMapping/>
   </p:clrMapOvr>
-  <mc:AlternateContent xmlns:mc="http://schemas.openxmlformats.org/markup-compatibility/2006">
-    <mc:Choice xmlns:p14="http://schemas.microsoft.com/office/powerpoint/2010/main" Requires="p14">
+  <mc:AlternateContent xmlns:mc="http://schemas.openxmlformats.org/markup-compatibility/2006" xmlns:p14="http://schemas.microsoft.com/office/powerpoint/2010/main">
+    <mc:Choice Requires="p14">
       <p:transition spd="slow" p14:dur="2000"/>
     </mc:Choice>
-    <mc:Fallback>
+    <mc:Fallback xmlns="">
       <p:transition spd="slow"/>
     </mc:Fallback>
   </mc:AlternateContent>
@@ -24462,11 +24463,11 @@
   <p:clrMapOvr>
     <a:masterClrMapping/>
   </p:clrMapOvr>
-  <mc:AlternateContent xmlns:mc="http://schemas.openxmlformats.org/markup-compatibility/2006">
-    <mc:Choice xmlns:p14="http://schemas.microsoft.com/office/powerpoint/2010/main" Requires="p14">
+  <mc:AlternateContent xmlns:mc="http://schemas.openxmlformats.org/markup-compatibility/2006" xmlns:p14="http://schemas.microsoft.com/office/powerpoint/2010/main">
+    <mc:Choice Requires="p14">
       <p:transition spd="slow" p14:dur="2000"/>
     </mc:Choice>
-    <mc:Fallback>
+    <mc:Fallback xmlns="">
       <p:transition spd="slow"/>
     </mc:Fallback>
   </mc:AlternateContent>
@@ -27441,7 +27442,7 @@
           <a:p>
             <a:r>
               <a:rPr lang="en-US" dirty="0" smtClean="0"/>
-              <a:t>Questions?</a:t>
+              <a:t>Now what?</a:t>
             </a:r>
             <a:endParaRPr lang="en-US" dirty="0"/>
           </a:p>
@@ -27461,6 +27462,12 @@
         <p:txBody>
           <a:bodyPr/>
           <a:lstStyle/>
+          <a:p>
+            <a:r>
+              <a:rPr lang="en-US" dirty="0" smtClean="0"/>
+              <a:t>Get an account on Janus!</a:t>
+            </a:r>
+          </a:p>
           <a:p>
             <a:r>
               <a:rPr lang="en-US" dirty="0" smtClean="0"/>
@@ -27472,6 +27479,154 @@
               </a:rPr>
               <a:t>rc-help@colorado.edu</a:t>
             </a:r>
+            <a:r>
+              <a:rPr lang="en-US" dirty="0" smtClean="0"/>
+              <a:t> for any help!</a:t>
+            </a:r>
+          </a:p>
+          <a:p>
+            <a:r>
+              <a:rPr lang="en-US" dirty="0" smtClean="0"/>
+              <a:t>Email </a:t>
+            </a:r>
+            <a:r>
+              <a:rPr lang="en-US" dirty="0" smtClean="0">
+                <a:hlinkClick r:id="rId3"/>
+              </a:rPr>
+              <a:t>shelley.knuth@colorado.edu</a:t>
+            </a:r>
+            <a:r>
+              <a:rPr lang="en-US" dirty="0" smtClean="0"/>
+              <a:t> if you want to be added to a new email list about upcoming workshops!</a:t>
+            </a:r>
+          </a:p>
+          <a:p>
+            <a:r>
+              <a:rPr lang="en-US" dirty="0" smtClean="0"/>
+              <a:t>Fill this out! </a:t>
+            </a:r>
+            <a:r>
+              <a:rPr lang="en-US" dirty="0">
+                <a:hlinkClick r:id="rId4"/>
+              </a:rPr>
+              <a:t>http://tinyurl.com/curc-survey16</a:t>
+            </a:r>
+            <a:r>
+              <a:rPr lang="en-US" dirty="0"/>
+              <a:t>  </a:t>
+            </a:r>
+          </a:p>
+          <a:p>
+            <a:r>
+              <a:rPr lang="en-US" smtClean="0"/>
+              <a:t> </a:t>
+            </a:r>
+            <a:endParaRPr lang="en-US" dirty="0"/>
+          </a:p>
+        </p:txBody>
+      </p:sp>
+      <p:sp>
+        <p:nvSpPr>
+          <p:cNvPr id="4" name="Slide Number Placeholder 3"/>
+          <p:cNvSpPr>
+            <a:spLocks noGrp="1"/>
+          </p:cNvSpPr>
+          <p:nvPr>
+            <p:ph type="sldNum" sz="quarter" idx="4"/>
+          </p:nvPr>
+        </p:nvSpPr>
+        <p:spPr/>
+        <p:txBody>
+          <a:bodyPr/>
+          <a:lstStyle/>
+          <a:p>
+            <a:fld id="{249E94F7-107C-CE46-8C56-9CACFF99CD93}" type="slidenum">
+              <a:rPr lang="en-US" smtClean="0"/>
+              <a:pPr/>
+              <a:t>36</a:t>
+            </a:fld>
+            <a:endParaRPr lang="en-US" dirty="0"/>
+          </a:p>
+        </p:txBody>
+      </p:sp>
+    </p:spTree>
+    <p:extLst>
+      <p:ext uri="{BB962C8B-B14F-4D97-AF65-F5344CB8AC3E}">
+        <p14:creationId xmlns:p14="http://schemas.microsoft.com/office/powerpoint/2010/main" val="413745299"/>
+      </p:ext>
+    </p:extLst>
+  </p:cSld>
+  <p:clrMapOvr>
+    <a:masterClrMapping/>
+  </p:clrMapOvr>
+</p:sld>
+</file>
+
+<file path=ppt/slides/slide37.xml><?xml version="1.0" encoding="utf-8"?>
+<p:sld xmlns:a="http://schemas.openxmlformats.org/drawingml/2006/main" xmlns:r="http://schemas.openxmlformats.org/officeDocument/2006/relationships" xmlns:p="http://schemas.openxmlformats.org/presentationml/2006/main">
+  <p:cSld>
+    <p:spTree>
+      <p:nvGrpSpPr>
+        <p:cNvPr id="1" name=""/>
+        <p:cNvGrpSpPr/>
+        <p:nvPr/>
+      </p:nvGrpSpPr>
+      <p:grpSpPr>
+        <a:xfrm>
+          <a:off x="0" y="0"/>
+          <a:ext cx="0" cy="0"/>
+          <a:chOff x="0" y="0"/>
+          <a:chExt cx="0" cy="0"/>
+        </a:xfrm>
+      </p:grpSpPr>
+      <p:sp>
+        <p:nvSpPr>
+          <p:cNvPr id="2" name="Title 1"/>
+          <p:cNvSpPr>
+            <a:spLocks noGrp="1"/>
+          </p:cNvSpPr>
+          <p:nvPr>
+            <p:ph type="title"/>
+          </p:nvPr>
+        </p:nvSpPr>
+        <p:spPr/>
+        <p:txBody>
+          <a:bodyPr/>
+          <a:lstStyle/>
+          <a:p>
+            <a:r>
+              <a:rPr lang="en-US" dirty="0" smtClean="0"/>
+              <a:t>Questions?</a:t>
+            </a:r>
+            <a:endParaRPr lang="en-US" dirty="0"/>
+          </a:p>
+        </p:txBody>
+      </p:sp>
+      <p:sp>
+        <p:nvSpPr>
+          <p:cNvPr id="3" name="Content Placeholder 2"/>
+          <p:cNvSpPr>
+            <a:spLocks noGrp="1"/>
+          </p:cNvSpPr>
+          <p:nvPr>
+            <p:ph idx="1"/>
+          </p:nvPr>
+        </p:nvSpPr>
+        <p:spPr/>
+        <p:txBody>
+          <a:bodyPr/>
+          <a:lstStyle/>
+          <a:p>
+            <a:r>
+              <a:rPr lang="en-US" dirty="0" smtClean="0"/>
+              <a:t>Email </a:t>
+            </a:r>
+            <a:r>
+              <a:rPr lang="en-US" dirty="0" smtClean="0">
+                <a:hlinkClick r:id="rId2"/>
+              </a:rPr>
+              <a:t>rc-help@colorado.edu</a:t>
+            </a:r>
             <a:endParaRPr lang="en-US" dirty="0" smtClean="0"/>
           </a:p>
           <a:p>
@@ -27610,7 +27765,7 @@
             <a:fld id="{249E94F7-107C-CE46-8C56-9CACFF99CD93}" type="slidenum">
               <a:rPr lang="en-US" smtClean="0"/>
               <a:pPr/>
-              <a:t>36</a:t>
+              <a:t>37</a:t>
             </a:fld>
             <a:endParaRPr lang="en-US" dirty="0"/>
           </a:p>

--- a/Basics_Supercomputing/how_parallel_program.pptx
+++ b/Basics_Supercomputing/how_parallel_program.pptx
@@ -27460,7 +27460,9 @@
         </p:nvSpPr>
         <p:spPr/>
         <p:txBody>
-          <a:bodyPr/>
+          <a:bodyPr>
+            <a:normAutofit lnSpcReduction="10000"/>
+          </a:bodyPr>
           <a:lstStyle/>
           <a:p>
             <a:r>
@@ -27469,8 +27471,11 @@
             </a:r>
           </a:p>
           <a:p>
-            <a:r>
-              <a:rPr lang="en-US" dirty="0" smtClean="0"/>
+            <a:endParaRPr lang="en-US" smtClean="0"/>
+          </a:p>
+          <a:p>
+            <a:r>
+              <a:rPr lang="en-US" smtClean="0"/>
               <a:t>Email </a:t>
             </a:r>
             <a:r>
@@ -27481,24 +27486,67 @@
             </a:r>
             <a:r>
               <a:rPr lang="en-US" dirty="0" smtClean="0"/>
-              <a:t> for any help!</a:t>
-            </a:r>
-          </a:p>
-          <a:p>
+              <a:t> for any help</a:t>
+            </a:r>
             <a:r>
               <a:rPr lang="en-US" dirty="0" smtClean="0"/>
-              <a:t>Email </a:t>
+              <a:t>!</a:t>
+            </a:r>
+          </a:p>
+          <a:p>
+            <a:endParaRPr lang="en-US" dirty="0" smtClean="0"/>
+          </a:p>
+          <a:p>
+            <a:r>
+              <a:rPr lang="en-US" dirty="0" smtClean="0"/>
+              <a:t>Join our </a:t>
+            </a:r>
+            <a:r>
+              <a:rPr lang="en-US" dirty="0"/>
+              <a:t>meetup group! </a:t>
+            </a:r>
+            <a:r>
+              <a:rPr lang="en-US" dirty="0">
+                <a:hlinkClick r:id="rId3"/>
+              </a:rPr>
+              <a:t>https://www.meetup.com/University-of-Colorado-Computational-Science-and-Engineering</a:t>
             </a:r>
             <a:r>
               <a:rPr lang="en-US" dirty="0" smtClean="0">
                 <a:hlinkClick r:id="rId3"/>
               </a:rPr>
+              <a:t>/</a:t>
+            </a:r>
+            <a:r>
+              <a:rPr lang="en-US" dirty="0" smtClean="0"/>
+              <a:t> </a:t>
+            </a:r>
+          </a:p>
+          <a:p>
+            <a:endParaRPr lang="en-US" dirty="0" smtClean="0"/>
+          </a:p>
+          <a:p>
+            <a:r>
+              <a:rPr lang="en-US" dirty="0" smtClean="0"/>
+              <a:t>Email </a:t>
+            </a:r>
+            <a:r>
+              <a:rPr lang="en-US" dirty="0" smtClean="0">
+                <a:hlinkClick r:id="rId4"/>
+              </a:rPr>
               <a:t>shelley.knuth@colorado.edu</a:t>
             </a:r>
             <a:r>
               <a:rPr lang="en-US" dirty="0" smtClean="0"/>
-              <a:t> if you want to be added to a new email list about upcoming workshops!</a:t>
-            </a:r>
+              <a:t> if you want to be added to a new email list about upcoming workshops</a:t>
+            </a:r>
+            <a:r>
+              <a:rPr lang="en-US" dirty="0" smtClean="0"/>
+              <a:t>!</a:t>
+            </a:r>
+          </a:p>
+          <a:p>
+            <a:endParaRPr lang="en-US" dirty="0" smtClean="0"/>
           </a:p>
           <a:p>
             <a:r>
@@ -27507,7 +27555,7 @@
             </a:r>
             <a:r>
               <a:rPr lang="en-US" dirty="0">
-                <a:hlinkClick r:id="rId4"/>
+                <a:hlinkClick r:id="rId5"/>
               </a:rPr>
               <a:t>http://tinyurl.com/curc-survey16</a:t>
             </a:r>
@@ -27515,10 +27563,8 @@
               <a:rPr lang="en-US" dirty="0"/>
               <a:t>  </a:t>
             </a:r>
-          </a:p>
-          <a:p>
-            <a:r>
-              <a:rPr lang="en-US" smtClean="0"/>
+            <a:r>
+              <a:rPr lang="en-US" dirty="0" smtClean="0"/>
               <a:t> </a:t>
             </a:r>
             <a:endParaRPr lang="en-US" dirty="0"/>
